--- a/BDD and SpecFlow.pptx
+++ b/BDD and SpecFlow.pptx
@@ -5,30 +5,27 @@
     <p:sldMasterId id="2147483648" r:id="rId1"/>
   </p:sldMasterIdLst>
   <p:notesMasterIdLst>
-    <p:notesMasterId r:id="rId20"/>
+    <p:notesMasterId r:id="rId17"/>
   </p:notesMasterIdLst>
   <p:handoutMasterIdLst>
-    <p:handoutMasterId r:id="rId21"/>
+    <p:handoutMasterId r:id="rId18"/>
   </p:handoutMasterIdLst>
   <p:sldIdLst>
     <p:sldId id="259" r:id="rId2"/>
     <p:sldId id="261" r:id="rId3"/>
-    <p:sldId id="288" r:id="rId4"/>
-    <p:sldId id="289" r:id="rId5"/>
-    <p:sldId id="282" r:id="rId6"/>
-    <p:sldId id="290" r:id="rId7"/>
-    <p:sldId id="291" r:id="rId8"/>
-    <p:sldId id="294" r:id="rId9"/>
-    <p:sldId id="283" r:id="rId10"/>
-    <p:sldId id="292" r:id="rId11"/>
-    <p:sldId id="293" r:id="rId12"/>
-    <p:sldId id="295" r:id="rId13"/>
-    <p:sldId id="296" r:id="rId14"/>
-    <p:sldId id="297" r:id="rId15"/>
-    <p:sldId id="298" r:id="rId16"/>
-    <p:sldId id="299" r:id="rId17"/>
-    <p:sldId id="300" r:id="rId18"/>
-    <p:sldId id="301" r:id="rId19"/>
+    <p:sldId id="289" r:id="rId4"/>
+    <p:sldId id="282" r:id="rId5"/>
+    <p:sldId id="290" r:id="rId6"/>
+    <p:sldId id="291" r:id="rId7"/>
+    <p:sldId id="283" r:id="rId8"/>
+    <p:sldId id="292" r:id="rId9"/>
+    <p:sldId id="293" r:id="rId10"/>
+    <p:sldId id="296" r:id="rId11"/>
+    <p:sldId id="298" r:id="rId12"/>
+    <p:sldId id="299" r:id="rId13"/>
+    <p:sldId id="302" r:id="rId14"/>
+    <p:sldId id="300" r:id="rId15"/>
+    <p:sldId id="301" r:id="rId16"/>
   </p:sldIdLst>
   <p:sldSz cx="9144000" cy="6858000" type="screen4x3"/>
   <p:notesSz cx="6858000" cy="9144000"/>
@@ -138,20 +135,17 @@
         <p14:section name="Overview and Objectives" id="{ABA716BF-3A5C-4ADB-94C9-CFEF84EBA240}">
           <p14:sldIdLst>
             <p14:sldId id="261"/>
-            <p14:sldId id="288"/>
             <p14:sldId id="289"/>
             <p14:sldId id="282"/>
             <p14:sldId id="290"/>
             <p14:sldId id="291"/>
-            <p14:sldId id="294"/>
             <p14:sldId id="283"/>
             <p14:sldId id="292"/>
             <p14:sldId id="293"/>
-            <p14:sldId id="295"/>
             <p14:sldId id="296"/>
-            <p14:sldId id="297"/>
             <p14:sldId id="298"/>
             <p14:sldId id="299"/>
+            <p14:sldId id="302"/>
             <p14:sldId id="300"/>
             <p14:sldId id="301"/>
           </p14:sldIdLst>
@@ -245,7 +239,7 @@
             <a:fld id="{D83FDC75-7F73-4A4A-A77C-09AADF00E0EA}" type="datetimeFigureOut">
               <a:rPr lang="en-US" smtClean="0"/>
               <a:pPr/>
-              <a:t>9/27/2010</a:t>
+              <a:t>11/2/2010</a:t>
             </a:fld>
             <a:endParaRPr lang="en-US" dirty="0"/>
           </a:p>
@@ -412,7 +406,7 @@
             <a:fld id="{48AEF76B-3757-4A0B-AF93-28494465C1DD}" type="datetimeFigureOut">
               <a:rPr lang="en-US" smtClean="0"/>
               <a:pPr/>
-              <a:t>9/27/2010</a:t>
+              <a:t>11/2/2010</a:t>
             </a:fld>
             <a:endParaRPr lang="en-US" dirty="0"/>
           </a:p>
@@ -1039,7 +1033,7 @@
             <a:fld id="{EC6EAC7D-5A89-47C2-8ABA-56C9C2DEF7A4}" type="slidenum">
               <a:rPr lang="en-US" smtClean="0"/>
               <a:pPr/>
-              <a:t>11</a:t>
+              <a:t>10</a:t>
             </a:fld>
             <a:endParaRPr lang="en-US"/>
           </a:p>
@@ -1094,75 +1088,32 @@
         </p:nvSpPr>
         <p:spPr/>
         <p:txBody>
-          <a:bodyPr>
-            <a:normAutofit/>
-          </a:bodyPr>
-          <a:lstStyle/>
-          <a:p>
-            <a:pPr>
-              <a:lnSpc>
-                <a:spcPct val="80000"/>
-              </a:lnSpc>
-            </a:pPr>
-            <a:r>
-              <a:rPr lang="en-US" dirty="0" smtClean="0"/>
-              <a:t>Give a brief overview of the presentation.</a:t>
-            </a:r>
-            <a:r>
-              <a:rPr lang="en-US" baseline="0" dirty="0" smtClean="0"/>
-              <a:t> D</a:t>
-            </a:r>
-            <a:r>
-              <a:rPr lang="en-US" dirty="0" smtClean="0"/>
-              <a:t>escribe the major focus of the presentation and why it is important.</a:t>
-            </a:r>
-          </a:p>
-          <a:p>
-            <a:pPr>
-              <a:lnSpc>
-                <a:spcPct val="80000"/>
-              </a:lnSpc>
-            </a:pPr>
-            <a:r>
-              <a:rPr lang="en-US" dirty="0" smtClean="0"/>
-              <a:t>Introduce each of the major topics.</a:t>
-            </a:r>
-          </a:p>
-          <a:p>
-            <a:r>
-              <a:rPr lang="en-US" dirty="0" smtClean="0"/>
-              <a:t>To provide a road map for the audience, you</a:t>
-            </a:r>
-            <a:r>
-              <a:rPr lang="en-US" baseline="0" dirty="0" smtClean="0"/>
-              <a:t> can </a:t>
-            </a:r>
-            <a:r>
-              <a:rPr lang="en-US" dirty="0" smtClean="0"/>
-              <a:t>repeat this Overview slide throughout the presentation, highlighting the particular topic you will discuss next.</a:t>
-            </a:r>
-          </a:p>
-        </p:txBody>
-      </p:sp>
-      <p:sp>
-        <p:nvSpPr>
-          <p:cNvPr id="4" name="Slide Number Placeholder 3"/>
-          <p:cNvSpPr>
-            <a:spLocks noGrp="1"/>
-          </p:cNvSpPr>
-          <p:nvPr>
-            <p:ph type="sldNum" sz="quarter" idx="10"/>
-          </p:nvPr>
-        </p:nvSpPr>
-        <p:spPr/>
-        <p:txBody>
           <a:bodyPr/>
           <a:lstStyle/>
           <a:p>
-            <a:fld id="{EC6EAC7D-5A89-47C2-8ABA-56C9C2DEF7A4}" type="slidenum">
+            <a:endParaRPr lang="en-US"/>
+          </a:p>
+        </p:txBody>
+      </p:sp>
+      <p:sp>
+        <p:nvSpPr>
+          <p:cNvPr id="4" name="Slide Number Placeholder 3"/>
+          <p:cNvSpPr>
+            <a:spLocks noGrp="1"/>
+          </p:cNvSpPr>
+          <p:nvPr>
+            <p:ph type="sldNum" sz="quarter" idx="10"/>
+          </p:nvPr>
+        </p:nvSpPr>
+        <p:spPr/>
+        <p:txBody>
+          <a:bodyPr/>
+          <a:lstStyle/>
+          <a:p>
+            <a:fld id="{75693FD4-8F83-4EF7-AC3F-0DC0388986B0}" type="slidenum">
               <a:rPr lang="en-US" smtClean="0"/>
               <a:pPr/>
-              <a:t>13</a:t>
+              <a:t>11</a:t>
             </a:fld>
             <a:endParaRPr lang="en-US"/>
           </a:p>
@@ -1285,7 +1236,7 @@
             <a:fld id="{EC6EAC7D-5A89-47C2-8ABA-56C9C2DEF7A4}" type="slidenum">
               <a:rPr lang="en-US" smtClean="0"/>
               <a:pPr/>
-              <a:t>14</a:t>
+              <a:t>12</a:t>
             </a:fld>
             <a:endParaRPr lang="en-US"/>
           </a:p>
@@ -1340,32 +1291,75 @@
         </p:nvSpPr>
         <p:spPr/>
         <p:txBody>
+          <a:bodyPr>
+            <a:normAutofit/>
+          </a:bodyPr>
+          <a:lstStyle/>
+          <a:p>
+            <a:pPr>
+              <a:lnSpc>
+                <a:spcPct val="80000"/>
+              </a:lnSpc>
+            </a:pPr>
+            <a:r>
+              <a:rPr lang="en-US" dirty="0" smtClean="0"/>
+              <a:t>Give a brief overview of the presentation.</a:t>
+            </a:r>
+            <a:r>
+              <a:rPr lang="en-US" baseline="0" dirty="0" smtClean="0"/>
+              <a:t> D</a:t>
+            </a:r>
+            <a:r>
+              <a:rPr lang="en-US" dirty="0" smtClean="0"/>
+              <a:t>escribe the major focus of the presentation and why it is important.</a:t>
+            </a:r>
+          </a:p>
+          <a:p>
+            <a:pPr>
+              <a:lnSpc>
+                <a:spcPct val="80000"/>
+              </a:lnSpc>
+            </a:pPr>
+            <a:r>
+              <a:rPr lang="en-US" dirty="0" smtClean="0"/>
+              <a:t>Introduce each of the major topics.</a:t>
+            </a:r>
+          </a:p>
+          <a:p>
+            <a:r>
+              <a:rPr lang="en-US" dirty="0" smtClean="0"/>
+              <a:t>To provide a road map for the audience, you</a:t>
+            </a:r>
+            <a:r>
+              <a:rPr lang="en-US" baseline="0" dirty="0" smtClean="0"/>
+              <a:t> can </a:t>
+            </a:r>
+            <a:r>
+              <a:rPr lang="en-US" dirty="0" smtClean="0"/>
+              <a:t>repeat this Overview slide throughout the presentation, highlighting the particular topic you will discuss next.</a:t>
+            </a:r>
+          </a:p>
+        </p:txBody>
+      </p:sp>
+      <p:sp>
+        <p:nvSpPr>
+          <p:cNvPr id="4" name="Slide Number Placeholder 3"/>
+          <p:cNvSpPr>
+            <a:spLocks noGrp="1"/>
+          </p:cNvSpPr>
+          <p:nvPr>
+            <p:ph type="sldNum" sz="quarter" idx="10"/>
+          </p:nvPr>
+        </p:nvSpPr>
+        <p:spPr/>
+        <p:txBody>
           <a:bodyPr/>
           <a:lstStyle/>
           <a:p>
-            <a:endParaRPr lang="en-US"/>
-          </a:p>
-        </p:txBody>
-      </p:sp>
-      <p:sp>
-        <p:nvSpPr>
-          <p:cNvPr id="4" name="Slide Number Placeholder 3"/>
-          <p:cNvSpPr>
-            <a:spLocks noGrp="1"/>
-          </p:cNvSpPr>
-          <p:nvPr>
-            <p:ph type="sldNum" sz="quarter" idx="10"/>
-          </p:nvPr>
-        </p:nvSpPr>
-        <p:spPr/>
-        <p:txBody>
-          <a:bodyPr/>
-          <a:lstStyle/>
-          <a:p>
-            <a:fld id="{75693FD4-8F83-4EF7-AC3F-0DC0388986B0}" type="slidenum">
+            <a:fld id="{EC6EAC7D-5A89-47C2-8ABA-56C9C2DEF7A4}" type="slidenum">
               <a:rPr lang="en-US" smtClean="0"/>
               <a:pPr/>
-              <a:t>15</a:t>
+              <a:t>13</a:t>
             </a:fld>
             <a:endParaRPr lang="en-US"/>
           </a:p>
@@ -1488,7 +1482,7 @@
             <a:fld id="{EC6EAC7D-5A89-47C2-8ABA-56C9C2DEF7A4}" type="slidenum">
               <a:rPr lang="en-US" smtClean="0"/>
               <a:pPr/>
-              <a:t>16</a:t>
+              <a:t>14</a:t>
             </a:fld>
             <a:endParaRPr lang="en-US"/>
           </a:p>
@@ -1543,129 +1537,6 @@
         </p:nvSpPr>
         <p:spPr/>
         <p:txBody>
-          <a:bodyPr>
-            <a:normAutofit/>
-          </a:bodyPr>
-          <a:lstStyle/>
-          <a:p>
-            <a:pPr>
-              <a:lnSpc>
-                <a:spcPct val="80000"/>
-              </a:lnSpc>
-            </a:pPr>
-            <a:r>
-              <a:rPr lang="en-US" dirty="0" smtClean="0"/>
-              <a:t>Give a brief overview of the presentation.</a:t>
-            </a:r>
-            <a:r>
-              <a:rPr lang="en-US" baseline="0" dirty="0" smtClean="0"/>
-              <a:t> D</a:t>
-            </a:r>
-            <a:r>
-              <a:rPr lang="en-US" dirty="0" smtClean="0"/>
-              <a:t>escribe the major focus of the presentation and why it is important.</a:t>
-            </a:r>
-          </a:p>
-          <a:p>
-            <a:pPr>
-              <a:lnSpc>
-                <a:spcPct val="80000"/>
-              </a:lnSpc>
-            </a:pPr>
-            <a:r>
-              <a:rPr lang="en-US" dirty="0" smtClean="0"/>
-              <a:t>Introduce each of the major topics.</a:t>
-            </a:r>
-          </a:p>
-          <a:p>
-            <a:r>
-              <a:rPr lang="en-US" dirty="0" smtClean="0"/>
-              <a:t>To provide a road map for the audience, you</a:t>
-            </a:r>
-            <a:r>
-              <a:rPr lang="en-US" baseline="0" dirty="0" smtClean="0"/>
-              <a:t> can </a:t>
-            </a:r>
-            <a:r>
-              <a:rPr lang="en-US" dirty="0" smtClean="0"/>
-              <a:t>repeat this Overview slide throughout the presentation, highlighting the particular topic you will discuss next.</a:t>
-            </a:r>
-          </a:p>
-        </p:txBody>
-      </p:sp>
-      <p:sp>
-        <p:nvSpPr>
-          <p:cNvPr id="4" name="Slide Number Placeholder 3"/>
-          <p:cNvSpPr>
-            <a:spLocks noGrp="1"/>
-          </p:cNvSpPr>
-          <p:nvPr>
-            <p:ph type="sldNum" sz="quarter" idx="10"/>
-          </p:nvPr>
-        </p:nvSpPr>
-        <p:spPr/>
-        <p:txBody>
-          <a:bodyPr/>
-          <a:lstStyle/>
-          <a:p>
-            <a:fld id="{EC6EAC7D-5A89-47C2-8ABA-56C9C2DEF7A4}" type="slidenum">
-              <a:rPr lang="en-US" smtClean="0"/>
-              <a:pPr/>
-              <a:t>17</a:t>
-            </a:fld>
-            <a:endParaRPr lang="en-US"/>
-          </a:p>
-        </p:txBody>
-      </p:sp>
-    </p:spTree>
-  </p:cSld>
-  <p:clrMapOvr>
-    <a:masterClrMapping/>
-  </p:clrMapOvr>
-</p:notes>
-</file>
-
-<file path=ppt/notesSlides/notesSlide16.xml><?xml version="1.0" encoding="utf-8"?>
-<p:notes xmlns:a="http://schemas.openxmlformats.org/drawingml/2006/main" xmlns:r="http://schemas.openxmlformats.org/officeDocument/2006/relationships" xmlns:p="http://schemas.openxmlformats.org/presentationml/2006/main">
-  <p:cSld>
-    <p:spTree>
-      <p:nvGrpSpPr>
-        <p:cNvPr id="1" name=""/>
-        <p:cNvGrpSpPr/>
-        <p:nvPr/>
-      </p:nvGrpSpPr>
-      <p:grpSpPr>
-        <a:xfrm>
-          <a:off x="0" y="0"/>
-          <a:ext cx="0" cy="0"/>
-          <a:chOff x="0" y="0"/>
-          <a:chExt cx="0" cy="0"/>
-        </a:xfrm>
-      </p:grpSpPr>
-      <p:sp>
-        <p:nvSpPr>
-          <p:cNvPr id="2" name="Slide Image Placeholder 1"/>
-          <p:cNvSpPr>
-            <a:spLocks noGrp="1" noRot="1" noChangeAspect="1"/>
-          </p:cNvSpPr>
-          <p:nvPr>
-            <p:ph type="sldImg"/>
-          </p:nvPr>
-        </p:nvSpPr>
-        <p:spPr/>
-      </p:sp>
-      <p:sp>
-        <p:nvSpPr>
-          <p:cNvPr id="3" name="Notes Placeholder 2"/>
-          <p:cNvSpPr>
-            <a:spLocks noGrp="1"/>
-          </p:cNvSpPr>
-          <p:nvPr>
-            <p:ph type="body" idx="1"/>
-          </p:nvPr>
-        </p:nvSpPr>
-        <p:spPr/>
-        <p:txBody>
           <a:bodyPr/>
           <a:lstStyle/>
           <a:p>
@@ -1691,7 +1562,7 @@
             <a:fld id="{75693FD4-8F83-4EF7-AC3F-0DC0388986B0}" type="slidenum">
               <a:rPr lang="en-US" smtClean="0"/>
               <a:pPr/>
-              <a:t>18</a:t>
+              <a:t>15</a:t>
             </a:fld>
             <a:endParaRPr lang="en-US"/>
           </a:p>
@@ -1992,72 +1863,29 @@
         </p:nvSpPr>
         <p:spPr/>
         <p:txBody>
-          <a:bodyPr>
-            <a:normAutofit/>
-          </a:bodyPr>
-          <a:lstStyle/>
-          <a:p>
-            <a:pPr>
-              <a:lnSpc>
-                <a:spcPct val="80000"/>
-              </a:lnSpc>
-            </a:pPr>
-            <a:r>
-              <a:rPr lang="en-US" dirty="0" smtClean="0"/>
-              <a:t>Give a brief overview of the presentation.</a:t>
-            </a:r>
-            <a:r>
-              <a:rPr lang="en-US" baseline="0" dirty="0" smtClean="0"/>
-              <a:t> D</a:t>
-            </a:r>
-            <a:r>
-              <a:rPr lang="en-US" dirty="0" smtClean="0"/>
-              <a:t>escribe the major focus of the presentation and why it is important.</a:t>
-            </a:r>
-          </a:p>
-          <a:p>
-            <a:pPr>
-              <a:lnSpc>
-                <a:spcPct val="80000"/>
-              </a:lnSpc>
-            </a:pPr>
-            <a:r>
-              <a:rPr lang="en-US" dirty="0" smtClean="0"/>
-              <a:t>Introduce each of the major topics.</a:t>
-            </a:r>
-          </a:p>
-          <a:p>
-            <a:r>
-              <a:rPr lang="en-US" dirty="0" smtClean="0"/>
-              <a:t>To provide a road map for the audience, you</a:t>
-            </a:r>
-            <a:r>
-              <a:rPr lang="en-US" baseline="0" dirty="0" smtClean="0"/>
-              <a:t> can </a:t>
-            </a:r>
-            <a:r>
-              <a:rPr lang="en-US" dirty="0" smtClean="0"/>
-              <a:t>repeat this Overview slide throughout the presentation, highlighting the particular topic you will discuss next.</a:t>
-            </a:r>
-          </a:p>
-        </p:txBody>
-      </p:sp>
-      <p:sp>
-        <p:nvSpPr>
-          <p:cNvPr id="4" name="Slide Number Placeholder 3"/>
-          <p:cNvSpPr>
-            <a:spLocks noGrp="1"/>
-          </p:cNvSpPr>
-          <p:nvPr>
-            <p:ph type="sldNum" sz="quarter" idx="10"/>
-          </p:nvPr>
-        </p:nvSpPr>
-        <p:spPr/>
-        <p:txBody>
           <a:bodyPr/>
           <a:lstStyle/>
           <a:p>
-            <a:fld id="{EC6EAC7D-5A89-47C2-8ABA-56C9C2DEF7A4}" type="slidenum">
+            <a:endParaRPr lang="en-US"/>
+          </a:p>
+        </p:txBody>
+      </p:sp>
+      <p:sp>
+        <p:nvSpPr>
+          <p:cNvPr id="4" name="Slide Number Placeholder 3"/>
+          <p:cNvSpPr>
+            <a:spLocks noGrp="1"/>
+          </p:cNvSpPr>
+          <p:nvPr>
+            <p:ph type="sldNum" sz="quarter" idx="10"/>
+          </p:nvPr>
+        </p:nvSpPr>
+        <p:spPr/>
+        <p:txBody>
+          <a:bodyPr/>
+          <a:lstStyle/>
+          <a:p>
+            <a:fld id="{75693FD4-8F83-4EF7-AC3F-0DC0388986B0}" type="slidenum">
               <a:rPr lang="en-US" smtClean="0"/>
               <a:pPr/>
               <a:t>4</a:t>
@@ -2115,29 +1943,72 @@
         </p:nvSpPr>
         <p:spPr/>
         <p:txBody>
+          <a:bodyPr>
+            <a:normAutofit/>
+          </a:bodyPr>
+          <a:lstStyle/>
+          <a:p>
+            <a:pPr>
+              <a:lnSpc>
+                <a:spcPct val="80000"/>
+              </a:lnSpc>
+            </a:pPr>
+            <a:r>
+              <a:rPr lang="en-US" dirty="0" smtClean="0"/>
+              <a:t>Give a brief overview of the presentation.</a:t>
+            </a:r>
+            <a:r>
+              <a:rPr lang="en-US" baseline="0" dirty="0" smtClean="0"/>
+              <a:t> D</a:t>
+            </a:r>
+            <a:r>
+              <a:rPr lang="en-US" dirty="0" smtClean="0"/>
+              <a:t>escribe the major focus of the presentation and why it is important.</a:t>
+            </a:r>
+          </a:p>
+          <a:p>
+            <a:pPr>
+              <a:lnSpc>
+                <a:spcPct val="80000"/>
+              </a:lnSpc>
+            </a:pPr>
+            <a:r>
+              <a:rPr lang="en-US" dirty="0" smtClean="0"/>
+              <a:t>Introduce each of the major topics.</a:t>
+            </a:r>
+          </a:p>
+          <a:p>
+            <a:r>
+              <a:rPr lang="en-US" dirty="0" smtClean="0"/>
+              <a:t>To provide a road map for the audience, you</a:t>
+            </a:r>
+            <a:r>
+              <a:rPr lang="en-US" baseline="0" dirty="0" smtClean="0"/>
+              <a:t> can </a:t>
+            </a:r>
+            <a:r>
+              <a:rPr lang="en-US" dirty="0" smtClean="0"/>
+              <a:t>repeat this Overview slide throughout the presentation, highlighting the particular topic you will discuss next.</a:t>
+            </a:r>
+          </a:p>
+        </p:txBody>
+      </p:sp>
+      <p:sp>
+        <p:nvSpPr>
+          <p:cNvPr id="4" name="Slide Number Placeholder 3"/>
+          <p:cNvSpPr>
+            <a:spLocks noGrp="1"/>
+          </p:cNvSpPr>
+          <p:nvPr>
+            <p:ph type="sldNum" sz="quarter" idx="10"/>
+          </p:nvPr>
+        </p:nvSpPr>
+        <p:spPr/>
+        <p:txBody>
           <a:bodyPr/>
           <a:lstStyle/>
           <a:p>
-            <a:endParaRPr lang="en-US"/>
-          </a:p>
-        </p:txBody>
-      </p:sp>
-      <p:sp>
-        <p:nvSpPr>
-          <p:cNvPr id="4" name="Slide Number Placeholder 3"/>
-          <p:cNvSpPr>
-            <a:spLocks noGrp="1"/>
-          </p:cNvSpPr>
-          <p:nvPr>
-            <p:ph type="sldNum" sz="quarter" idx="10"/>
-          </p:nvPr>
-        </p:nvSpPr>
-        <p:spPr/>
-        <p:txBody>
-          <a:bodyPr/>
-          <a:lstStyle/>
-          <a:p>
-            <a:fld id="{75693FD4-8F83-4EF7-AC3F-0DC0388986B0}" type="slidenum">
+            <a:fld id="{EC6EAC7D-5A89-47C2-8ABA-56C9C2DEF7A4}" type="slidenum">
               <a:rPr lang="en-US" smtClean="0"/>
               <a:pPr/>
               <a:t>5</a:t>
@@ -2318,72 +2189,29 @@
         </p:nvSpPr>
         <p:spPr/>
         <p:txBody>
-          <a:bodyPr>
-            <a:normAutofit/>
-          </a:bodyPr>
-          <a:lstStyle/>
-          <a:p>
-            <a:pPr>
-              <a:lnSpc>
-                <a:spcPct val="80000"/>
-              </a:lnSpc>
-            </a:pPr>
-            <a:r>
-              <a:rPr lang="en-US" dirty="0" smtClean="0"/>
-              <a:t>Give a brief overview of the presentation.</a:t>
-            </a:r>
-            <a:r>
-              <a:rPr lang="en-US" baseline="0" dirty="0" smtClean="0"/>
-              <a:t> D</a:t>
-            </a:r>
-            <a:r>
-              <a:rPr lang="en-US" dirty="0" smtClean="0"/>
-              <a:t>escribe the major focus of the presentation and why it is important.</a:t>
-            </a:r>
-          </a:p>
-          <a:p>
-            <a:pPr>
-              <a:lnSpc>
-                <a:spcPct val="80000"/>
-              </a:lnSpc>
-            </a:pPr>
-            <a:r>
-              <a:rPr lang="en-US" dirty="0" smtClean="0"/>
-              <a:t>Introduce each of the major topics.</a:t>
-            </a:r>
-          </a:p>
-          <a:p>
-            <a:r>
-              <a:rPr lang="en-US" dirty="0" smtClean="0"/>
-              <a:t>To provide a road map for the audience, you</a:t>
-            </a:r>
-            <a:r>
-              <a:rPr lang="en-US" baseline="0" dirty="0" smtClean="0"/>
-              <a:t> can </a:t>
-            </a:r>
-            <a:r>
-              <a:rPr lang="en-US" dirty="0" smtClean="0"/>
-              <a:t>repeat this Overview slide throughout the presentation, highlighting the particular topic you will discuss next.</a:t>
-            </a:r>
-          </a:p>
-        </p:txBody>
-      </p:sp>
-      <p:sp>
-        <p:nvSpPr>
-          <p:cNvPr id="4" name="Slide Number Placeholder 3"/>
-          <p:cNvSpPr>
-            <a:spLocks noGrp="1"/>
-          </p:cNvSpPr>
-          <p:nvPr>
-            <p:ph type="sldNum" sz="quarter" idx="10"/>
-          </p:nvPr>
-        </p:nvSpPr>
-        <p:spPr/>
-        <p:txBody>
           <a:bodyPr/>
           <a:lstStyle/>
           <a:p>
-            <a:fld id="{EC6EAC7D-5A89-47C2-8ABA-56C9C2DEF7A4}" type="slidenum">
+            <a:endParaRPr lang="en-US"/>
+          </a:p>
+        </p:txBody>
+      </p:sp>
+      <p:sp>
+        <p:nvSpPr>
+          <p:cNvPr id="4" name="Slide Number Placeholder 3"/>
+          <p:cNvSpPr>
+            <a:spLocks noGrp="1"/>
+          </p:cNvSpPr>
+          <p:nvPr>
+            <p:ph type="sldNum" sz="quarter" idx="10"/>
+          </p:nvPr>
+        </p:nvSpPr>
+        <p:spPr/>
+        <p:txBody>
+          <a:bodyPr/>
+          <a:lstStyle/>
+          <a:p>
+            <a:fld id="{75693FD4-8F83-4EF7-AC3F-0DC0388986B0}" type="slidenum">
               <a:rPr lang="en-US" smtClean="0"/>
               <a:pPr/>
               <a:t>7</a:t>
@@ -2441,32 +2269,75 @@
         </p:nvSpPr>
         <p:spPr/>
         <p:txBody>
+          <a:bodyPr>
+            <a:normAutofit/>
+          </a:bodyPr>
+          <a:lstStyle/>
+          <a:p>
+            <a:pPr>
+              <a:lnSpc>
+                <a:spcPct val="80000"/>
+              </a:lnSpc>
+            </a:pPr>
+            <a:r>
+              <a:rPr lang="en-US" dirty="0" smtClean="0"/>
+              <a:t>Give a brief overview of the presentation.</a:t>
+            </a:r>
+            <a:r>
+              <a:rPr lang="en-US" baseline="0" dirty="0" smtClean="0"/>
+              <a:t> D</a:t>
+            </a:r>
+            <a:r>
+              <a:rPr lang="en-US" dirty="0" smtClean="0"/>
+              <a:t>escribe the major focus of the presentation and why it is important.</a:t>
+            </a:r>
+          </a:p>
+          <a:p>
+            <a:pPr>
+              <a:lnSpc>
+                <a:spcPct val="80000"/>
+              </a:lnSpc>
+            </a:pPr>
+            <a:r>
+              <a:rPr lang="en-US" dirty="0" smtClean="0"/>
+              <a:t>Introduce each of the major topics.</a:t>
+            </a:r>
+          </a:p>
+          <a:p>
+            <a:r>
+              <a:rPr lang="en-US" dirty="0" smtClean="0"/>
+              <a:t>To provide a road map for the audience, you</a:t>
+            </a:r>
+            <a:r>
+              <a:rPr lang="en-US" baseline="0" dirty="0" smtClean="0"/>
+              <a:t> can </a:t>
+            </a:r>
+            <a:r>
+              <a:rPr lang="en-US" dirty="0" smtClean="0"/>
+              <a:t>repeat this Overview slide throughout the presentation, highlighting the particular topic you will discuss next.</a:t>
+            </a:r>
+          </a:p>
+        </p:txBody>
+      </p:sp>
+      <p:sp>
+        <p:nvSpPr>
+          <p:cNvPr id="4" name="Slide Number Placeholder 3"/>
+          <p:cNvSpPr>
+            <a:spLocks noGrp="1"/>
+          </p:cNvSpPr>
+          <p:nvPr>
+            <p:ph type="sldNum" sz="quarter" idx="10"/>
+          </p:nvPr>
+        </p:nvSpPr>
+        <p:spPr/>
+        <p:txBody>
           <a:bodyPr/>
           <a:lstStyle/>
           <a:p>
-            <a:endParaRPr lang="en-US"/>
-          </a:p>
-        </p:txBody>
-      </p:sp>
-      <p:sp>
-        <p:nvSpPr>
-          <p:cNvPr id="4" name="Slide Number Placeholder 3"/>
-          <p:cNvSpPr>
-            <a:spLocks noGrp="1"/>
-          </p:cNvSpPr>
-          <p:nvPr>
-            <p:ph type="sldNum" sz="quarter" idx="10"/>
-          </p:nvPr>
-        </p:nvSpPr>
-        <p:spPr/>
-        <p:txBody>
-          <a:bodyPr/>
-          <a:lstStyle/>
-          <a:p>
-            <a:fld id="{75693FD4-8F83-4EF7-AC3F-0DC0388986B0}" type="slidenum">
+            <a:fld id="{EC6EAC7D-5A89-47C2-8ABA-56C9C2DEF7A4}" type="slidenum">
               <a:rPr lang="en-US" smtClean="0"/>
               <a:pPr/>
-              <a:t>9</a:t>
+              <a:t>8</a:t>
             </a:fld>
             <a:endParaRPr lang="en-US"/>
           </a:p>
@@ -2589,7 +2460,7 @@
             <a:fld id="{EC6EAC7D-5A89-47C2-8ABA-56C9C2DEF7A4}" type="slidenum">
               <a:rPr lang="en-US" smtClean="0"/>
               <a:pPr/>
-              <a:t>10</a:t>
+              <a:t>9</a:t>
             </a:fld>
             <a:endParaRPr lang="en-US"/>
           </a:p>
@@ -3071,7 +2942,7 @@
             <a:fld id="{757B281C-5159-4971-8228-52B9A72E9ED2}" type="datetimeFigureOut">
               <a:rPr lang="en-US" smtClean="0"/>
               <a:pPr/>
-              <a:t>9/27/2010</a:t>
+              <a:t>11/2/2010</a:t>
             </a:fld>
             <a:endParaRPr lang="en-US" dirty="0"/>
           </a:p>
@@ -3173,7 +3044,7 @@
             <a:fld id="{757B281C-5159-4971-8228-52B9A72E9ED2}" type="datetimeFigureOut">
               <a:rPr lang="en-US" smtClean="0"/>
               <a:pPr/>
-              <a:t>9/27/2010</a:t>
+              <a:t>11/2/2010</a:t>
             </a:fld>
             <a:endParaRPr lang="en-US" dirty="0"/>
           </a:p>
@@ -3309,7 +3180,7 @@
             <a:fld id="{757B281C-5159-4971-8228-52B9A72E9ED2}" type="datetimeFigureOut">
               <a:rPr lang="en-US" smtClean="0"/>
               <a:pPr/>
-              <a:t>9/27/2010</a:t>
+              <a:t>11/2/2010</a:t>
             </a:fld>
             <a:endParaRPr lang="en-US" dirty="0"/>
           </a:p>
@@ -3515,7 +3386,7 @@
             <a:fld id="{757B281C-5159-4971-8228-52B9A72E9ED2}" type="datetimeFigureOut">
               <a:rPr lang="en-US" smtClean="0"/>
               <a:pPr/>
-              <a:t>9/27/2010</a:t>
+              <a:t>11/2/2010</a:t>
             </a:fld>
             <a:endParaRPr lang="en-US" dirty="0"/>
           </a:p>
@@ -3914,7 +3785,7 @@
             <a:fld id="{757B281C-5159-4971-8228-52B9A72E9ED2}" type="datetimeFigureOut">
               <a:rPr lang="en-US" smtClean="0"/>
               <a:pPr/>
-              <a:t>9/27/2010</a:t>
+              <a:t>11/2/2010</a:t>
             </a:fld>
             <a:endParaRPr lang="en-US" dirty="0"/>
           </a:p>
@@ -4214,7 +4085,7 @@
             <a:fld id="{757B281C-5159-4971-8228-52B9A72E9ED2}" type="datetimeFigureOut">
               <a:rPr lang="en-US" smtClean="0"/>
               <a:pPr/>
-              <a:t>9/27/2010</a:t>
+              <a:t>11/2/2010</a:t>
             </a:fld>
             <a:endParaRPr lang="en-US" dirty="0"/>
           </a:p>
@@ -4643,7 +4514,7 @@
             <a:fld id="{757B281C-5159-4971-8228-52B9A72E9ED2}" type="datetimeFigureOut">
               <a:rPr lang="en-US" smtClean="0"/>
               <a:pPr/>
-              <a:t>9/27/2010</a:t>
+              <a:t>11/2/2010</a:t>
             </a:fld>
             <a:endParaRPr lang="en-US" dirty="0"/>
           </a:p>
@@ -4920,7 +4791,7 @@
             <a:fld id="{757B281C-5159-4971-8228-52B9A72E9ED2}" type="datetimeFigureOut">
               <a:rPr lang="en-US" smtClean="0"/>
               <a:pPr/>
-              <a:t>9/27/2010</a:t>
+              <a:t>11/2/2010</a:t>
             </a:fld>
             <a:endParaRPr lang="en-US" dirty="0"/>
           </a:p>
@@ -5184,7 +5055,7 @@
             <a:fld id="{757B281C-5159-4971-8228-52B9A72E9ED2}" type="datetimeFigureOut">
               <a:rPr lang="en-US" smtClean="0"/>
               <a:pPr/>
-              <a:t>9/27/2010</a:t>
+              <a:t>11/2/2010</a:t>
             </a:fld>
             <a:endParaRPr lang="en-US" dirty="0"/>
           </a:p>
@@ -5354,7 +5225,7 @@
             <a:fld id="{757B281C-5159-4971-8228-52B9A72E9ED2}" type="datetimeFigureOut">
               <a:rPr lang="en-US" smtClean="0"/>
               <a:pPr/>
-              <a:t>9/27/2010</a:t>
+              <a:t>11/2/2010</a:t>
             </a:fld>
             <a:endParaRPr lang="en-US" dirty="0"/>
           </a:p>
@@ -5534,7 +5405,7 @@
             <a:fld id="{757B281C-5159-4971-8228-52B9A72E9ED2}" type="datetimeFigureOut">
               <a:rPr lang="en-US" smtClean="0"/>
               <a:pPr/>
-              <a:t>9/27/2010</a:t>
+              <a:t>11/2/2010</a:t>
             </a:fld>
             <a:endParaRPr lang="en-US" dirty="0"/>
           </a:p>
@@ -5776,7 +5647,7 @@
             <a:fld id="{757B281C-5159-4971-8228-52B9A72E9ED2}" type="datetimeFigureOut">
               <a:rPr lang="en-US" smtClean="0"/>
               <a:pPr/>
-              <a:t>9/27/2010</a:t>
+              <a:t>11/2/2010</a:t>
             </a:fld>
             <a:endParaRPr lang="en-US" dirty="0"/>
           </a:p>
@@ -6258,8 +6129,11 @@
               <a:rPr lang="en-US" sz="2400" dirty="0" smtClean="0">
                 <a:latin typeface="+mn-lt"/>
               </a:rPr>
-              <a:t>9/27/2010</a:t>
-            </a:r>
+              <a:t>10/6/2010</a:t>
+            </a:r>
+            <a:endParaRPr lang="en-US" sz="2400" dirty="0" smtClean="0">
+              <a:latin typeface="+mn-lt"/>
+            </a:endParaRPr>
           </a:p>
           <a:p>
             <a:endParaRPr lang="en-US" sz="2400" dirty="0">
@@ -6326,7 +6200,15 @@
           <a:p>
             <a:r>
               <a:rPr lang="en-US" dirty="0" smtClean="0"/>
-              <a:t>BDD Explained</a:t>
+              <a:t>Why Use </a:t>
+            </a:r>
+            <a:r>
+              <a:rPr lang="en-US" dirty="0" err="1" smtClean="0"/>
+              <a:t>SpecFlow</a:t>
+            </a:r>
+            <a:r>
+              <a:rPr lang="en-US" dirty="0" smtClean="0"/>
+              <a:t> at all?</a:t>
             </a:r>
             <a:endParaRPr lang="en-US" dirty="0"/>
           </a:p>
@@ -6348,31 +6230,63 @@
         <p:spPr/>
         <p:txBody>
           <a:bodyPr>
-            <a:normAutofit fontScale="92500"/>
+            <a:noAutofit/>
           </a:bodyPr>
           <a:lstStyle/>
           <a:p>
             <a:r>
               <a:rPr lang="en-US" dirty="0" smtClean="0"/>
-              <a:t>I’ve seen a number of definitions or explanations for BDD, and no matter which one I use I’m going to make someone angry.</a:t>
-            </a:r>
-          </a:p>
-          <a:p>
+              <a:t>Other </a:t>
+            </a:r>
+            <a:r>
+              <a:rPr lang="en-US" dirty="0" err="1" smtClean="0"/>
+              <a:t>.Net</a:t>
+            </a:r>
             <a:r>
               <a:rPr lang="en-US" dirty="0" smtClean="0"/>
-              <a:t>So…</a:t>
+              <a:t> coders use it.</a:t>
             </a:r>
           </a:p>
           <a:p>
             <a:r>
               <a:rPr lang="en-US" dirty="0" smtClean="0"/>
-              <a:t>To put it briefly, BDD is like TDD in that you write your tests/specs first, and</a:t>
-            </a:r>
-          </a:p>
-          <a:p>
+              <a:t>Non-</a:t>
+            </a:r>
+            <a:r>
+              <a:rPr lang="en-US" dirty="0" err="1" smtClean="0"/>
+              <a:t>.Net</a:t>
+            </a:r>
             <a:r>
               <a:rPr lang="en-US" dirty="0" smtClean="0"/>
-              <a:t>Your approach is centered more on the business behavior, not the technical aspects of your code.</a:t>
+              <a:t> coders use it (Cucumber in Ruby).</a:t>
+            </a:r>
+          </a:p>
+          <a:p>
+            <a:r>
+              <a:rPr lang="en-US" dirty="0" smtClean="0"/>
+              <a:t>It keeps the sp</a:t>
+            </a:r>
+            <a:r>
+              <a:rPr lang="en-US" dirty="0"/>
+              <a:t>e</a:t>
+            </a:r>
+            <a:r>
+              <a:rPr lang="en-US" dirty="0" smtClean="0"/>
+              <a:t>cifications in human-readable language.</a:t>
+            </a:r>
+          </a:p>
+          <a:p>
+            <a:r>
+              <a:rPr lang="en-US" dirty="0" smtClean="0"/>
+              <a:t>It integrates with Visual Studio 2010, existing </a:t>
+            </a:r>
+            <a:r>
+              <a:rPr lang="en-US" dirty="0" err="1" smtClean="0"/>
+              <a:t>.Net</a:t>
+            </a:r>
+            <a:r>
+              <a:rPr lang="en-US" dirty="0" smtClean="0"/>
+              <a:t> test frameworks without any additional work.</a:t>
             </a:r>
           </a:p>
         </p:txBody>
@@ -6383,7 +6297,7 @@
     </p:custDataLst>
     <p:extLst>
       <p:ext uri="{BB962C8B-B14F-4D97-AF65-F5344CB8AC3E}">
-        <p14:creationId xmlns:p14="http://schemas.microsoft.com/office/powerpoint/2010/main" val="4249678773"/>
+        <p14:creationId xmlns:p14="http://schemas.microsoft.com/office/powerpoint/2010/main" val="408931243"/>
       </p:ext>
     </p:extLst>
   </p:cSld>
@@ -6692,2665 +6606,6 @@
       </p:grpSpPr>
       <p:sp>
         <p:nvSpPr>
-          <p:cNvPr id="2" name="Title 1"/>
-          <p:cNvSpPr>
-            <a:spLocks noGrp="1"/>
-          </p:cNvSpPr>
-          <p:nvPr>
-            <p:ph type="title"/>
-            <p:custDataLst>
-              <p:tags r:id="rId2"/>
-            </p:custDataLst>
-          </p:nvPr>
-        </p:nvSpPr>
-        <p:spPr/>
-        <p:txBody>
-          <a:bodyPr/>
-          <a:lstStyle/>
-          <a:p>
-            <a:r>
-              <a:rPr lang="en-US" dirty="0" smtClean="0"/>
-              <a:t>How to do BDD with </a:t>
-            </a:r>
-            <a:r>
-              <a:rPr lang="en-US" dirty="0" err="1" smtClean="0"/>
-              <a:t>SpecFlow</a:t>
-            </a:r>
-            <a:endParaRPr lang="en-US" dirty="0"/>
-          </a:p>
-        </p:txBody>
-      </p:sp>
-      <p:sp>
-        <p:nvSpPr>
-          <p:cNvPr id="5" name="Content Placeholder 4"/>
-          <p:cNvSpPr>
-            <a:spLocks noGrp="1"/>
-          </p:cNvSpPr>
-          <p:nvPr>
-            <p:ph idx="1"/>
-            <p:custDataLst>
-              <p:tags r:id="rId3"/>
-            </p:custDataLst>
-          </p:nvPr>
-        </p:nvSpPr>
-        <p:spPr/>
-        <p:txBody>
-          <a:bodyPr>
-            <a:normAutofit fontScale="92500" lnSpcReduction="10000"/>
-          </a:bodyPr>
-          <a:lstStyle/>
-          <a:p>
-            <a:r>
-              <a:rPr lang="en-US" dirty="0" smtClean="0"/>
-              <a:t>Write a “feature” that defines what you want your application to use in plain text.</a:t>
-            </a:r>
-          </a:p>
-          <a:p>
-            <a:r>
-              <a:rPr lang="en-US" dirty="0" smtClean="0"/>
-              <a:t>Run your feature (getting all Yellows).</a:t>
-            </a:r>
-          </a:p>
-          <a:p>
-            <a:r>
-              <a:rPr lang="en-US" dirty="0" smtClean="0"/>
-              <a:t>Go through your steps one-by-one. For each, create a step definition with the simplest way to express what the text means in code. </a:t>
-            </a:r>
-            <a:endParaRPr lang="en-US" dirty="0"/>
-          </a:p>
-          <a:p>
-            <a:r>
-              <a:rPr lang="en-US" dirty="0" smtClean="0"/>
-              <a:t>When you get a Red in a “Then” clause, make the simplest change necessary to make it go Green.</a:t>
-            </a:r>
-          </a:p>
-        </p:txBody>
-      </p:sp>
-    </p:spTree>
-    <p:custDataLst>
-      <p:tags r:id="rId1"/>
-    </p:custDataLst>
-    <p:extLst>
-      <p:ext uri="{BB962C8B-B14F-4D97-AF65-F5344CB8AC3E}">
-        <p14:creationId xmlns:p14="http://schemas.microsoft.com/office/powerpoint/2010/main" val="1450232499"/>
-      </p:ext>
-    </p:extLst>
-  </p:cSld>
-  <p:clrMapOvr>
-    <a:masterClrMapping/>
-  </p:clrMapOvr>
-  <p:transition spd="slow">
-    <p:wipe dir="d"/>
-  </p:transition>
-  <p:timing>
-    <p:tnLst>
-      <p:par>
-        <p:cTn id="1" dur="indefinite" restart="never" nodeType="tmRoot">
-          <p:childTnLst>
-            <p:seq concurrent="1" nextAc="seek">
-              <p:cTn id="2" dur="indefinite" nodeType="mainSeq">
-                <p:childTnLst>
-                  <p:par>
-                    <p:cTn id="3" fill="hold">
-                      <p:stCondLst>
-                        <p:cond delay="indefinite"/>
-                      </p:stCondLst>
-                      <p:childTnLst>
-                        <p:par>
-                          <p:cTn id="4" fill="hold">
-                            <p:stCondLst>
-                              <p:cond delay="0"/>
-                            </p:stCondLst>
-                            <p:childTnLst>
-                              <p:par>
-                                <p:cTn id="5" presetID="10" presetClass="entr" presetSubtype="0" fill="hold" grpId="0" nodeType="clickEffect">
-                                  <p:stCondLst>
-                                    <p:cond delay="0"/>
-                                  </p:stCondLst>
-                                  <p:childTnLst>
-                                    <p:set>
-                                      <p:cBhvr>
-                                        <p:cTn id="6" dur="1" fill="hold">
-                                          <p:stCondLst>
-                                            <p:cond delay="0"/>
-                                          </p:stCondLst>
-                                        </p:cTn>
-                                        <p:tgtEl>
-                                          <p:spTgt spid="5">
-                                            <p:txEl>
-                                              <p:pRg st="0" end="0"/>
-                                            </p:txEl>
-                                          </p:spTgt>
-                                        </p:tgtEl>
-                                        <p:attrNameLst>
-                                          <p:attrName>style.visibility</p:attrName>
-                                        </p:attrNameLst>
-                                      </p:cBhvr>
-                                      <p:to>
-                                        <p:strVal val="visible"/>
-                                      </p:to>
-                                    </p:set>
-                                    <p:animEffect transition="in" filter="fade">
-                                      <p:cBhvr>
-                                        <p:cTn id="7" dur="500"/>
-                                        <p:tgtEl>
-                                          <p:spTgt spid="5">
-                                            <p:txEl>
-                                              <p:pRg st="0" end="0"/>
-                                            </p:txEl>
-                                          </p:spTgt>
-                                        </p:tgtEl>
-                                      </p:cBhvr>
-                                    </p:animEffect>
-                                  </p:childTnLst>
-                                </p:cTn>
-                              </p:par>
-                            </p:childTnLst>
-                          </p:cTn>
-                        </p:par>
-                      </p:childTnLst>
-                    </p:cTn>
-                  </p:par>
-                  <p:par>
-                    <p:cTn id="8" fill="hold">
-                      <p:stCondLst>
-                        <p:cond delay="indefinite"/>
-                      </p:stCondLst>
-                      <p:childTnLst>
-                        <p:par>
-                          <p:cTn id="9" fill="hold">
-                            <p:stCondLst>
-                              <p:cond delay="0"/>
-                            </p:stCondLst>
-                            <p:childTnLst>
-                              <p:par>
-                                <p:cTn id="10" presetID="10" presetClass="entr" presetSubtype="0" fill="hold" grpId="0" nodeType="clickEffect">
-                                  <p:stCondLst>
-                                    <p:cond delay="0"/>
-                                  </p:stCondLst>
-                                  <p:childTnLst>
-                                    <p:set>
-                                      <p:cBhvr>
-                                        <p:cTn id="11" dur="1" fill="hold">
-                                          <p:stCondLst>
-                                            <p:cond delay="0"/>
-                                          </p:stCondLst>
-                                        </p:cTn>
-                                        <p:tgtEl>
-                                          <p:spTgt spid="5">
-                                            <p:txEl>
-                                              <p:pRg st="1" end="1"/>
-                                            </p:txEl>
-                                          </p:spTgt>
-                                        </p:tgtEl>
-                                        <p:attrNameLst>
-                                          <p:attrName>style.visibility</p:attrName>
-                                        </p:attrNameLst>
-                                      </p:cBhvr>
-                                      <p:to>
-                                        <p:strVal val="visible"/>
-                                      </p:to>
-                                    </p:set>
-                                    <p:animEffect transition="in" filter="fade">
-                                      <p:cBhvr>
-                                        <p:cTn id="12" dur="500"/>
-                                        <p:tgtEl>
-                                          <p:spTgt spid="5">
-                                            <p:txEl>
-                                              <p:pRg st="1" end="1"/>
-                                            </p:txEl>
-                                          </p:spTgt>
-                                        </p:tgtEl>
-                                      </p:cBhvr>
-                                    </p:animEffect>
-                                  </p:childTnLst>
-                                </p:cTn>
-                              </p:par>
-                            </p:childTnLst>
-                          </p:cTn>
-                        </p:par>
-                      </p:childTnLst>
-                    </p:cTn>
-                  </p:par>
-                  <p:par>
-                    <p:cTn id="13" fill="hold">
-                      <p:stCondLst>
-                        <p:cond delay="indefinite"/>
-                      </p:stCondLst>
-                      <p:childTnLst>
-                        <p:par>
-                          <p:cTn id="14" fill="hold">
-                            <p:stCondLst>
-                              <p:cond delay="0"/>
-                            </p:stCondLst>
-                            <p:childTnLst>
-                              <p:par>
-                                <p:cTn id="15" presetID="10" presetClass="entr" presetSubtype="0" fill="hold" grpId="0" nodeType="clickEffect">
-                                  <p:stCondLst>
-                                    <p:cond delay="0"/>
-                                  </p:stCondLst>
-                                  <p:childTnLst>
-                                    <p:set>
-                                      <p:cBhvr>
-                                        <p:cTn id="16" dur="1" fill="hold">
-                                          <p:stCondLst>
-                                            <p:cond delay="0"/>
-                                          </p:stCondLst>
-                                        </p:cTn>
-                                        <p:tgtEl>
-                                          <p:spTgt spid="5">
-                                            <p:txEl>
-                                              <p:pRg st="2" end="2"/>
-                                            </p:txEl>
-                                          </p:spTgt>
-                                        </p:tgtEl>
-                                        <p:attrNameLst>
-                                          <p:attrName>style.visibility</p:attrName>
-                                        </p:attrNameLst>
-                                      </p:cBhvr>
-                                      <p:to>
-                                        <p:strVal val="visible"/>
-                                      </p:to>
-                                    </p:set>
-                                    <p:animEffect transition="in" filter="fade">
-                                      <p:cBhvr>
-                                        <p:cTn id="17" dur="500"/>
-                                        <p:tgtEl>
-                                          <p:spTgt spid="5">
-                                            <p:txEl>
-                                              <p:pRg st="2" end="2"/>
-                                            </p:txEl>
-                                          </p:spTgt>
-                                        </p:tgtEl>
-                                      </p:cBhvr>
-                                    </p:animEffect>
-                                  </p:childTnLst>
-                                </p:cTn>
-                              </p:par>
-                            </p:childTnLst>
-                          </p:cTn>
-                        </p:par>
-                      </p:childTnLst>
-                    </p:cTn>
-                  </p:par>
-                  <p:par>
-                    <p:cTn id="18" fill="hold">
-                      <p:stCondLst>
-                        <p:cond delay="indefinite"/>
-                      </p:stCondLst>
-                      <p:childTnLst>
-                        <p:par>
-                          <p:cTn id="19" fill="hold">
-                            <p:stCondLst>
-                              <p:cond delay="0"/>
-                            </p:stCondLst>
-                            <p:childTnLst>
-                              <p:par>
-                                <p:cTn id="20" presetID="10" presetClass="entr" presetSubtype="0" fill="hold" grpId="0" nodeType="clickEffect">
-                                  <p:stCondLst>
-                                    <p:cond delay="0"/>
-                                  </p:stCondLst>
-                                  <p:childTnLst>
-                                    <p:set>
-                                      <p:cBhvr>
-                                        <p:cTn id="21" dur="1" fill="hold">
-                                          <p:stCondLst>
-                                            <p:cond delay="0"/>
-                                          </p:stCondLst>
-                                        </p:cTn>
-                                        <p:tgtEl>
-                                          <p:spTgt spid="5">
-                                            <p:txEl>
-                                              <p:pRg st="3" end="3"/>
-                                            </p:txEl>
-                                          </p:spTgt>
-                                        </p:tgtEl>
-                                        <p:attrNameLst>
-                                          <p:attrName>style.visibility</p:attrName>
-                                        </p:attrNameLst>
-                                      </p:cBhvr>
-                                      <p:to>
-                                        <p:strVal val="visible"/>
-                                      </p:to>
-                                    </p:set>
-                                    <p:animEffect transition="in" filter="fade">
-                                      <p:cBhvr>
-                                        <p:cTn id="22" dur="500"/>
-                                        <p:tgtEl>
-                                          <p:spTgt spid="5">
-                                            <p:txEl>
-                                              <p:pRg st="3" end="3"/>
-                                            </p:txEl>
-                                          </p:spTgt>
-                                        </p:tgtEl>
-                                      </p:cBhvr>
-                                    </p:animEffect>
-                                  </p:childTnLst>
-                                </p:cTn>
-                              </p:par>
-                            </p:childTnLst>
-                          </p:cTn>
-                        </p:par>
-                      </p:childTnLst>
-                    </p:cTn>
-                  </p:par>
-                </p:childTnLst>
-              </p:cTn>
-              <p:prevCondLst>
-                <p:cond evt="onPrev" delay="0">
-                  <p:tgtEl>
-                    <p:sldTgt/>
-                  </p:tgtEl>
-                </p:cond>
-              </p:prevCondLst>
-              <p:nextCondLst>
-                <p:cond evt="onNext" delay="0">
-                  <p:tgtEl>
-                    <p:sldTgt/>
-                  </p:tgtEl>
-                </p:cond>
-              </p:nextCondLst>
-            </p:seq>
-          </p:childTnLst>
-        </p:cTn>
-      </p:par>
-    </p:tnLst>
-    <p:bldLst>
-      <p:bldP spid="5" grpId="0" build="p"/>
-    </p:bldLst>
-  </p:timing>
-</p:sld>
-</file>
-
-<file path=ppt/slides/slide12.xml><?xml version="1.0" encoding="utf-8"?>
-<p:sld xmlns:a="http://schemas.openxmlformats.org/drawingml/2006/main" xmlns:r="http://schemas.openxmlformats.org/officeDocument/2006/relationships" xmlns:p="http://schemas.openxmlformats.org/presentationml/2006/main">
-  <p:cSld>
-    <p:spTree>
-      <p:nvGrpSpPr>
-        <p:cNvPr id="1" name=""/>
-        <p:cNvGrpSpPr/>
-        <p:nvPr/>
-      </p:nvGrpSpPr>
-      <p:grpSpPr>
-        <a:xfrm>
-          <a:off x="0" y="0"/>
-          <a:ext cx="0" cy="0"/>
-          <a:chOff x="0" y="0"/>
-          <a:chExt cx="0" cy="0"/>
-        </a:xfrm>
-      </p:grpSpPr>
-      <p:sp>
-        <p:nvSpPr>
-          <p:cNvPr id="9" name="Title 1"/>
-          <p:cNvSpPr>
-            <a:spLocks noGrp="1"/>
-          </p:cNvSpPr>
-          <p:nvPr/>
-        </p:nvSpPr>
-        <p:spPr>
-          <a:xfrm>
-            <a:off x="609600" y="708819"/>
-            <a:ext cx="7924800" cy="1143000"/>
-          </a:xfrm>
-          <a:prstGeom prst="rect">
-            <a:avLst/>
-          </a:prstGeom>
-        </p:spPr>
-        <p:txBody>
-          <a:bodyPr vert="horz" lIns="91440" tIns="45720" rIns="91440" bIns="45720" rtlCol="0" anchor="b" anchorCtr="0">
-            <a:noAutofit/>
-          </a:bodyPr>
-          <a:lstStyle>
-            <a:lvl1pPr algn="l" defTabSz="914400" rtl="0" eaLnBrk="1" latinLnBrk="0" hangingPunct="1">
-              <a:spcBef>
-                <a:spcPct val="0"/>
-              </a:spcBef>
-              <a:buNone/>
-              <a:defRPr sz="3000" kern="1200" cap="all" spc="50" baseline="0">
-                <a:solidFill>
-                  <a:schemeClr val="tx1"/>
-                </a:solidFill>
-                <a:latin typeface="+mj-lt"/>
-                <a:ea typeface="+mj-ea"/>
-                <a:cs typeface="+mj-cs"/>
-              </a:defRPr>
-            </a:lvl1pPr>
-            <a:lvl2pPr eaLnBrk="1" hangingPunct="1">
-              <a:defRPr>
-                <a:solidFill>
-                  <a:schemeClr val="tx2"/>
-                </a:solidFill>
-              </a:defRPr>
-            </a:lvl2pPr>
-            <a:lvl3pPr eaLnBrk="1" hangingPunct="1">
-              <a:defRPr>
-                <a:solidFill>
-                  <a:schemeClr val="tx2"/>
-                </a:solidFill>
-              </a:defRPr>
-            </a:lvl3pPr>
-            <a:lvl4pPr eaLnBrk="1" hangingPunct="1">
-              <a:defRPr>
-                <a:solidFill>
-                  <a:schemeClr val="tx2"/>
-                </a:solidFill>
-              </a:defRPr>
-            </a:lvl4pPr>
-            <a:lvl5pPr eaLnBrk="1" hangingPunct="1">
-              <a:defRPr>
-                <a:solidFill>
-                  <a:schemeClr val="tx2"/>
-                </a:solidFill>
-              </a:defRPr>
-            </a:lvl5pPr>
-            <a:lvl6pPr eaLnBrk="1" hangingPunct="1">
-              <a:defRPr>
-                <a:solidFill>
-                  <a:schemeClr val="tx2"/>
-                </a:solidFill>
-              </a:defRPr>
-            </a:lvl6pPr>
-            <a:lvl7pPr eaLnBrk="1" hangingPunct="1">
-              <a:defRPr>
-                <a:solidFill>
-                  <a:schemeClr val="tx2"/>
-                </a:solidFill>
-              </a:defRPr>
-            </a:lvl7pPr>
-            <a:lvl8pPr eaLnBrk="1" hangingPunct="1">
-              <a:defRPr>
-                <a:solidFill>
-                  <a:schemeClr val="tx2"/>
-                </a:solidFill>
-              </a:defRPr>
-            </a:lvl8pPr>
-            <a:lvl9pPr eaLnBrk="1" hangingPunct="1">
-              <a:defRPr>
-                <a:solidFill>
-                  <a:schemeClr val="tx2"/>
-                </a:solidFill>
-              </a:defRPr>
-            </a:lvl9pPr>
-          </a:lstStyle>
-          <a:p>
-            <a:r>
-              <a:rPr lang="en-US" dirty="0" smtClean="0"/>
-              <a:t>TDD versus BDD</a:t>
-            </a:r>
-            <a:endParaRPr lang="en-US" dirty="0"/>
-          </a:p>
-        </p:txBody>
-      </p:sp>
-      <p:sp>
-        <p:nvSpPr>
-          <p:cNvPr id="10" name="Text Placeholder 2"/>
-          <p:cNvSpPr>
-            <a:spLocks noGrp="1"/>
-          </p:cNvSpPr>
-          <p:nvPr/>
-        </p:nvSpPr>
-        <p:spPr>
-          <a:xfrm>
-            <a:off x="609600" y="2034380"/>
-            <a:ext cx="3733800" cy="574675"/>
-          </a:xfrm>
-          <a:prstGeom prst="rect">
-            <a:avLst/>
-          </a:prstGeom>
-        </p:spPr>
-        <p:txBody>
-          <a:bodyPr vert="horz" lIns="91440" tIns="45720" rIns="91440" bIns="45720" rtlCol="0" anchor="b">
-            <a:normAutofit/>
-          </a:bodyPr>
-          <a:lstStyle>
-            <a:lvl1pPr marL="0" indent="0" algn="l" defTabSz="914400" rtl="0" eaLnBrk="1" latinLnBrk="0" hangingPunct="1">
-              <a:lnSpc>
-                <a:spcPct val="100000"/>
-              </a:lnSpc>
-              <a:spcBef>
-                <a:spcPct val="20000"/>
-              </a:spcBef>
-              <a:spcAft>
-                <a:spcPts val="600"/>
-              </a:spcAft>
-              <a:buClr>
-                <a:schemeClr val="tx2"/>
-              </a:buClr>
-              <a:buFont typeface="Arial" pitchFamily="34" charset="0"/>
-              <a:buNone/>
-              <a:defRPr sz="1700" b="0" i="0" kern="1200" spc="30" baseline="0">
-                <a:solidFill>
-                  <a:schemeClr val="tx2"/>
-                </a:solidFill>
-                <a:latin typeface="+mn-lt"/>
-                <a:ea typeface="+mn-ea"/>
-                <a:cs typeface="+mn-cs"/>
-              </a:defRPr>
-            </a:lvl1pPr>
-            <a:lvl2pPr marL="457200" indent="0" algn="l" defTabSz="914400" rtl="0" eaLnBrk="1" latinLnBrk="0" hangingPunct="1">
-              <a:lnSpc>
-                <a:spcPct val="100000"/>
-              </a:lnSpc>
-              <a:spcBef>
-                <a:spcPct val="20000"/>
-              </a:spcBef>
-              <a:spcAft>
-                <a:spcPts val="600"/>
-              </a:spcAft>
-              <a:buClr>
-                <a:schemeClr val="tx2"/>
-              </a:buClr>
-              <a:buFont typeface="Arial" pitchFamily="34" charset="0"/>
-              <a:buNone/>
-              <a:defRPr sz="2000" b="1" kern="1200" spc="30" baseline="0">
-                <a:solidFill>
-                  <a:schemeClr val="tx1"/>
-                </a:solidFill>
-                <a:latin typeface="+mn-lt"/>
-                <a:ea typeface="+mn-ea"/>
-                <a:cs typeface="+mn-cs"/>
-              </a:defRPr>
-            </a:lvl2pPr>
-            <a:lvl3pPr marL="914400" indent="0" algn="l" defTabSz="914400" rtl="0" eaLnBrk="1" latinLnBrk="0" hangingPunct="1">
-              <a:lnSpc>
-                <a:spcPct val="100000"/>
-              </a:lnSpc>
-              <a:spcBef>
-                <a:spcPct val="20000"/>
-              </a:spcBef>
-              <a:spcAft>
-                <a:spcPts val="600"/>
-              </a:spcAft>
-              <a:buClr>
-                <a:schemeClr val="tx2"/>
-              </a:buClr>
-              <a:buFont typeface="Arial" pitchFamily="34" charset="0"/>
-              <a:buNone/>
-              <a:defRPr sz="1800" b="1" kern="1200" spc="30" baseline="0">
-                <a:solidFill>
-                  <a:schemeClr val="tx1"/>
-                </a:solidFill>
-                <a:latin typeface="+mn-lt"/>
-                <a:ea typeface="+mn-ea"/>
-                <a:cs typeface="+mn-cs"/>
-              </a:defRPr>
-            </a:lvl3pPr>
-            <a:lvl4pPr marL="1371600" indent="0" algn="l" defTabSz="914400" rtl="0" eaLnBrk="1" latinLnBrk="0" hangingPunct="1">
-              <a:lnSpc>
-                <a:spcPct val="100000"/>
-              </a:lnSpc>
-              <a:spcBef>
-                <a:spcPct val="20000"/>
-              </a:spcBef>
-              <a:spcAft>
-                <a:spcPts val="600"/>
-              </a:spcAft>
-              <a:buClr>
-                <a:schemeClr val="tx2"/>
-              </a:buClr>
-              <a:buFont typeface="Arial" pitchFamily="34" charset="0"/>
-              <a:buNone/>
-              <a:defRPr sz="1600" b="1" kern="1200" spc="30" baseline="0">
-                <a:solidFill>
-                  <a:schemeClr val="tx1"/>
-                </a:solidFill>
-                <a:latin typeface="+mn-lt"/>
-                <a:ea typeface="+mn-ea"/>
-                <a:cs typeface="+mn-cs"/>
-              </a:defRPr>
-            </a:lvl4pPr>
-            <a:lvl5pPr marL="1828800" indent="0" algn="l" defTabSz="914400" rtl="0" eaLnBrk="1" latinLnBrk="0" hangingPunct="1">
-              <a:lnSpc>
-                <a:spcPct val="100000"/>
-              </a:lnSpc>
-              <a:spcBef>
-                <a:spcPct val="20000"/>
-              </a:spcBef>
-              <a:spcAft>
-                <a:spcPts val="600"/>
-              </a:spcAft>
-              <a:buClr>
-                <a:schemeClr val="tx2"/>
-              </a:buClr>
-              <a:buFont typeface="Arial" pitchFamily="34" charset="0"/>
-              <a:buNone/>
-              <a:defRPr sz="1600" b="1" kern="1200" spc="30" baseline="0">
-                <a:solidFill>
-                  <a:schemeClr val="tx1"/>
-                </a:solidFill>
-                <a:latin typeface="+mn-lt"/>
-                <a:ea typeface="+mn-ea"/>
-                <a:cs typeface="+mn-cs"/>
-              </a:defRPr>
-            </a:lvl5pPr>
-            <a:lvl6pPr marL="2286000" indent="0" algn="l" defTabSz="914400" rtl="0" eaLnBrk="1" latinLnBrk="0" hangingPunct="1">
-              <a:lnSpc>
-                <a:spcPct val="100000"/>
-              </a:lnSpc>
-              <a:spcBef>
-                <a:spcPct val="20000"/>
-              </a:spcBef>
-              <a:spcAft>
-                <a:spcPts val="600"/>
-              </a:spcAft>
-              <a:buClr>
-                <a:schemeClr val="tx2"/>
-              </a:buClr>
-              <a:buFont typeface="Arial" pitchFamily="34" charset="0"/>
-              <a:buNone/>
-              <a:defRPr sz="1600" b="1" kern="1200">
-                <a:solidFill>
-                  <a:schemeClr val="tx1"/>
-                </a:solidFill>
-                <a:latin typeface="+mn-lt"/>
-                <a:ea typeface="+mn-ea"/>
-                <a:cs typeface="+mn-cs"/>
-              </a:defRPr>
-            </a:lvl6pPr>
-            <a:lvl7pPr marL="2743200" indent="0" algn="l" defTabSz="914400" rtl="0" eaLnBrk="1" latinLnBrk="0" hangingPunct="1">
-              <a:lnSpc>
-                <a:spcPct val="100000"/>
-              </a:lnSpc>
-              <a:spcBef>
-                <a:spcPct val="20000"/>
-              </a:spcBef>
-              <a:spcAft>
-                <a:spcPts val="600"/>
-              </a:spcAft>
-              <a:buClr>
-                <a:schemeClr val="tx2"/>
-              </a:buClr>
-              <a:buFont typeface="Arial" pitchFamily="34" charset="0"/>
-              <a:buNone/>
-              <a:defRPr sz="1600" b="1" kern="1200">
-                <a:solidFill>
-                  <a:schemeClr val="tx1"/>
-                </a:solidFill>
-                <a:latin typeface="+mn-lt"/>
-                <a:ea typeface="+mn-ea"/>
-                <a:cs typeface="+mn-cs"/>
-              </a:defRPr>
-            </a:lvl7pPr>
-            <a:lvl8pPr marL="3200400" indent="0" algn="l" defTabSz="914400" rtl="0" eaLnBrk="1" latinLnBrk="0" hangingPunct="1">
-              <a:lnSpc>
-                <a:spcPct val="100000"/>
-              </a:lnSpc>
-              <a:spcBef>
-                <a:spcPct val="20000"/>
-              </a:spcBef>
-              <a:spcAft>
-                <a:spcPts val="600"/>
-              </a:spcAft>
-              <a:buClr>
-                <a:schemeClr val="tx2"/>
-              </a:buClr>
-              <a:buFont typeface="Arial" pitchFamily="34" charset="0"/>
-              <a:buNone/>
-              <a:defRPr sz="1600" b="1" kern="1200">
-                <a:solidFill>
-                  <a:schemeClr val="tx1"/>
-                </a:solidFill>
-                <a:latin typeface="+mn-lt"/>
-                <a:ea typeface="+mn-ea"/>
-                <a:cs typeface="+mn-cs"/>
-              </a:defRPr>
-            </a:lvl8pPr>
-            <a:lvl9pPr marL="3657600" indent="0" algn="l" defTabSz="914400" rtl="0" eaLnBrk="1" latinLnBrk="0" hangingPunct="1">
-              <a:lnSpc>
-                <a:spcPct val="100000"/>
-              </a:lnSpc>
-              <a:spcBef>
-                <a:spcPct val="20000"/>
-              </a:spcBef>
-              <a:spcAft>
-                <a:spcPts val="600"/>
-              </a:spcAft>
-              <a:buClr>
-                <a:schemeClr val="tx2"/>
-              </a:buClr>
-              <a:buFont typeface="Arial" pitchFamily="34" charset="0"/>
-              <a:buNone/>
-              <a:defRPr sz="1600" b="1" kern="1200">
-                <a:solidFill>
-                  <a:schemeClr val="tx1"/>
-                </a:solidFill>
-                <a:latin typeface="+mn-lt"/>
-                <a:ea typeface="+mn-ea"/>
-                <a:cs typeface="+mn-cs"/>
-              </a:defRPr>
-            </a:lvl9pPr>
-          </a:lstStyle>
-          <a:p>
-            <a:r>
-              <a:rPr lang="en-US" dirty="0" smtClean="0"/>
-              <a:t>TDD</a:t>
-            </a:r>
-            <a:endParaRPr lang="en-US" dirty="0"/>
-          </a:p>
-        </p:txBody>
-      </p:sp>
-      <p:sp>
-        <p:nvSpPr>
-          <p:cNvPr id="11" name="Text Placeholder 3"/>
-          <p:cNvSpPr>
-            <a:spLocks noGrp="1"/>
-          </p:cNvSpPr>
-          <p:nvPr/>
-        </p:nvSpPr>
-        <p:spPr>
-          <a:xfrm>
-            <a:off x="4800600" y="2034380"/>
-            <a:ext cx="3733800" cy="574675"/>
-          </a:xfrm>
-          <a:prstGeom prst="rect">
-            <a:avLst/>
-          </a:prstGeom>
-        </p:spPr>
-        <p:txBody>
-          <a:bodyPr vert="horz" lIns="91440" tIns="45720" rIns="91440" bIns="45720" rtlCol="0" anchor="b">
-            <a:normAutofit/>
-          </a:bodyPr>
-          <a:lstStyle>
-            <a:lvl1pPr marL="0" indent="0" algn="l" defTabSz="914400" rtl="0" eaLnBrk="1" latinLnBrk="0" hangingPunct="1">
-              <a:lnSpc>
-                <a:spcPct val="100000"/>
-              </a:lnSpc>
-              <a:spcBef>
-                <a:spcPct val="20000"/>
-              </a:spcBef>
-              <a:spcAft>
-                <a:spcPts val="600"/>
-              </a:spcAft>
-              <a:buClr>
-                <a:schemeClr val="tx2"/>
-              </a:buClr>
-              <a:buFont typeface="Arial" pitchFamily="34" charset="0"/>
-              <a:buNone/>
-              <a:defRPr sz="1700" b="0" i="0" kern="1200" spc="30" baseline="0">
-                <a:solidFill>
-                  <a:schemeClr val="tx2"/>
-                </a:solidFill>
-                <a:latin typeface="+mn-lt"/>
-                <a:ea typeface="+mn-ea"/>
-                <a:cs typeface="+mn-cs"/>
-              </a:defRPr>
-            </a:lvl1pPr>
-            <a:lvl2pPr marL="457200" indent="0" algn="l" defTabSz="914400" rtl="0" eaLnBrk="1" latinLnBrk="0" hangingPunct="1">
-              <a:lnSpc>
-                <a:spcPct val="100000"/>
-              </a:lnSpc>
-              <a:spcBef>
-                <a:spcPct val="20000"/>
-              </a:spcBef>
-              <a:spcAft>
-                <a:spcPts val="600"/>
-              </a:spcAft>
-              <a:buClr>
-                <a:schemeClr val="tx2"/>
-              </a:buClr>
-              <a:buFont typeface="Arial" pitchFamily="34" charset="0"/>
-              <a:buNone/>
-              <a:defRPr sz="2000" b="1" kern="1200" spc="30" baseline="0">
-                <a:solidFill>
-                  <a:schemeClr val="tx1"/>
-                </a:solidFill>
-                <a:latin typeface="+mn-lt"/>
-                <a:ea typeface="+mn-ea"/>
-                <a:cs typeface="+mn-cs"/>
-              </a:defRPr>
-            </a:lvl2pPr>
-            <a:lvl3pPr marL="914400" indent="0" algn="l" defTabSz="914400" rtl="0" eaLnBrk="1" latinLnBrk="0" hangingPunct="1">
-              <a:lnSpc>
-                <a:spcPct val="100000"/>
-              </a:lnSpc>
-              <a:spcBef>
-                <a:spcPct val="20000"/>
-              </a:spcBef>
-              <a:spcAft>
-                <a:spcPts val="600"/>
-              </a:spcAft>
-              <a:buClr>
-                <a:schemeClr val="tx2"/>
-              </a:buClr>
-              <a:buFont typeface="Arial" pitchFamily="34" charset="0"/>
-              <a:buNone/>
-              <a:defRPr sz="1800" b="1" kern="1200" spc="30" baseline="0">
-                <a:solidFill>
-                  <a:schemeClr val="tx1"/>
-                </a:solidFill>
-                <a:latin typeface="+mn-lt"/>
-                <a:ea typeface="+mn-ea"/>
-                <a:cs typeface="+mn-cs"/>
-              </a:defRPr>
-            </a:lvl3pPr>
-            <a:lvl4pPr marL="1371600" indent="0" algn="l" defTabSz="914400" rtl="0" eaLnBrk="1" latinLnBrk="0" hangingPunct="1">
-              <a:lnSpc>
-                <a:spcPct val="100000"/>
-              </a:lnSpc>
-              <a:spcBef>
-                <a:spcPct val="20000"/>
-              </a:spcBef>
-              <a:spcAft>
-                <a:spcPts val="600"/>
-              </a:spcAft>
-              <a:buClr>
-                <a:schemeClr val="tx2"/>
-              </a:buClr>
-              <a:buFont typeface="Arial" pitchFamily="34" charset="0"/>
-              <a:buNone/>
-              <a:defRPr sz="1600" b="1" kern="1200" spc="30" baseline="0">
-                <a:solidFill>
-                  <a:schemeClr val="tx1"/>
-                </a:solidFill>
-                <a:latin typeface="+mn-lt"/>
-                <a:ea typeface="+mn-ea"/>
-                <a:cs typeface="+mn-cs"/>
-              </a:defRPr>
-            </a:lvl4pPr>
-            <a:lvl5pPr marL="1828800" indent="0" algn="l" defTabSz="914400" rtl="0" eaLnBrk="1" latinLnBrk="0" hangingPunct="1">
-              <a:lnSpc>
-                <a:spcPct val="100000"/>
-              </a:lnSpc>
-              <a:spcBef>
-                <a:spcPct val="20000"/>
-              </a:spcBef>
-              <a:spcAft>
-                <a:spcPts val="600"/>
-              </a:spcAft>
-              <a:buClr>
-                <a:schemeClr val="tx2"/>
-              </a:buClr>
-              <a:buFont typeface="Arial" pitchFamily="34" charset="0"/>
-              <a:buNone/>
-              <a:defRPr sz="1600" b="1" kern="1200" spc="30" baseline="0">
-                <a:solidFill>
-                  <a:schemeClr val="tx1"/>
-                </a:solidFill>
-                <a:latin typeface="+mn-lt"/>
-                <a:ea typeface="+mn-ea"/>
-                <a:cs typeface="+mn-cs"/>
-              </a:defRPr>
-            </a:lvl5pPr>
-            <a:lvl6pPr marL="2286000" indent="0" algn="l" defTabSz="914400" rtl="0" eaLnBrk="1" latinLnBrk="0" hangingPunct="1">
-              <a:lnSpc>
-                <a:spcPct val="100000"/>
-              </a:lnSpc>
-              <a:spcBef>
-                <a:spcPct val="20000"/>
-              </a:spcBef>
-              <a:spcAft>
-                <a:spcPts val="600"/>
-              </a:spcAft>
-              <a:buClr>
-                <a:schemeClr val="tx2"/>
-              </a:buClr>
-              <a:buFont typeface="Arial" pitchFamily="34" charset="0"/>
-              <a:buNone/>
-              <a:defRPr sz="1600" b="1" kern="1200">
-                <a:solidFill>
-                  <a:schemeClr val="tx1"/>
-                </a:solidFill>
-                <a:latin typeface="+mn-lt"/>
-                <a:ea typeface="+mn-ea"/>
-                <a:cs typeface="+mn-cs"/>
-              </a:defRPr>
-            </a:lvl6pPr>
-            <a:lvl7pPr marL="2743200" indent="0" algn="l" defTabSz="914400" rtl="0" eaLnBrk="1" latinLnBrk="0" hangingPunct="1">
-              <a:lnSpc>
-                <a:spcPct val="100000"/>
-              </a:lnSpc>
-              <a:spcBef>
-                <a:spcPct val="20000"/>
-              </a:spcBef>
-              <a:spcAft>
-                <a:spcPts val="600"/>
-              </a:spcAft>
-              <a:buClr>
-                <a:schemeClr val="tx2"/>
-              </a:buClr>
-              <a:buFont typeface="Arial" pitchFamily="34" charset="0"/>
-              <a:buNone/>
-              <a:defRPr sz="1600" b="1" kern="1200">
-                <a:solidFill>
-                  <a:schemeClr val="tx1"/>
-                </a:solidFill>
-                <a:latin typeface="+mn-lt"/>
-                <a:ea typeface="+mn-ea"/>
-                <a:cs typeface="+mn-cs"/>
-              </a:defRPr>
-            </a:lvl7pPr>
-            <a:lvl8pPr marL="3200400" indent="0" algn="l" defTabSz="914400" rtl="0" eaLnBrk="1" latinLnBrk="0" hangingPunct="1">
-              <a:lnSpc>
-                <a:spcPct val="100000"/>
-              </a:lnSpc>
-              <a:spcBef>
-                <a:spcPct val="20000"/>
-              </a:spcBef>
-              <a:spcAft>
-                <a:spcPts val="600"/>
-              </a:spcAft>
-              <a:buClr>
-                <a:schemeClr val="tx2"/>
-              </a:buClr>
-              <a:buFont typeface="Arial" pitchFamily="34" charset="0"/>
-              <a:buNone/>
-              <a:defRPr sz="1600" b="1" kern="1200">
-                <a:solidFill>
-                  <a:schemeClr val="tx1"/>
-                </a:solidFill>
-                <a:latin typeface="+mn-lt"/>
-                <a:ea typeface="+mn-ea"/>
-                <a:cs typeface="+mn-cs"/>
-              </a:defRPr>
-            </a:lvl8pPr>
-            <a:lvl9pPr marL="3657600" indent="0" algn="l" defTabSz="914400" rtl="0" eaLnBrk="1" latinLnBrk="0" hangingPunct="1">
-              <a:lnSpc>
-                <a:spcPct val="100000"/>
-              </a:lnSpc>
-              <a:spcBef>
-                <a:spcPct val="20000"/>
-              </a:spcBef>
-              <a:spcAft>
-                <a:spcPts val="600"/>
-              </a:spcAft>
-              <a:buClr>
-                <a:schemeClr val="tx2"/>
-              </a:buClr>
-              <a:buFont typeface="Arial" pitchFamily="34" charset="0"/>
-              <a:buNone/>
-              <a:defRPr sz="1600" b="1" kern="1200">
-                <a:solidFill>
-                  <a:schemeClr val="tx1"/>
-                </a:solidFill>
-                <a:latin typeface="+mn-lt"/>
-                <a:ea typeface="+mn-ea"/>
-                <a:cs typeface="+mn-cs"/>
-              </a:defRPr>
-            </a:lvl9pPr>
-          </a:lstStyle>
-          <a:p>
-            <a:r>
-              <a:rPr lang="en-US" dirty="0" smtClean="0"/>
-              <a:t>BDD</a:t>
-            </a:r>
-            <a:endParaRPr lang="en-US" dirty="0"/>
-          </a:p>
-        </p:txBody>
-      </p:sp>
-      <p:sp>
-        <p:nvSpPr>
-          <p:cNvPr id="12" name="Content Placeholder 4"/>
-          <p:cNvSpPr>
-            <a:spLocks noGrp="1"/>
-          </p:cNvSpPr>
-          <p:nvPr/>
-        </p:nvSpPr>
-        <p:spPr>
-          <a:xfrm>
-            <a:off x="609600" y="2643981"/>
-            <a:ext cx="3733800" cy="3505200"/>
-          </a:xfrm>
-          <a:prstGeom prst="rect">
-            <a:avLst/>
-          </a:prstGeom>
-        </p:spPr>
-        <p:txBody>
-          <a:bodyPr vert="horz" lIns="91440" tIns="45720" rIns="91440" bIns="45720" rtlCol="0">
-            <a:normAutofit/>
-          </a:bodyPr>
-          <a:lstStyle>
-            <a:lvl1pPr marL="342900" indent="-342900" algn="l" defTabSz="914400" rtl="0" eaLnBrk="1" latinLnBrk="0" hangingPunct="1">
-              <a:lnSpc>
-                <a:spcPct val="100000"/>
-              </a:lnSpc>
-              <a:spcBef>
-                <a:spcPct val="20000"/>
-              </a:spcBef>
-              <a:spcAft>
-                <a:spcPts val="600"/>
-              </a:spcAft>
-              <a:buClr>
-                <a:schemeClr val="tx2"/>
-              </a:buClr>
-              <a:buFont typeface="Arial" pitchFamily="34" charset="0"/>
-              <a:buChar char="•"/>
-              <a:defRPr sz="1700" kern="1200" spc="30" baseline="0">
-                <a:solidFill>
-                  <a:schemeClr val="tx1"/>
-                </a:solidFill>
-                <a:latin typeface="+mn-lt"/>
-                <a:ea typeface="+mn-ea"/>
-                <a:cs typeface="+mn-cs"/>
-              </a:defRPr>
-            </a:lvl1pPr>
-            <a:lvl2pPr marL="742950" indent="-285750" algn="l" defTabSz="914400" rtl="0" eaLnBrk="1" latinLnBrk="0" hangingPunct="1">
-              <a:lnSpc>
-                <a:spcPct val="100000"/>
-              </a:lnSpc>
-              <a:spcBef>
-                <a:spcPct val="20000"/>
-              </a:spcBef>
-              <a:spcAft>
-                <a:spcPts val="600"/>
-              </a:spcAft>
-              <a:buClr>
-                <a:schemeClr val="tx2"/>
-              </a:buClr>
-              <a:buFont typeface="Arial" pitchFamily="34" charset="0"/>
-              <a:buChar char="•"/>
-              <a:defRPr sz="1700" kern="1200" spc="30" baseline="0">
-                <a:solidFill>
-                  <a:schemeClr val="tx1"/>
-                </a:solidFill>
-                <a:latin typeface="+mn-lt"/>
-                <a:ea typeface="+mn-ea"/>
-                <a:cs typeface="+mn-cs"/>
-              </a:defRPr>
-            </a:lvl2pPr>
-            <a:lvl3pPr marL="1143000" indent="-228600" algn="l" defTabSz="914400" rtl="0" eaLnBrk="1" latinLnBrk="0" hangingPunct="1">
-              <a:lnSpc>
-                <a:spcPct val="100000"/>
-              </a:lnSpc>
-              <a:spcBef>
-                <a:spcPct val="20000"/>
-              </a:spcBef>
-              <a:spcAft>
-                <a:spcPts val="600"/>
-              </a:spcAft>
-              <a:buClr>
-                <a:schemeClr val="tx2"/>
-              </a:buClr>
-              <a:buFont typeface="Arial" pitchFamily="34" charset="0"/>
-              <a:buChar char="•"/>
-              <a:defRPr sz="1700" kern="1200" spc="30" baseline="0">
-                <a:solidFill>
-                  <a:schemeClr val="tx1"/>
-                </a:solidFill>
-                <a:latin typeface="+mn-lt"/>
-                <a:ea typeface="+mn-ea"/>
-                <a:cs typeface="+mn-cs"/>
-              </a:defRPr>
-            </a:lvl3pPr>
-            <a:lvl4pPr marL="1600200" indent="-228600" algn="l" defTabSz="914400" rtl="0" eaLnBrk="1" latinLnBrk="0" hangingPunct="1">
-              <a:lnSpc>
-                <a:spcPct val="100000"/>
-              </a:lnSpc>
-              <a:spcBef>
-                <a:spcPct val="20000"/>
-              </a:spcBef>
-              <a:spcAft>
-                <a:spcPts val="600"/>
-              </a:spcAft>
-              <a:buClr>
-                <a:schemeClr val="tx2"/>
-              </a:buClr>
-              <a:buFont typeface="Arial" pitchFamily="34" charset="0"/>
-              <a:buChar char="•"/>
-              <a:defRPr sz="1700" kern="1200" spc="30" baseline="0">
-                <a:solidFill>
-                  <a:schemeClr val="tx1"/>
-                </a:solidFill>
-                <a:latin typeface="+mn-lt"/>
-                <a:ea typeface="+mn-ea"/>
-                <a:cs typeface="+mn-cs"/>
-              </a:defRPr>
-            </a:lvl4pPr>
-            <a:lvl5pPr marL="2057400" indent="-228600" algn="l" defTabSz="914400" rtl="0" eaLnBrk="1" latinLnBrk="0" hangingPunct="1">
-              <a:lnSpc>
-                <a:spcPct val="100000"/>
-              </a:lnSpc>
-              <a:spcBef>
-                <a:spcPct val="20000"/>
-              </a:spcBef>
-              <a:spcAft>
-                <a:spcPts val="600"/>
-              </a:spcAft>
-              <a:buClr>
-                <a:schemeClr val="tx2"/>
-              </a:buClr>
-              <a:buFont typeface="Arial" pitchFamily="34" charset="0"/>
-              <a:buChar char="•"/>
-              <a:defRPr sz="1700" kern="1200" spc="30" baseline="0">
-                <a:solidFill>
-                  <a:schemeClr val="tx1"/>
-                </a:solidFill>
-                <a:latin typeface="+mn-lt"/>
-                <a:ea typeface="+mn-ea"/>
-                <a:cs typeface="+mn-cs"/>
-              </a:defRPr>
-            </a:lvl5pPr>
-            <a:lvl6pPr marL="2514600" indent="-228600" algn="l" defTabSz="914400" rtl="0" eaLnBrk="1" latinLnBrk="0" hangingPunct="1">
-              <a:lnSpc>
-                <a:spcPct val="100000"/>
-              </a:lnSpc>
-              <a:spcBef>
-                <a:spcPct val="20000"/>
-              </a:spcBef>
-              <a:spcAft>
-                <a:spcPts val="600"/>
-              </a:spcAft>
-              <a:buClr>
-                <a:schemeClr val="tx2"/>
-              </a:buClr>
-              <a:buFont typeface="Arial" pitchFamily="34" charset="0"/>
-              <a:buChar char="•"/>
-              <a:defRPr sz="1700" kern="1200">
-                <a:solidFill>
-                  <a:schemeClr val="tx1"/>
-                </a:solidFill>
-                <a:latin typeface="+mn-lt"/>
-                <a:ea typeface="+mn-ea"/>
-                <a:cs typeface="+mn-cs"/>
-              </a:defRPr>
-            </a:lvl6pPr>
-            <a:lvl7pPr marL="2971800" indent="-228600" algn="l" defTabSz="914400" rtl="0" eaLnBrk="1" latinLnBrk="0" hangingPunct="1">
-              <a:lnSpc>
-                <a:spcPct val="100000"/>
-              </a:lnSpc>
-              <a:spcBef>
-                <a:spcPct val="20000"/>
-              </a:spcBef>
-              <a:spcAft>
-                <a:spcPts val="600"/>
-              </a:spcAft>
-              <a:buClr>
-                <a:schemeClr val="tx2"/>
-              </a:buClr>
-              <a:buFont typeface="Arial" pitchFamily="34" charset="0"/>
-              <a:buChar char="•"/>
-              <a:defRPr sz="1700" kern="1200">
-                <a:solidFill>
-                  <a:schemeClr val="tx1"/>
-                </a:solidFill>
-                <a:latin typeface="+mn-lt"/>
-                <a:ea typeface="+mn-ea"/>
-                <a:cs typeface="+mn-cs"/>
-              </a:defRPr>
-            </a:lvl7pPr>
-            <a:lvl8pPr marL="3429000" indent="-228600" algn="l" defTabSz="914400" rtl="0" eaLnBrk="1" latinLnBrk="0" hangingPunct="1">
-              <a:lnSpc>
-                <a:spcPct val="100000"/>
-              </a:lnSpc>
-              <a:spcBef>
-                <a:spcPct val="20000"/>
-              </a:spcBef>
-              <a:spcAft>
-                <a:spcPts val="600"/>
-              </a:spcAft>
-              <a:buClr>
-                <a:schemeClr val="tx2"/>
-              </a:buClr>
-              <a:buFont typeface="Arial" pitchFamily="34" charset="0"/>
-              <a:buChar char="•"/>
-              <a:defRPr sz="1700" kern="1200">
-                <a:solidFill>
-                  <a:schemeClr val="tx1"/>
-                </a:solidFill>
-                <a:latin typeface="+mn-lt"/>
-                <a:ea typeface="+mn-ea"/>
-                <a:cs typeface="+mn-cs"/>
-              </a:defRPr>
-            </a:lvl8pPr>
-            <a:lvl9pPr marL="3886200" indent="-228600" algn="l" defTabSz="914400" rtl="0" eaLnBrk="1" latinLnBrk="0" hangingPunct="1">
-              <a:lnSpc>
-                <a:spcPct val="100000"/>
-              </a:lnSpc>
-              <a:spcBef>
-                <a:spcPct val="20000"/>
-              </a:spcBef>
-              <a:spcAft>
-                <a:spcPts val="600"/>
-              </a:spcAft>
-              <a:buClr>
-                <a:schemeClr val="tx2"/>
-              </a:buClr>
-              <a:buFont typeface="Arial" pitchFamily="34" charset="0"/>
-              <a:buChar char="•"/>
-              <a:defRPr sz="1700" kern="1200">
-                <a:solidFill>
-                  <a:schemeClr val="tx1"/>
-                </a:solidFill>
-                <a:latin typeface="+mn-lt"/>
-                <a:ea typeface="+mn-ea"/>
-                <a:cs typeface="+mn-cs"/>
-              </a:defRPr>
-            </a:lvl9pPr>
-          </a:lstStyle>
-          <a:p>
-            <a:r>
-              <a:rPr lang="en-US" sz="1800" dirty="0" smtClean="0"/>
-              <a:t>The core unit is a single class or method.</a:t>
-            </a:r>
-          </a:p>
-          <a:p>
-            <a:r>
-              <a:rPr lang="en-US" sz="1800" dirty="0" smtClean="0"/>
-              <a:t>All dependencies or actors related to the class under test are abstracted or mocked away.</a:t>
-            </a:r>
-            <a:endParaRPr lang="en-US" dirty="0" smtClean="0"/>
-          </a:p>
-          <a:p>
-            <a:endParaRPr lang="en-US" dirty="0" smtClean="0"/>
-          </a:p>
-          <a:p>
-            <a:r>
-              <a:rPr lang="en-US" dirty="0" smtClean="0"/>
-              <a:t>Tests are usually focused more on readability and maintainability for the programmer.</a:t>
-            </a:r>
-            <a:endParaRPr lang="en-US" dirty="0"/>
-          </a:p>
-        </p:txBody>
-      </p:sp>
-      <p:sp>
-        <p:nvSpPr>
-          <p:cNvPr id="13" name="Content Placeholder 5"/>
-          <p:cNvSpPr>
-            <a:spLocks noGrp="1"/>
-          </p:cNvSpPr>
-          <p:nvPr/>
-        </p:nvSpPr>
-        <p:spPr>
-          <a:xfrm>
-            <a:off x="4800600" y="2643981"/>
-            <a:ext cx="3733800" cy="3505200"/>
-          </a:xfrm>
-          <a:prstGeom prst="rect">
-            <a:avLst/>
-          </a:prstGeom>
-        </p:spPr>
-        <p:txBody>
-          <a:bodyPr vert="horz" lIns="91440" tIns="45720" rIns="91440" bIns="45720" rtlCol="0">
-            <a:normAutofit/>
-          </a:bodyPr>
-          <a:lstStyle>
-            <a:lvl1pPr marL="342900" indent="-342900" algn="l" defTabSz="914400" rtl="0" eaLnBrk="1" latinLnBrk="0" hangingPunct="1">
-              <a:lnSpc>
-                <a:spcPct val="100000"/>
-              </a:lnSpc>
-              <a:spcBef>
-                <a:spcPct val="20000"/>
-              </a:spcBef>
-              <a:spcAft>
-                <a:spcPts val="600"/>
-              </a:spcAft>
-              <a:buClr>
-                <a:schemeClr val="tx2"/>
-              </a:buClr>
-              <a:buFont typeface="Arial" pitchFamily="34" charset="0"/>
-              <a:buChar char="•"/>
-              <a:defRPr sz="1700" kern="1200" spc="30" baseline="0">
-                <a:solidFill>
-                  <a:schemeClr val="tx1"/>
-                </a:solidFill>
-                <a:latin typeface="+mn-lt"/>
-                <a:ea typeface="+mn-ea"/>
-                <a:cs typeface="+mn-cs"/>
-              </a:defRPr>
-            </a:lvl1pPr>
-            <a:lvl2pPr marL="742950" indent="-285750" algn="l" defTabSz="914400" rtl="0" eaLnBrk="1" latinLnBrk="0" hangingPunct="1">
-              <a:lnSpc>
-                <a:spcPct val="100000"/>
-              </a:lnSpc>
-              <a:spcBef>
-                <a:spcPct val="20000"/>
-              </a:spcBef>
-              <a:spcAft>
-                <a:spcPts val="600"/>
-              </a:spcAft>
-              <a:buClr>
-                <a:schemeClr val="tx2"/>
-              </a:buClr>
-              <a:buFont typeface="Arial" pitchFamily="34" charset="0"/>
-              <a:buChar char="•"/>
-              <a:defRPr sz="1700" kern="1200" spc="30" baseline="0">
-                <a:solidFill>
-                  <a:schemeClr val="tx1"/>
-                </a:solidFill>
-                <a:latin typeface="+mn-lt"/>
-                <a:ea typeface="+mn-ea"/>
-                <a:cs typeface="+mn-cs"/>
-              </a:defRPr>
-            </a:lvl2pPr>
-            <a:lvl3pPr marL="1143000" indent="-228600" algn="l" defTabSz="914400" rtl="0" eaLnBrk="1" latinLnBrk="0" hangingPunct="1">
-              <a:lnSpc>
-                <a:spcPct val="100000"/>
-              </a:lnSpc>
-              <a:spcBef>
-                <a:spcPct val="20000"/>
-              </a:spcBef>
-              <a:spcAft>
-                <a:spcPts val="600"/>
-              </a:spcAft>
-              <a:buClr>
-                <a:schemeClr val="tx2"/>
-              </a:buClr>
-              <a:buFont typeface="Arial" pitchFamily="34" charset="0"/>
-              <a:buChar char="•"/>
-              <a:defRPr sz="1700" kern="1200" spc="30" baseline="0">
-                <a:solidFill>
-                  <a:schemeClr val="tx1"/>
-                </a:solidFill>
-                <a:latin typeface="+mn-lt"/>
-                <a:ea typeface="+mn-ea"/>
-                <a:cs typeface="+mn-cs"/>
-              </a:defRPr>
-            </a:lvl3pPr>
-            <a:lvl4pPr marL="1600200" indent="-228600" algn="l" defTabSz="914400" rtl="0" eaLnBrk="1" latinLnBrk="0" hangingPunct="1">
-              <a:lnSpc>
-                <a:spcPct val="100000"/>
-              </a:lnSpc>
-              <a:spcBef>
-                <a:spcPct val="20000"/>
-              </a:spcBef>
-              <a:spcAft>
-                <a:spcPts val="600"/>
-              </a:spcAft>
-              <a:buClr>
-                <a:schemeClr val="tx2"/>
-              </a:buClr>
-              <a:buFont typeface="Arial" pitchFamily="34" charset="0"/>
-              <a:buChar char="•"/>
-              <a:defRPr sz="1700" kern="1200" spc="30" baseline="0">
-                <a:solidFill>
-                  <a:schemeClr val="tx1"/>
-                </a:solidFill>
-                <a:latin typeface="+mn-lt"/>
-                <a:ea typeface="+mn-ea"/>
-                <a:cs typeface="+mn-cs"/>
-              </a:defRPr>
-            </a:lvl4pPr>
-            <a:lvl5pPr marL="2057400" indent="-228600" algn="l" defTabSz="914400" rtl="0" eaLnBrk="1" latinLnBrk="0" hangingPunct="1">
-              <a:lnSpc>
-                <a:spcPct val="100000"/>
-              </a:lnSpc>
-              <a:spcBef>
-                <a:spcPct val="20000"/>
-              </a:spcBef>
-              <a:spcAft>
-                <a:spcPts val="600"/>
-              </a:spcAft>
-              <a:buClr>
-                <a:schemeClr val="tx2"/>
-              </a:buClr>
-              <a:buFont typeface="Arial" pitchFamily="34" charset="0"/>
-              <a:buChar char="•"/>
-              <a:defRPr sz="1700" kern="1200" spc="30" baseline="0">
-                <a:solidFill>
-                  <a:schemeClr val="tx1"/>
-                </a:solidFill>
-                <a:latin typeface="+mn-lt"/>
-                <a:ea typeface="+mn-ea"/>
-                <a:cs typeface="+mn-cs"/>
-              </a:defRPr>
-            </a:lvl5pPr>
-            <a:lvl6pPr marL="2514600" indent="-228600" algn="l" defTabSz="914400" rtl="0" eaLnBrk="1" latinLnBrk="0" hangingPunct="1">
-              <a:lnSpc>
-                <a:spcPct val="100000"/>
-              </a:lnSpc>
-              <a:spcBef>
-                <a:spcPct val="20000"/>
-              </a:spcBef>
-              <a:spcAft>
-                <a:spcPts val="600"/>
-              </a:spcAft>
-              <a:buClr>
-                <a:schemeClr val="tx2"/>
-              </a:buClr>
-              <a:buFont typeface="Arial" pitchFamily="34" charset="0"/>
-              <a:buChar char="•"/>
-              <a:defRPr sz="1700" kern="1200">
-                <a:solidFill>
-                  <a:schemeClr val="tx1"/>
-                </a:solidFill>
-                <a:latin typeface="+mn-lt"/>
-                <a:ea typeface="+mn-ea"/>
-                <a:cs typeface="+mn-cs"/>
-              </a:defRPr>
-            </a:lvl6pPr>
-            <a:lvl7pPr marL="2971800" indent="-228600" algn="l" defTabSz="914400" rtl="0" eaLnBrk="1" latinLnBrk="0" hangingPunct="1">
-              <a:lnSpc>
-                <a:spcPct val="100000"/>
-              </a:lnSpc>
-              <a:spcBef>
-                <a:spcPct val="20000"/>
-              </a:spcBef>
-              <a:spcAft>
-                <a:spcPts val="600"/>
-              </a:spcAft>
-              <a:buClr>
-                <a:schemeClr val="tx2"/>
-              </a:buClr>
-              <a:buFont typeface="Arial" pitchFamily="34" charset="0"/>
-              <a:buChar char="•"/>
-              <a:defRPr sz="1700" kern="1200">
-                <a:solidFill>
-                  <a:schemeClr val="tx1"/>
-                </a:solidFill>
-                <a:latin typeface="+mn-lt"/>
-                <a:ea typeface="+mn-ea"/>
-                <a:cs typeface="+mn-cs"/>
-              </a:defRPr>
-            </a:lvl7pPr>
-            <a:lvl8pPr marL="3429000" indent="-228600" algn="l" defTabSz="914400" rtl="0" eaLnBrk="1" latinLnBrk="0" hangingPunct="1">
-              <a:lnSpc>
-                <a:spcPct val="100000"/>
-              </a:lnSpc>
-              <a:spcBef>
-                <a:spcPct val="20000"/>
-              </a:spcBef>
-              <a:spcAft>
-                <a:spcPts val="600"/>
-              </a:spcAft>
-              <a:buClr>
-                <a:schemeClr val="tx2"/>
-              </a:buClr>
-              <a:buFont typeface="Arial" pitchFamily="34" charset="0"/>
-              <a:buChar char="•"/>
-              <a:defRPr sz="1700" kern="1200">
-                <a:solidFill>
-                  <a:schemeClr val="tx1"/>
-                </a:solidFill>
-                <a:latin typeface="+mn-lt"/>
-                <a:ea typeface="+mn-ea"/>
-                <a:cs typeface="+mn-cs"/>
-              </a:defRPr>
-            </a:lvl8pPr>
-            <a:lvl9pPr marL="3886200" indent="-228600" algn="l" defTabSz="914400" rtl="0" eaLnBrk="1" latinLnBrk="0" hangingPunct="1">
-              <a:lnSpc>
-                <a:spcPct val="100000"/>
-              </a:lnSpc>
-              <a:spcBef>
-                <a:spcPct val="20000"/>
-              </a:spcBef>
-              <a:spcAft>
-                <a:spcPts val="600"/>
-              </a:spcAft>
-              <a:buClr>
-                <a:schemeClr val="tx2"/>
-              </a:buClr>
-              <a:buFont typeface="Arial" pitchFamily="34" charset="0"/>
-              <a:buChar char="•"/>
-              <a:defRPr sz="1700" kern="1200">
-                <a:solidFill>
-                  <a:schemeClr val="tx1"/>
-                </a:solidFill>
-                <a:latin typeface="+mn-lt"/>
-                <a:ea typeface="+mn-ea"/>
-                <a:cs typeface="+mn-cs"/>
-              </a:defRPr>
-            </a:lvl9pPr>
-          </a:lstStyle>
-          <a:p>
-            <a:r>
-              <a:rPr lang="en-US" sz="1800" dirty="0" smtClean="0"/>
-              <a:t>The core unit is an application feature.</a:t>
-            </a:r>
-          </a:p>
-          <a:p>
-            <a:r>
-              <a:rPr lang="en-US" sz="1800" dirty="0" smtClean="0"/>
-              <a:t>Whenever possible, all dependencies are kept inside the test (mocking only database, emails, web services, etc.).</a:t>
-            </a:r>
-          </a:p>
-          <a:p>
-            <a:r>
-              <a:rPr lang="en-US" sz="1800" dirty="0" smtClean="0"/>
-              <a:t>Specs are focused more on readability by a normal human, in addition to the programmer.</a:t>
-            </a:r>
-          </a:p>
-        </p:txBody>
-      </p:sp>
-    </p:spTree>
-    <p:extLst>
-      <p:ext uri="{BB962C8B-B14F-4D97-AF65-F5344CB8AC3E}">
-        <p14:creationId xmlns:p14="http://schemas.microsoft.com/office/powerpoint/2010/main" val="1503002364"/>
-      </p:ext>
-    </p:extLst>
-  </p:cSld>
-  <p:clrMapOvr>
-    <a:masterClrMapping/>
-  </p:clrMapOvr>
-  <p:transition spd="slow">
-    <p:wipe dir="d"/>
-  </p:transition>
-  <p:timing>
-    <p:tnLst>
-      <p:par>
-        <p:cTn id="1" dur="indefinite" restart="never" nodeType="tmRoot">
-          <p:childTnLst>
-            <p:seq concurrent="1" nextAc="seek">
-              <p:cTn id="2" dur="indefinite" nodeType="mainSeq">
-                <p:childTnLst>
-                  <p:par>
-                    <p:cTn id="3" fill="hold">
-                      <p:stCondLst>
-                        <p:cond delay="indefinite"/>
-                      </p:stCondLst>
-                      <p:childTnLst>
-                        <p:par>
-                          <p:cTn id="4" fill="hold">
-                            <p:stCondLst>
-                              <p:cond delay="0"/>
-                            </p:stCondLst>
-                            <p:childTnLst>
-                              <p:par>
-                                <p:cTn id="5" presetID="10" presetClass="entr" presetSubtype="0" fill="hold" nodeType="clickEffect">
-                                  <p:stCondLst>
-                                    <p:cond delay="0"/>
-                                  </p:stCondLst>
-                                  <p:childTnLst>
-                                    <p:set>
-                                      <p:cBhvr>
-                                        <p:cTn id="6" dur="1" fill="hold">
-                                          <p:stCondLst>
-                                            <p:cond delay="0"/>
-                                          </p:stCondLst>
-                                        </p:cTn>
-                                        <p:tgtEl>
-                                          <p:spTgt spid="12">
-                                            <p:txEl>
-                                              <p:pRg st="0" end="0"/>
-                                            </p:txEl>
-                                          </p:spTgt>
-                                        </p:tgtEl>
-                                        <p:attrNameLst>
-                                          <p:attrName>style.visibility</p:attrName>
-                                        </p:attrNameLst>
-                                      </p:cBhvr>
-                                      <p:to>
-                                        <p:strVal val="visible"/>
-                                      </p:to>
-                                    </p:set>
-                                    <p:animEffect transition="in" filter="fade">
-                                      <p:cBhvr>
-                                        <p:cTn id="7" dur="500"/>
-                                        <p:tgtEl>
-                                          <p:spTgt spid="12">
-                                            <p:txEl>
-                                              <p:pRg st="0" end="0"/>
-                                            </p:txEl>
-                                          </p:spTgt>
-                                        </p:tgtEl>
-                                      </p:cBhvr>
-                                    </p:animEffect>
-                                  </p:childTnLst>
-                                </p:cTn>
-                              </p:par>
-                            </p:childTnLst>
-                          </p:cTn>
-                        </p:par>
-                      </p:childTnLst>
-                    </p:cTn>
-                  </p:par>
-                  <p:par>
-                    <p:cTn id="8" fill="hold">
-                      <p:stCondLst>
-                        <p:cond delay="indefinite"/>
-                      </p:stCondLst>
-                      <p:childTnLst>
-                        <p:par>
-                          <p:cTn id="9" fill="hold">
-                            <p:stCondLst>
-                              <p:cond delay="0"/>
-                            </p:stCondLst>
-                            <p:childTnLst>
-                              <p:par>
-                                <p:cTn id="10" presetID="10" presetClass="entr" presetSubtype="0" fill="hold" nodeType="clickEffect">
-                                  <p:stCondLst>
-                                    <p:cond delay="0"/>
-                                  </p:stCondLst>
-                                  <p:childTnLst>
-                                    <p:set>
-                                      <p:cBhvr>
-                                        <p:cTn id="11" dur="1" fill="hold">
-                                          <p:stCondLst>
-                                            <p:cond delay="0"/>
-                                          </p:stCondLst>
-                                        </p:cTn>
-                                        <p:tgtEl>
-                                          <p:spTgt spid="13">
-                                            <p:txEl>
-                                              <p:pRg st="0" end="0"/>
-                                            </p:txEl>
-                                          </p:spTgt>
-                                        </p:tgtEl>
-                                        <p:attrNameLst>
-                                          <p:attrName>style.visibility</p:attrName>
-                                        </p:attrNameLst>
-                                      </p:cBhvr>
-                                      <p:to>
-                                        <p:strVal val="visible"/>
-                                      </p:to>
-                                    </p:set>
-                                    <p:animEffect transition="in" filter="fade">
-                                      <p:cBhvr>
-                                        <p:cTn id="12" dur="500"/>
-                                        <p:tgtEl>
-                                          <p:spTgt spid="13">
-                                            <p:txEl>
-                                              <p:pRg st="0" end="0"/>
-                                            </p:txEl>
-                                          </p:spTgt>
-                                        </p:tgtEl>
-                                      </p:cBhvr>
-                                    </p:animEffect>
-                                  </p:childTnLst>
-                                </p:cTn>
-                              </p:par>
-                            </p:childTnLst>
-                          </p:cTn>
-                        </p:par>
-                      </p:childTnLst>
-                    </p:cTn>
-                  </p:par>
-                  <p:par>
-                    <p:cTn id="13" fill="hold">
-                      <p:stCondLst>
-                        <p:cond delay="indefinite"/>
-                      </p:stCondLst>
-                      <p:childTnLst>
-                        <p:par>
-                          <p:cTn id="14" fill="hold">
-                            <p:stCondLst>
-                              <p:cond delay="0"/>
-                            </p:stCondLst>
-                            <p:childTnLst>
-                              <p:par>
-                                <p:cTn id="15" presetID="10" presetClass="entr" presetSubtype="0" fill="hold" nodeType="clickEffect">
-                                  <p:stCondLst>
-                                    <p:cond delay="0"/>
-                                  </p:stCondLst>
-                                  <p:childTnLst>
-                                    <p:set>
-                                      <p:cBhvr>
-                                        <p:cTn id="16" dur="1" fill="hold">
-                                          <p:stCondLst>
-                                            <p:cond delay="0"/>
-                                          </p:stCondLst>
-                                        </p:cTn>
-                                        <p:tgtEl>
-                                          <p:spTgt spid="12">
-                                            <p:txEl>
-                                              <p:pRg st="1" end="1"/>
-                                            </p:txEl>
-                                          </p:spTgt>
-                                        </p:tgtEl>
-                                        <p:attrNameLst>
-                                          <p:attrName>style.visibility</p:attrName>
-                                        </p:attrNameLst>
-                                      </p:cBhvr>
-                                      <p:to>
-                                        <p:strVal val="visible"/>
-                                      </p:to>
-                                    </p:set>
-                                    <p:animEffect transition="in" filter="fade">
-                                      <p:cBhvr>
-                                        <p:cTn id="17" dur="500"/>
-                                        <p:tgtEl>
-                                          <p:spTgt spid="12">
-                                            <p:txEl>
-                                              <p:pRg st="1" end="1"/>
-                                            </p:txEl>
-                                          </p:spTgt>
-                                        </p:tgtEl>
-                                      </p:cBhvr>
-                                    </p:animEffect>
-                                  </p:childTnLst>
-                                </p:cTn>
-                              </p:par>
-                            </p:childTnLst>
-                          </p:cTn>
-                        </p:par>
-                      </p:childTnLst>
-                    </p:cTn>
-                  </p:par>
-                  <p:par>
-                    <p:cTn id="18" fill="hold">
-                      <p:stCondLst>
-                        <p:cond delay="indefinite"/>
-                      </p:stCondLst>
-                      <p:childTnLst>
-                        <p:par>
-                          <p:cTn id="19" fill="hold">
-                            <p:stCondLst>
-                              <p:cond delay="0"/>
-                            </p:stCondLst>
-                            <p:childTnLst>
-                              <p:par>
-                                <p:cTn id="20" presetID="10" presetClass="entr" presetSubtype="0" fill="hold" nodeType="clickEffect">
-                                  <p:stCondLst>
-                                    <p:cond delay="0"/>
-                                  </p:stCondLst>
-                                  <p:childTnLst>
-                                    <p:set>
-                                      <p:cBhvr>
-                                        <p:cTn id="21" dur="1" fill="hold">
-                                          <p:stCondLst>
-                                            <p:cond delay="0"/>
-                                          </p:stCondLst>
-                                        </p:cTn>
-                                        <p:tgtEl>
-                                          <p:spTgt spid="13">
-                                            <p:txEl>
-                                              <p:pRg st="1" end="1"/>
-                                            </p:txEl>
-                                          </p:spTgt>
-                                        </p:tgtEl>
-                                        <p:attrNameLst>
-                                          <p:attrName>style.visibility</p:attrName>
-                                        </p:attrNameLst>
-                                      </p:cBhvr>
-                                      <p:to>
-                                        <p:strVal val="visible"/>
-                                      </p:to>
-                                    </p:set>
-                                    <p:animEffect transition="in" filter="fade">
-                                      <p:cBhvr>
-                                        <p:cTn id="22" dur="500"/>
-                                        <p:tgtEl>
-                                          <p:spTgt spid="13">
-                                            <p:txEl>
-                                              <p:pRg st="1" end="1"/>
-                                            </p:txEl>
-                                          </p:spTgt>
-                                        </p:tgtEl>
-                                      </p:cBhvr>
-                                    </p:animEffect>
-                                  </p:childTnLst>
-                                </p:cTn>
-                              </p:par>
-                            </p:childTnLst>
-                          </p:cTn>
-                        </p:par>
-                      </p:childTnLst>
-                    </p:cTn>
-                  </p:par>
-                  <p:par>
-                    <p:cTn id="23" fill="hold">
-                      <p:stCondLst>
-                        <p:cond delay="indefinite"/>
-                      </p:stCondLst>
-                      <p:childTnLst>
-                        <p:par>
-                          <p:cTn id="24" fill="hold">
-                            <p:stCondLst>
-                              <p:cond delay="0"/>
-                            </p:stCondLst>
-                            <p:childTnLst>
-                              <p:par>
-                                <p:cTn id="25" presetID="10" presetClass="entr" presetSubtype="0" fill="hold" nodeType="clickEffect">
-                                  <p:stCondLst>
-                                    <p:cond delay="0"/>
-                                  </p:stCondLst>
-                                  <p:childTnLst>
-                                    <p:set>
-                                      <p:cBhvr>
-                                        <p:cTn id="26" dur="1" fill="hold">
-                                          <p:stCondLst>
-                                            <p:cond delay="0"/>
-                                          </p:stCondLst>
-                                        </p:cTn>
-                                        <p:tgtEl>
-                                          <p:spTgt spid="12">
-                                            <p:txEl>
-                                              <p:pRg st="3" end="3"/>
-                                            </p:txEl>
-                                          </p:spTgt>
-                                        </p:tgtEl>
-                                        <p:attrNameLst>
-                                          <p:attrName>style.visibility</p:attrName>
-                                        </p:attrNameLst>
-                                      </p:cBhvr>
-                                      <p:to>
-                                        <p:strVal val="visible"/>
-                                      </p:to>
-                                    </p:set>
-                                    <p:animEffect transition="in" filter="fade">
-                                      <p:cBhvr>
-                                        <p:cTn id="27" dur="500"/>
-                                        <p:tgtEl>
-                                          <p:spTgt spid="12">
-                                            <p:txEl>
-                                              <p:pRg st="3" end="3"/>
-                                            </p:txEl>
-                                          </p:spTgt>
-                                        </p:tgtEl>
-                                      </p:cBhvr>
-                                    </p:animEffect>
-                                  </p:childTnLst>
-                                </p:cTn>
-                              </p:par>
-                            </p:childTnLst>
-                          </p:cTn>
-                        </p:par>
-                      </p:childTnLst>
-                    </p:cTn>
-                  </p:par>
-                  <p:par>
-                    <p:cTn id="28" fill="hold">
-                      <p:stCondLst>
-                        <p:cond delay="indefinite"/>
-                      </p:stCondLst>
-                      <p:childTnLst>
-                        <p:par>
-                          <p:cTn id="29" fill="hold">
-                            <p:stCondLst>
-                              <p:cond delay="0"/>
-                            </p:stCondLst>
-                            <p:childTnLst>
-                              <p:par>
-                                <p:cTn id="30" presetID="10" presetClass="entr" presetSubtype="0" fill="hold" nodeType="clickEffect">
-                                  <p:stCondLst>
-                                    <p:cond delay="0"/>
-                                  </p:stCondLst>
-                                  <p:childTnLst>
-                                    <p:set>
-                                      <p:cBhvr>
-                                        <p:cTn id="31" dur="1" fill="hold">
-                                          <p:stCondLst>
-                                            <p:cond delay="0"/>
-                                          </p:stCondLst>
-                                        </p:cTn>
-                                        <p:tgtEl>
-                                          <p:spTgt spid="13">
-                                            <p:txEl>
-                                              <p:pRg st="2" end="2"/>
-                                            </p:txEl>
-                                          </p:spTgt>
-                                        </p:tgtEl>
-                                        <p:attrNameLst>
-                                          <p:attrName>style.visibility</p:attrName>
-                                        </p:attrNameLst>
-                                      </p:cBhvr>
-                                      <p:to>
-                                        <p:strVal val="visible"/>
-                                      </p:to>
-                                    </p:set>
-                                    <p:animEffect transition="in" filter="fade">
-                                      <p:cBhvr>
-                                        <p:cTn id="32" dur="500"/>
-                                        <p:tgtEl>
-                                          <p:spTgt spid="13">
-                                            <p:txEl>
-                                              <p:pRg st="2" end="2"/>
-                                            </p:txEl>
-                                          </p:spTgt>
-                                        </p:tgtEl>
-                                      </p:cBhvr>
-                                    </p:animEffect>
-                                  </p:childTnLst>
-                                </p:cTn>
-                              </p:par>
-                            </p:childTnLst>
-                          </p:cTn>
-                        </p:par>
-                      </p:childTnLst>
-                    </p:cTn>
-                  </p:par>
-                </p:childTnLst>
-              </p:cTn>
-              <p:prevCondLst>
-                <p:cond evt="onPrev" delay="0">
-                  <p:tgtEl>
-                    <p:sldTgt/>
-                  </p:tgtEl>
-                </p:cond>
-              </p:prevCondLst>
-              <p:nextCondLst>
-                <p:cond evt="onNext" delay="0">
-                  <p:tgtEl>
-                    <p:sldTgt/>
-                  </p:tgtEl>
-                </p:cond>
-              </p:nextCondLst>
-            </p:seq>
-          </p:childTnLst>
-        </p:cTn>
-      </p:par>
-    </p:tnLst>
-  </p:timing>
-</p:sld>
-</file>
-
-<file path=ppt/slides/slide13.xml><?xml version="1.0" encoding="utf-8"?>
-<p:sld xmlns:a="http://schemas.openxmlformats.org/drawingml/2006/main" xmlns:r="http://schemas.openxmlformats.org/officeDocument/2006/relationships" xmlns:p="http://schemas.openxmlformats.org/presentationml/2006/main">
-  <p:cSld>
-    <p:spTree>
-      <p:nvGrpSpPr>
-        <p:cNvPr id="1" name=""/>
-        <p:cNvGrpSpPr/>
-        <p:nvPr/>
-      </p:nvGrpSpPr>
-      <p:grpSpPr>
-        <a:xfrm>
-          <a:off x="0" y="0"/>
-          <a:ext cx="0" cy="0"/>
-          <a:chOff x="0" y="0"/>
-          <a:chExt cx="0" cy="0"/>
-        </a:xfrm>
-      </p:grpSpPr>
-      <p:sp>
-        <p:nvSpPr>
-          <p:cNvPr id="2" name="Title 1"/>
-          <p:cNvSpPr>
-            <a:spLocks noGrp="1"/>
-          </p:cNvSpPr>
-          <p:nvPr>
-            <p:ph type="title"/>
-            <p:custDataLst>
-              <p:tags r:id="rId2"/>
-            </p:custDataLst>
-          </p:nvPr>
-        </p:nvSpPr>
-        <p:spPr/>
-        <p:txBody>
-          <a:bodyPr/>
-          <a:lstStyle/>
-          <a:p>
-            <a:r>
-              <a:rPr lang="en-US" dirty="0" smtClean="0"/>
-              <a:t>Advice on organization</a:t>
-            </a:r>
-            <a:endParaRPr lang="en-US" dirty="0"/>
-          </a:p>
-        </p:txBody>
-      </p:sp>
-      <p:sp>
-        <p:nvSpPr>
-          <p:cNvPr id="5" name="Content Placeholder 4"/>
-          <p:cNvSpPr>
-            <a:spLocks noGrp="1"/>
-          </p:cNvSpPr>
-          <p:nvPr>
-            <p:ph idx="1"/>
-            <p:custDataLst>
-              <p:tags r:id="rId3"/>
-            </p:custDataLst>
-          </p:nvPr>
-        </p:nvSpPr>
-        <p:spPr/>
-        <p:txBody>
-          <a:bodyPr>
-            <a:normAutofit/>
-          </a:bodyPr>
-          <a:lstStyle/>
-          <a:p>
-            <a:r>
-              <a:rPr lang="en-US" dirty="0" smtClean="0"/>
-              <a:t>Create a folder for “Features” and a folder for “Steps.”  </a:t>
-            </a:r>
-          </a:p>
-          <a:p>
-            <a:r>
-              <a:rPr lang="en-US" dirty="0" smtClean="0"/>
-              <a:t>Create one feature file for each feature.</a:t>
-            </a:r>
-          </a:p>
-          <a:p>
-            <a:r>
-              <a:rPr lang="en-US" dirty="0" smtClean="0"/>
-              <a:t>Create one step definition file for each “thing” in your system (not necessarily a class).</a:t>
-            </a:r>
-          </a:p>
-          <a:p>
-            <a:r>
-              <a:rPr lang="en-US" dirty="0" smtClean="0"/>
-              <a:t>Use the </a:t>
-            </a:r>
-            <a:r>
-              <a:rPr lang="en-US" dirty="0" err="1" smtClean="0"/>
-              <a:t>ScenarioContext.Current</a:t>
-            </a:r>
-            <a:r>
-              <a:rPr lang="en-US" dirty="0" smtClean="0"/>
-              <a:t> to pass variables between different step </a:t>
-            </a:r>
-            <a:r>
-              <a:rPr lang="en-US" dirty="0" err="1" smtClean="0"/>
-              <a:t>defintions</a:t>
-            </a:r>
-            <a:r>
-              <a:rPr lang="en-US" dirty="0" smtClean="0"/>
-              <a:t>.</a:t>
-            </a:r>
-          </a:p>
-        </p:txBody>
-      </p:sp>
-    </p:spTree>
-    <p:custDataLst>
-      <p:tags r:id="rId1"/>
-    </p:custDataLst>
-    <p:extLst>
-      <p:ext uri="{BB962C8B-B14F-4D97-AF65-F5344CB8AC3E}">
-        <p14:creationId xmlns:p14="http://schemas.microsoft.com/office/powerpoint/2010/main" val="408931243"/>
-      </p:ext>
-    </p:extLst>
-  </p:cSld>
-  <p:clrMapOvr>
-    <a:masterClrMapping/>
-  </p:clrMapOvr>
-  <p:transition spd="slow">
-    <p:wipe dir="d"/>
-  </p:transition>
-  <p:timing>
-    <p:tnLst>
-      <p:par>
-        <p:cTn id="1" dur="indefinite" restart="never" nodeType="tmRoot">
-          <p:childTnLst>
-            <p:seq concurrent="1" nextAc="seek">
-              <p:cTn id="2" dur="indefinite" nodeType="mainSeq">
-                <p:childTnLst>
-                  <p:par>
-                    <p:cTn id="3" fill="hold">
-                      <p:stCondLst>
-                        <p:cond delay="indefinite"/>
-                      </p:stCondLst>
-                      <p:childTnLst>
-                        <p:par>
-                          <p:cTn id="4" fill="hold">
-                            <p:stCondLst>
-                              <p:cond delay="0"/>
-                            </p:stCondLst>
-                            <p:childTnLst>
-                              <p:par>
-                                <p:cTn id="5" presetID="10" presetClass="entr" presetSubtype="0" fill="hold" grpId="0" nodeType="clickEffect">
-                                  <p:stCondLst>
-                                    <p:cond delay="0"/>
-                                  </p:stCondLst>
-                                  <p:childTnLst>
-                                    <p:set>
-                                      <p:cBhvr>
-                                        <p:cTn id="6" dur="1" fill="hold">
-                                          <p:stCondLst>
-                                            <p:cond delay="0"/>
-                                          </p:stCondLst>
-                                        </p:cTn>
-                                        <p:tgtEl>
-                                          <p:spTgt spid="5">
-                                            <p:txEl>
-                                              <p:pRg st="0" end="0"/>
-                                            </p:txEl>
-                                          </p:spTgt>
-                                        </p:tgtEl>
-                                        <p:attrNameLst>
-                                          <p:attrName>style.visibility</p:attrName>
-                                        </p:attrNameLst>
-                                      </p:cBhvr>
-                                      <p:to>
-                                        <p:strVal val="visible"/>
-                                      </p:to>
-                                    </p:set>
-                                    <p:animEffect transition="in" filter="fade">
-                                      <p:cBhvr>
-                                        <p:cTn id="7" dur="500"/>
-                                        <p:tgtEl>
-                                          <p:spTgt spid="5">
-                                            <p:txEl>
-                                              <p:pRg st="0" end="0"/>
-                                            </p:txEl>
-                                          </p:spTgt>
-                                        </p:tgtEl>
-                                      </p:cBhvr>
-                                    </p:animEffect>
-                                  </p:childTnLst>
-                                </p:cTn>
-                              </p:par>
-                            </p:childTnLst>
-                          </p:cTn>
-                        </p:par>
-                      </p:childTnLst>
-                    </p:cTn>
-                  </p:par>
-                  <p:par>
-                    <p:cTn id="8" fill="hold">
-                      <p:stCondLst>
-                        <p:cond delay="indefinite"/>
-                      </p:stCondLst>
-                      <p:childTnLst>
-                        <p:par>
-                          <p:cTn id="9" fill="hold">
-                            <p:stCondLst>
-                              <p:cond delay="0"/>
-                            </p:stCondLst>
-                            <p:childTnLst>
-                              <p:par>
-                                <p:cTn id="10" presetID="10" presetClass="entr" presetSubtype="0" fill="hold" grpId="0" nodeType="clickEffect">
-                                  <p:stCondLst>
-                                    <p:cond delay="0"/>
-                                  </p:stCondLst>
-                                  <p:childTnLst>
-                                    <p:set>
-                                      <p:cBhvr>
-                                        <p:cTn id="11" dur="1" fill="hold">
-                                          <p:stCondLst>
-                                            <p:cond delay="0"/>
-                                          </p:stCondLst>
-                                        </p:cTn>
-                                        <p:tgtEl>
-                                          <p:spTgt spid="5">
-                                            <p:txEl>
-                                              <p:pRg st="1" end="1"/>
-                                            </p:txEl>
-                                          </p:spTgt>
-                                        </p:tgtEl>
-                                        <p:attrNameLst>
-                                          <p:attrName>style.visibility</p:attrName>
-                                        </p:attrNameLst>
-                                      </p:cBhvr>
-                                      <p:to>
-                                        <p:strVal val="visible"/>
-                                      </p:to>
-                                    </p:set>
-                                    <p:animEffect transition="in" filter="fade">
-                                      <p:cBhvr>
-                                        <p:cTn id="12" dur="500"/>
-                                        <p:tgtEl>
-                                          <p:spTgt spid="5">
-                                            <p:txEl>
-                                              <p:pRg st="1" end="1"/>
-                                            </p:txEl>
-                                          </p:spTgt>
-                                        </p:tgtEl>
-                                      </p:cBhvr>
-                                    </p:animEffect>
-                                  </p:childTnLst>
-                                </p:cTn>
-                              </p:par>
-                            </p:childTnLst>
-                          </p:cTn>
-                        </p:par>
-                      </p:childTnLst>
-                    </p:cTn>
-                  </p:par>
-                  <p:par>
-                    <p:cTn id="13" fill="hold">
-                      <p:stCondLst>
-                        <p:cond delay="indefinite"/>
-                      </p:stCondLst>
-                      <p:childTnLst>
-                        <p:par>
-                          <p:cTn id="14" fill="hold">
-                            <p:stCondLst>
-                              <p:cond delay="0"/>
-                            </p:stCondLst>
-                            <p:childTnLst>
-                              <p:par>
-                                <p:cTn id="15" presetID="10" presetClass="entr" presetSubtype="0" fill="hold" grpId="0" nodeType="clickEffect">
-                                  <p:stCondLst>
-                                    <p:cond delay="0"/>
-                                  </p:stCondLst>
-                                  <p:childTnLst>
-                                    <p:set>
-                                      <p:cBhvr>
-                                        <p:cTn id="16" dur="1" fill="hold">
-                                          <p:stCondLst>
-                                            <p:cond delay="0"/>
-                                          </p:stCondLst>
-                                        </p:cTn>
-                                        <p:tgtEl>
-                                          <p:spTgt spid="5">
-                                            <p:txEl>
-                                              <p:pRg st="2" end="2"/>
-                                            </p:txEl>
-                                          </p:spTgt>
-                                        </p:tgtEl>
-                                        <p:attrNameLst>
-                                          <p:attrName>style.visibility</p:attrName>
-                                        </p:attrNameLst>
-                                      </p:cBhvr>
-                                      <p:to>
-                                        <p:strVal val="visible"/>
-                                      </p:to>
-                                    </p:set>
-                                    <p:animEffect transition="in" filter="fade">
-                                      <p:cBhvr>
-                                        <p:cTn id="17" dur="500"/>
-                                        <p:tgtEl>
-                                          <p:spTgt spid="5">
-                                            <p:txEl>
-                                              <p:pRg st="2" end="2"/>
-                                            </p:txEl>
-                                          </p:spTgt>
-                                        </p:tgtEl>
-                                      </p:cBhvr>
-                                    </p:animEffect>
-                                  </p:childTnLst>
-                                </p:cTn>
-                              </p:par>
-                            </p:childTnLst>
-                          </p:cTn>
-                        </p:par>
-                      </p:childTnLst>
-                    </p:cTn>
-                  </p:par>
-                  <p:par>
-                    <p:cTn id="18" fill="hold">
-                      <p:stCondLst>
-                        <p:cond delay="indefinite"/>
-                      </p:stCondLst>
-                      <p:childTnLst>
-                        <p:par>
-                          <p:cTn id="19" fill="hold">
-                            <p:stCondLst>
-                              <p:cond delay="0"/>
-                            </p:stCondLst>
-                            <p:childTnLst>
-                              <p:par>
-                                <p:cTn id="20" presetID="10" presetClass="entr" presetSubtype="0" fill="hold" grpId="0" nodeType="clickEffect">
-                                  <p:stCondLst>
-                                    <p:cond delay="0"/>
-                                  </p:stCondLst>
-                                  <p:childTnLst>
-                                    <p:set>
-                                      <p:cBhvr>
-                                        <p:cTn id="21" dur="1" fill="hold">
-                                          <p:stCondLst>
-                                            <p:cond delay="0"/>
-                                          </p:stCondLst>
-                                        </p:cTn>
-                                        <p:tgtEl>
-                                          <p:spTgt spid="5">
-                                            <p:txEl>
-                                              <p:pRg st="3" end="3"/>
-                                            </p:txEl>
-                                          </p:spTgt>
-                                        </p:tgtEl>
-                                        <p:attrNameLst>
-                                          <p:attrName>style.visibility</p:attrName>
-                                        </p:attrNameLst>
-                                      </p:cBhvr>
-                                      <p:to>
-                                        <p:strVal val="visible"/>
-                                      </p:to>
-                                    </p:set>
-                                    <p:animEffect transition="in" filter="fade">
-                                      <p:cBhvr>
-                                        <p:cTn id="22" dur="500"/>
-                                        <p:tgtEl>
-                                          <p:spTgt spid="5">
-                                            <p:txEl>
-                                              <p:pRg st="3" end="3"/>
-                                            </p:txEl>
-                                          </p:spTgt>
-                                        </p:tgtEl>
-                                      </p:cBhvr>
-                                    </p:animEffect>
-                                  </p:childTnLst>
-                                </p:cTn>
-                              </p:par>
-                            </p:childTnLst>
-                          </p:cTn>
-                        </p:par>
-                      </p:childTnLst>
-                    </p:cTn>
-                  </p:par>
-                </p:childTnLst>
-              </p:cTn>
-              <p:prevCondLst>
-                <p:cond evt="onPrev" delay="0">
-                  <p:tgtEl>
-                    <p:sldTgt/>
-                  </p:tgtEl>
-                </p:cond>
-              </p:prevCondLst>
-              <p:nextCondLst>
-                <p:cond evt="onNext" delay="0">
-                  <p:tgtEl>
-                    <p:sldTgt/>
-                  </p:tgtEl>
-                </p:cond>
-              </p:nextCondLst>
-            </p:seq>
-          </p:childTnLst>
-        </p:cTn>
-      </p:par>
-    </p:tnLst>
-    <p:bldLst>
-      <p:bldP spid="5" grpId="0" build="p"/>
-    </p:bldLst>
-  </p:timing>
-</p:sld>
-</file>
-
-<file path=ppt/slides/slide14.xml><?xml version="1.0" encoding="utf-8"?>
-<p:sld xmlns:a="http://schemas.openxmlformats.org/drawingml/2006/main" xmlns:r="http://schemas.openxmlformats.org/officeDocument/2006/relationships" xmlns:p="http://schemas.openxmlformats.org/presentationml/2006/main">
-  <p:cSld>
-    <p:spTree>
-      <p:nvGrpSpPr>
-        <p:cNvPr id="1" name=""/>
-        <p:cNvGrpSpPr/>
-        <p:nvPr/>
-      </p:nvGrpSpPr>
-      <p:grpSpPr>
-        <a:xfrm>
-          <a:off x="0" y="0"/>
-          <a:ext cx="0" cy="0"/>
-          <a:chOff x="0" y="0"/>
-          <a:chExt cx="0" cy="0"/>
-        </a:xfrm>
-      </p:grpSpPr>
-      <p:sp>
-        <p:nvSpPr>
-          <p:cNvPr id="2" name="Title 1"/>
-          <p:cNvSpPr>
-            <a:spLocks noGrp="1"/>
-          </p:cNvSpPr>
-          <p:nvPr>
-            <p:ph type="title"/>
-            <p:custDataLst>
-              <p:tags r:id="rId2"/>
-            </p:custDataLst>
-          </p:nvPr>
-        </p:nvSpPr>
-        <p:spPr/>
-        <p:txBody>
-          <a:bodyPr/>
-          <a:lstStyle/>
-          <a:p>
-            <a:r>
-              <a:rPr lang="en-US" dirty="0" smtClean="0"/>
-              <a:t>What should we expect to see?</a:t>
-            </a:r>
-            <a:endParaRPr lang="en-US" dirty="0"/>
-          </a:p>
-        </p:txBody>
-      </p:sp>
-      <p:sp>
-        <p:nvSpPr>
-          <p:cNvPr id="5" name="Content Placeholder 4"/>
-          <p:cNvSpPr>
-            <a:spLocks noGrp="1"/>
-          </p:cNvSpPr>
-          <p:nvPr>
-            <p:ph idx="1"/>
-            <p:custDataLst>
-              <p:tags r:id="rId3"/>
-            </p:custDataLst>
-          </p:nvPr>
-        </p:nvSpPr>
-        <p:spPr/>
-        <p:txBody>
-          <a:bodyPr>
-            <a:normAutofit lnSpcReduction="10000"/>
-          </a:bodyPr>
-          <a:lstStyle/>
-          <a:p>
-            <a:r>
-              <a:rPr lang="en-US" dirty="0" smtClean="0"/>
-              <a:t>A feature that explains, using your business language, what the application should do.</a:t>
-            </a:r>
-          </a:p>
-          <a:p>
-            <a:r>
-              <a:rPr lang="en-US" dirty="0" smtClean="0"/>
-              <a:t>A “bridge” from that business language feature and what it means in code.  </a:t>
-            </a:r>
-          </a:p>
-          <a:p>
-            <a:r>
-              <a:rPr lang="en-US" dirty="0" smtClean="0"/>
-              <a:t>Every line in every feature should be traceable to the class that implements it, both by the step definition method *and* the name of the class that holds the step definition.</a:t>
-            </a:r>
-          </a:p>
-          <a:p>
-            <a:endParaRPr lang="en-US" dirty="0" smtClean="0"/>
-          </a:p>
-        </p:txBody>
-      </p:sp>
-    </p:spTree>
-    <p:custDataLst>
-      <p:tags r:id="rId1"/>
-    </p:custDataLst>
-    <p:extLst>
-      <p:ext uri="{BB962C8B-B14F-4D97-AF65-F5344CB8AC3E}">
-        <p14:creationId xmlns:p14="http://schemas.microsoft.com/office/powerpoint/2010/main" val="1219492222"/>
-      </p:ext>
-    </p:extLst>
-  </p:cSld>
-  <p:clrMapOvr>
-    <a:masterClrMapping/>
-  </p:clrMapOvr>
-  <p:transition spd="slow">
-    <p:wipe dir="d"/>
-  </p:transition>
-  <p:timing>
-    <p:tnLst>
-      <p:par>
-        <p:cTn id="1" dur="indefinite" restart="never" nodeType="tmRoot">
-          <p:childTnLst>
-            <p:seq concurrent="1" nextAc="seek">
-              <p:cTn id="2" dur="indefinite" nodeType="mainSeq">
-                <p:childTnLst>
-                  <p:par>
-                    <p:cTn id="3" fill="hold">
-                      <p:stCondLst>
-                        <p:cond delay="indefinite"/>
-                      </p:stCondLst>
-                      <p:childTnLst>
-                        <p:par>
-                          <p:cTn id="4" fill="hold">
-                            <p:stCondLst>
-                              <p:cond delay="0"/>
-                            </p:stCondLst>
-                            <p:childTnLst>
-                              <p:par>
-                                <p:cTn id="5" presetID="10" presetClass="entr" presetSubtype="0" fill="hold" grpId="0" nodeType="clickEffect">
-                                  <p:stCondLst>
-                                    <p:cond delay="0"/>
-                                  </p:stCondLst>
-                                  <p:childTnLst>
-                                    <p:set>
-                                      <p:cBhvr>
-                                        <p:cTn id="6" dur="1" fill="hold">
-                                          <p:stCondLst>
-                                            <p:cond delay="0"/>
-                                          </p:stCondLst>
-                                        </p:cTn>
-                                        <p:tgtEl>
-                                          <p:spTgt spid="5">
-                                            <p:txEl>
-                                              <p:pRg st="0" end="0"/>
-                                            </p:txEl>
-                                          </p:spTgt>
-                                        </p:tgtEl>
-                                        <p:attrNameLst>
-                                          <p:attrName>style.visibility</p:attrName>
-                                        </p:attrNameLst>
-                                      </p:cBhvr>
-                                      <p:to>
-                                        <p:strVal val="visible"/>
-                                      </p:to>
-                                    </p:set>
-                                    <p:animEffect transition="in" filter="fade">
-                                      <p:cBhvr>
-                                        <p:cTn id="7" dur="500"/>
-                                        <p:tgtEl>
-                                          <p:spTgt spid="5">
-                                            <p:txEl>
-                                              <p:pRg st="0" end="0"/>
-                                            </p:txEl>
-                                          </p:spTgt>
-                                        </p:tgtEl>
-                                      </p:cBhvr>
-                                    </p:animEffect>
-                                  </p:childTnLst>
-                                </p:cTn>
-                              </p:par>
-                            </p:childTnLst>
-                          </p:cTn>
-                        </p:par>
-                      </p:childTnLst>
-                    </p:cTn>
-                  </p:par>
-                  <p:par>
-                    <p:cTn id="8" fill="hold">
-                      <p:stCondLst>
-                        <p:cond delay="indefinite"/>
-                      </p:stCondLst>
-                      <p:childTnLst>
-                        <p:par>
-                          <p:cTn id="9" fill="hold">
-                            <p:stCondLst>
-                              <p:cond delay="0"/>
-                            </p:stCondLst>
-                            <p:childTnLst>
-                              <p:par>
-                                <p:cTn id="10" presetID="10" presetClass="entr" presetSubtype="0" fill="hold" grpId="0" nodeType="clickEffect">
-                                  <p:stCondLst>
-                                    <p:cond delay="0"/>
-                                  </p:stCondLst>
-                                  <p:childTnLst>
-                                    <p:set>
-                                      <p:cBhvr>
-                                        <p:cTn id="11" dur="1" fill="hold">
-                                          <p:stCondLst>
-                                            <p:cond delay="0"/>
-                                          </p:stCondLst>
-                                        </p:cTn>
-                                        <p:tgtEl>
-                                          <p:spTgt spid="5">
-                                            <p:txEl>
-                                              <p:pRg st="1" end="1"/>
-                                            </p:txEl>
-                                          </p:spTgt>
-                                        </p:tgtEl>
-                                        <p:attrNameLst>
-                                          <p:attrName>style.visibility</p:attrName>
-                                        </p:attrNameLst>
-                                      </p:cBhvr>
-                                      <p:to>
-                                        <p:strVal val="visible"/>
-                                      </p:to>
-                                    </p:set>
-                                    <p:animEffect transition="in" filter="fade">
-                                      <p:cBhvr>
-                                        <p:cTn id="12" dur="500"/>
-                                        <p:tgtEl>
-                                          <p:spTgt spid="5">
-                                            <p:txEl>
-                                              <p:pRg st="1" end="1"/>
-                                            </p:txEl>
-                                          </p:spTgt>
-                                        </p:tgtEl>
-                                      </p:cBhvr>
-                                    </p:animEffect>
-                                  </p:childTnLst>
-                                </p:cTn>
-                              </p:par>
-                            </p:childTnLst>
-                          </p:cTn>
-                        </p:par>
-                      </p:childTnLst>
-                    </p:cTn>
-                  </p:par>
-                  <p:par>
-                    <p:cTn id="13" fill="hold">
-                      <p:stCondLst>
-                        <p:cond delay="indefinite"/>
-                      </p:stCondLst>
-                      <p:childTnLst>
-                        <p:par>
-                          <p:cTn id="14" fill="hold">
-                            <p:stCondLst>
-                              <p:cond delay="0"/>
-                            </p:stCondLst>
-                            <p:childTnLst>
-                              <p:par>
-                                <p:cTn id="15" presetID="10" presetClass="entr" presetSubtype="0" fill="hold" grpId="0" nodeType="clickEffect">
-                                  <p:stCondLst>
-                                    <p:cond delay="0"/>
-                                  </p:stCondLst>
-                                  <p:childTnLst>
-                                    <p:set>
-                                      <p:cBhvr>
-                                        <p:cTn id="16" dur="1" fill="hold">
-                                          <p:stCondLst>
-                                            <p:cond delay="0"/>
-                                          </p:stCondLst>
-                                        </p:cTn>
-                                        <p:tgtEl>
-                                          <p:spTgt spid="5">
-                                            <p:txEl>
-                                              <p:pRg st="2" end="2"/>
-                                            </p:txEl>
-                                          </p:spTgt>
-                                        </p:tgtEl>
-                                        <p:attrNameLst>
-                                          <p:attrName>style.visibility</p:attrName>
-                                        </p:attrNameLst>
-                                      </p:cBhvr>
-                                      <p:to>
-                                        <p:strVal val="visible"/>
-                                      </p:to>
-                                    </p:set>
-                                    <p:animEffect transition="in" filter="fade">
-                                      <p:cBhvr>
-                                        <p:cTn id="17" dur="500"/>
-                                        <p:tgtEl>
-                                          <p:spTgt spid="5">
-                                            <p:txEl>
-                                              <p:pRg st="2" end="2"/>
-                                            </p:txEl>
-                                          </p:spTgt>
-                                        </p:tgtEl>
-                                      </p:cBhvr>
-                                    </p:animEffect>
-                                  </p:childTnLst>
-                                </p:cTn>
-                              </p:par>
-                            </p:childTnLst>
-                          </p:cTn>
-                        </p:par>
-                      </p:childTnLst>
-                    </p:cTn>
-                  </p:par>
-                </p:childTnLst>
-              </p:cTn>
-              <p:prevCondLst>
-                <p:cond evt="onPrev" delay="0">
-                  <p:tgtEl>
-                    <p:sldTgt/>
-                  </p:tgtEl>
-                </p:cond>
-              </p:prevCondLst>
-              <p:nextCondLst>
-                <p:cond evt="onNext" delay="0">
-                  <p:tgtEl>
-                    <p:sldTgt/>
-                  </p:tgtEl>
-                </p:cond>
-              </p:nextCondLst>
-            </p:seq>
-          </p:childTnLst>
-        </p:cTn>
-      </p:par>
-    </p:tnLst>
-    <p:bldLst>
-      <p:bldP spid="5" grpId="0" build="p"/>
-    </p:bldLst>
-  </p:timing>
-</p:sld>
-</file>
-
-<file path=ppt/slides/slide15.xml><?xml version="1.0" encoding="utf-8"?>
-<p:sld xmlns:a="http://schemas.openxmlformats.org/drawingml/2006/main" xmlns:r="http://schemas.openxmlformats.org/officeDocument/2006/relationships" xmlns:p="http://schemas.openxmlformats.org/presentationml/2006/main">
-  <p:cSld>
-    <p:spTree>
-      <p:nvGrpSpPr>
-        <p:cNvPr id="1" name=""/>
-        <p:cNvGrpSpPr/>
-        <p:nvPr/>
-      </p:nvGrpSpPr>
-      <p:grpSpPr>
-        <a:xfrm>
-          <a:off x="0" y="0"/>
-          <a:ext cx="0" cy="0"/>
-          <a:chOff x="0" y="0"/>
-          <a:chExt cx="0" cy="0"/>
-        </a:xfrm>
-      </p:grpSpPr>
-      <p:sp>
-        <p:nvSpPr>
           <p:cNvPr id="7" name="TextBox 6"/>
           <p:cNvSpPr txBox="1"/>
           <p:nvPr/>
@@ -9461,7 +6716,7 @@
 </p:sld>
 </file>
 
-<file path=ppt/slides/slide16.xml><?xml version="1.0" encoding="utf-8"?>
+<file path=ppt/slides/slide12.xml><?xml version="1.0" encoding="utf-8"?>
 <p:sld xmlns:a="http://schemas.openxmlformats.org/drawingml/2006/main" xmlns:r="http://schemas.openxmlformats.org/officeDocument/2006/relationships" xmlns:p="http://schemas.openxmlformats.org/presentationml/2006/main">
   <p:cSld>
     <p:spTree>
@@ -9525,21 +6780,34 @@
           <a:lstStyle/>
           <a:p>
             <a:r>
-              <a:rPr lang="en-US" dirty="0" smtClean="0"/>
-              <a:t>Behavior-Driven-Development is still “test” driven development, but with a focus on the business requirements.</a:t>
-            </a:r>
-          </a:p>
-          <a:p>
-            <a:r>
-              <a:rPr lang="en-US" dirty="0" smtClean="0"/>
-              <a:t>There are many ways to implement BDD, I’ve only shown you one.</a:t>
-            </a:r>
-          </a:p>
-          <a:p>
-            <a:r>
-              <a:rPr lang="en-US" dirty="0" smtClean="0"/>
-              <a:t>Depending on the situation, you might go back to TDD, or you might even use TDD on a class already under BDD specs.  </a:t>
-            </a:r>
+              <a:rPr lang="en-US" sz="4000" dirty="0" smtClean="0"/>
+              <a:t>BDD </a:t>
+            </a:r>
+            <a:r>
+              <a:rPr lang="en-US" sz="4000" dirty="0" smtClean="0"/>
+              <a:t>is still </a:t>
+            </a:r>
+            <a:r>
+              <a:rPr lang="en-US" sz="4000" dirty="0" smtClean="0"/>
+              <a:t>TDD, </a:t>
+            </a:r>
+            <a:r>
+              <a:rPr lang="en-US" sz="4000" dirty="0" smtClean="0"/>
+              <a:t>but with a focus on the business requirements.</a:t>
+            </a:r>
+          </a:p>
+          <a:p>
+            <a:r>
+              <a:rPr lang="en-US" sz="4000" dirty="0" smtClean="0"/>
+              <a:t>You still let the specifications determine the code you write.</a:t>
+            </a:r>
+          </a:p>
+          <a:p>
+            <a:r>
+              <a:rPr lang="en-US" sz="4000" dirty="0" smtClean="0"/>
+              <a:t>Most of the best unit testing practices still apply to BDD.</a:t>
+            </a:r>
+            <a:endParaRPr lang="en-US" sz="4000" dirty="0" smtClean="0"/>
           </a:p>
         </p:txBody>
       </p:sp>
@@ -9778,7 +7046,7 @@
 </p:sld>
 </file>
 
-<file path=ppt/slides/slide17.xml><?xml version="1.0" encoding="utf-8"?>
+<file path=ppt/slides/slide13.xml><?xml version="1.0" encoding="utf-8"?>
 <p:sld xmlns:a="http://schemas.openxmlformats.org/drawingml/2006/main" xmlns:r="http://schemas.openxmlformats.org/officeDocument/2006/relationships" xmlns:p="http://schemas.openxmlformats.org/presentationml/2006/main">
   <p:cSld>
     <p:spTree>
@@ -9815,7 +7083,7 @@
           <a:p>
             <a:r>
               <a:rPr lang="en-US" dirty="0" smtClean="0"/>
-              <a:t>What’s the point?</a:t>
+              <a:t>Something to keep in mind…</a:t>
             </a:r>
             <a:endParaRPr lang="en-US" dirty="0"/>
           </a:p>
@@ -9837,6 +7105,324 @@
         <p:spPr/>
         <p:txBody>
           <a:bodyPr>
+            <a:normAutofit/>
+          </a:bodyPr>
+          <a:lstStyle/>
+          <a:p>
+            <a:r>
+              <a:rPr lang="en-US" sz="4000" dirty="0" smtClean="0"/>
+              <a:t>There is no law that says you have to use BDD everywhere or nowhere.</a:t>
+            </a:r>
+          </a:p>
+          <a:p>
+            <a:r>
+              <a:rPr lang="en-US" sz="4000" dirty="0" smtClean="0"/>
+              <a:t>It’s hard to go wrong with TDD, but when BDD is a better fit, use it.</a:t>
+            </a:r>
+          </a:p>
+          <a:p>
+            <a:r>
+              <a:rPr lang="en-US" sz="4000" dirty="0" smtClean="0"/>
+              <a:t>No matter what you do, test.</a:t>
+            </a:r>
+            <a:endParaRPr lang="en-US" sz="4000" dirty="0" smtClean="0"/>
+          </a:p>
+        </p:txBody>
+      </p:sp>
+    </p:spTree>
+    <p:custDataLst>
+      <p:tags r:id="rId1"/>
+    </p:custDataLst>
+    <p:extLst>
+      <p:ext uri="{BB962C8B-B14F-4D97-AF65-F5344CB8AC3E}">
+        <p14:creationId xmlns:p14="http://schemas.microsoft.com/office/powerpoint/2010/main" val="3715841469"/>
+      </p:ext>
+    </p:extLst>
+  </p:cSld>
+  <p:clrMapOvr>
+    <a:masterClrMapping/>
+  </p:clrMapOvr>
+  <p:transition spd="slow">
+    <p:wipe dir="d"/>
+  </p:transition>
+  <p:timing>
+    <p:tnLst>
+      <p:par>
+        <p:cTn id="1" dur="indefinite" restart="never" nodeType="tmRoot">
+          <p:childTnLst>
+            <p:seq concurrent="1" nextAc="seek">
+              <p:cTn id="2" dur="indefinite" nodeType="mainSeq">
+                <p:childTnLst>
+                  <p:par>
+                    <p:cTn id="3" fill="hold">
+                      <p:stCondLst>
+                        <p:cond delay="indefinite"/>
+                      </p:stCondLst>
+                      <p:childTnLst>
+                        <p:par>
+                          <p:cTn id="4" fill="hold">
+                            <p:stCondLst>
+                              <p:cond delay="0"/>
+                            </p:stCondLst>
+                            <p:childTnLst>
+                              <p:par>
+                                <p:cTn id="5" presetID="10" presetClass="entr" presetSubtype="0" fill="hold" grpId="0" nodeType="clickEffect">
+                                  <p:stCondLst>
+                                    <p:cond delay="0"/>
+                                  </p:stCondLst>
+                                  <p:childTnLst>
+                                    <p:set>
+                                      <p:cBhvr>
+                                        <p:cTn id="6" dur="1" fill="hold">
+                                          <p:stCondLst>
+                                            <p:cond delay="0"/>
+                                          </p:stCondLst>
+                                        </p:cTn>
+                                        <p:tgtEl>
+                                          <p:spTgt spid="5">
+                                            <p:txEl>
+                                              <p:pRg st="0" end="0"/>
+                                            </p:txEl>
+                                          </p:spTgt>
+                                        </p:tgtEl>
+                                        <p:attrNameLst>
+                                          <p:attrName>style.visibility</p:attrName>
+                                        </p:attrNameLst>
+                                      </p:cBhvr>
+                                      <p:to>
+                                        <p:strVal val="visible"/>
+                                      </p:to>
+                                    </p:set>
+                                    <p:animEffect transition="in" filter="fade">
+                                      <p:cBhvr>
+                                        <p:cTn id="7" dur="500"/>
+                                        <p:tgtEl>
+                                          <p:spTgt spid="5">
+                                            <p:txEl>
+                                              <p:pRg st="0" end="0"/>
+                                            </p:txEl>
+                                          </p:spTgt>
+                                        </p:tgtEl>
+                                      </p:cBhvr>
+                                    </p:animEffect>
+                                  </p:childTnLst>
+                                </p:cTn>
+                              </p:par>
+                            </p:childTnLst>
+                          </p:cTn>
+                        </p:par>
+                      </p:childTnLst>
+                    </p:cTn>
+                  </p:par>
+                  <p:par>
+                    <p:cTn id="8" fill="hold">
+                      <p:stCondLst>
+                        <p:cond delay="indefinite"/>
+                      </p:stCondLst>
+                      <p:childTnLst>
+                        <p:par>
+                          <p:cTn id="9" fill="hold">
+                            <p:stCondLst>
+                              <p:cond delay="0"/>
+                            </p:stCondLst>
+                            <p:childTnLst>
+                              <p:par>
+                                <p:cTn id="10" presetID="10" presetClass="entr" presetSubtype="0" fill="hold" grpId="0" nodeType="clickEffect">
+                                  <p:stCondLst>
+                                    <p:cond delay="0"/>
+                                  </p:stCondLst>
+                                  <p:childTnLst>
+                                    <p:set>
+                                      <p:cBhvr>
+                                        <p:cTn id="11" dur="1" fill="hold">
+                                          <p:stCondLst>
+                                            <p:cond delay="0"/>
+                                          </p:stCondLst>
+                                        </p:cTn>
+                                        <p:tgtEl>
+                                          <p:spTgt spid="5">
+                                            <p:txEl>
+                                              <p:pRg st="1" end="1"/>
+                                            </p:txEl>
+                                          </p:spTgt>
+                                        </p:tgtEl>
+                                        <p:attrNameLst>
+                                          <p:attrName>style.visibility</p:attrName>
+                                        </p:attrNameLst>
+                                      </p:cBhvr>
+                                      <p:to>
+                                        <p:strVal val="visible"/>
+                                      </p:to>
+                                    </p:set>
+                                    <p:animEffect transition="in" filter="fade">
+                                      <p:cBhvr>
+                                        <p:cTn id="12" dur="500"/>
+                                        <p:tgtEl>
+                                          <p:spTgt spid="5">
+                                            <p:txEl>
+                                              <p:pRg st="1" end="1"/>
+                                            </p:txEl>
+                                          </p:spTgt>
+                                        </p:tgtEl>
+                                      </p:cBhvr>
+                                    </p:animEffect>
+                                  </p:childTnLst>
+                                </p:cTn>
+                              </p:par>
+                            </p:childTnLst>
+                          </p:cTn>
+                        </p:par>
+                      </p:childTnLst>
+                    </p:cTn>
+                  </p:par>
+                  <p:par>
+                    <p:cTn id="13" fill="hold">
+                      <p:stCondLst>
+                        <p:cond delay="indefinite"/>
+                      </p:stCondLst>
+                      <p:childTnLst>
+                        <p:par>
+                          <p:cTn id="14" fill="hold">
+                            <p:stCondLst>
+                              <p:cond delay="0"/>
+                            </p:stCondLst>
+                            <p:childTnLst>
+                              <p:par>
+                                <p:cTn id="15" presetID="10" presetClass="entr" presetSubtype="0" fill="hold" grpId="0" nodeType="clickEffect">
+                                  <p:stCondLst>
+                                    <p:cond delay="0"/>
+                                  </p:stCondLst>
+                                  <p:childTnLst>
+                                    <p:set>
+                                      <p:cBhvr>
+                                        <p:cTn id="16" dur="1" fill="hold">
+                                          <p:stCondLst>
+                                            <p:cond delay="0"/>
+                                          </p:stCondLst>
+                                        </p:cTn>
+                                        <p:tgtEl>
+                                          <p:spTgt spid="5">
+                                            <p:txEl>
+                                              <p:pRg st="2" end="2"/>
+                                            </p:txEl>
+                                          </p:spTgt>
+                                        </p:tgtEl>
+                                        <p:attrNameLst>
+                                          <p:attrName>style.visibility</p:attrName>
+                                        </p:attrNameLst>
+                                      </p:cBhvr>
+                                      <p:to>
+                                        <p:strVal val="visible"/>
+                                      </p:to>
+                                    </p:set>
+                                    <p:animEffect transition="in" filter="fade">
+                                      <p:cBhvr>
+                                        <p:cTn id="17" dur="500"/>
+                                        <p:tgtEl>
+                                          <p:spTgt spid="5">
+                                            <p:txEl>
+                                              <p:pRg st="2" end="2"/>
+                                            </p:txEl>
+                                          </p:spTgt>
+                                        </p:tgtEl>
+                                      </p:cBhvr>
+                                    </p:animEffect>
+                                  </p:childTnLst>
+                                </p:cTn>
+                              </p:par>
+                            </p:childTnLst>
+                          </p:cTn>
+                        </p:par>
+                      </p:childTnLst>
+                    </p:cTn>
+                  </p:par>
+                </p:childTnLst>
+              </p:cTn>
+              <p:prevCondLst>
+                <p:cond evt="onPrev" delay="0">
+                  <p:tgtEl>
+                    <p:sldTgt/>
+                  </p:tgtEl>
+                </p:cond>
+              </p:prevCondLst>
+              <p:nextCondLst>
+                <p:cond evt="onNext" delay="0">
+                  <p:tgtEl>
+                    <p:sldTgt/>
+                  </p:tgtEl>
+                </p:cond>
+              </p:nextCondLst>
+            </p:seq>
+          </p:childTnLst>
+        </p:cTn>
+      </p:par>
+    </p:tnLst>
+    <p:bldLst>
+      <p:bldP spid="5" grpId="0" build="p"/>
+    </p:bldLst>
+  </p:timing>
+</p:sld>
+</file>
+
+<file path=ppt/slides/slide14.xml><?xml version="1.0" encoding="utf-8"?>
+<p:sld xmlns:a="http://schemas.openxmlformats.org/drawingml/2006/main" xmlns:r="http://schemas.openxmlformats.org/officeDocument/2006/relationships" xmlns:p="http://schemas.openxmlformats.org/presentationml/2006/main">
+  <p:cSld>
+    <p:spTree>
+      <p:nvGrpSpPr>
+        <p:cNvPr id="1" name=""/>
+        <p:cNvGrpSpPr/>
+        <p:nvPr/>
+      </p:nvGrpSpPr>
+      <p:grpSpPr>
+        <a:xfrm>
+          <a:off x="0" y="0"/>
+          <a:ext cx="0" cy="0"/>
+          <a:chOff x="0" y="0"/>
+          <a:chExt cx="0" cy="0"/>
+        </a:xfrm>
+      </p:grpSpPr>
+      <p:sp>
+        <p:nvSpPr>
+          <p:cNvPr id="2" name="Title 1"/>
+          <p:cNvSpPr>
+            <a:spLocks noGrp="1"/>
+          </p:cNvSpPr>
+          <p:nvPr>
+            <p:ph type="title"/>
+            <p:custDataLst>
+              <p:tags r:id="rId2"/>
+            </p:custDataLst>
+          </p:nvPr>
+        </p:nvSpPr>
+        <p:spPr/>
+        <p:txBody>
+          <a:bodyPr/>
+          <a:lstStyle/>
+          <a:p>
+            <a:r>
+              <a:rPr lang="en-US" dirty="0" smtClean="0"/>
+              <a:t>What’s the point?</a:t>
+            </a:r>
+            <a:endParaRPr lang="en-US" dirty="0"/>
+          </a:p>
+        </p:txBody>
+      </p:sp>
+      <p:sp>
+        <p:nvSpPr>
+          <p:cNvPr id="5" name="Content Placeholder 4"/>
+          <p:cNvSpPr>
+            <a:spLocks noGrp="1"/>
+          </p:cNvSpPr>
+          <p:nvPr>
+            <p:ph idx="1"/>
+            <p:custDataLst>
+              <p:tags r:id="rId3"/>
+            </p:custDataLst>
+          </p:nvPr>
+        </p:nvSpPr>
+        <p:spPr/>
+        <p:txBody>
+          <a:bodyPr>
             <a:noAutofit/>
           </a:bodyPr>
           <a:lstStyle/>
@@ -9855,8 +7441,9 @@
           <a:p>
             <a:r>
               <a:rPr lang="en-US" sz="4000" dirty="0" smtClean="0"/>
-              <a:t>Software that stands up changes.</a:t>
-            </a:r>
+              <a:t>Software that can be explained.</a:t>
+            </a:r>
+            <a:endParaRPr lang="en-US" sz="4000" dirty="0" smtClean="0"/>
           </a:p>
           <a:p>
             <a:r>
@@ -10229,7 +7816,7 @@
 </p:sld>
 </file>
 
-<file path=ppt/slides/slide18.xml><?xml version="1.0" encoding="utf-8"?>
+<file path=ppt/slides/slide15.xml><?xml version="1.0" encoding="utf-8"?>
 <p:sld xmlns:a="http://schemas.openxmlformats.org/drawingml/2006/main" xmlns:r="http://schemas.openxmlformats.org/officeDocument/2006/relationships" xmlns:p="http://schemas.openxmlformats.org/presentationml/2006/main">
   <p:cSld>
     <p:spTree>
@@ -10474,7 +8061,7 @@
           <a:p>
             <a:r>
               <a:rPr lang="en-US" dirty="0" smtClean="0"/>
-              <a:t>I wrote my first line of code in GW-Basic in earlier 90’s while in Junior High.  Moved from there to QBasic, then to C++, then to VBA, then to PHP, then to ASP Classic, and now to </a:t>
+              <a:t>I’ve been coding for about 8-9 years, the last 3-4 primarily in </a:t>
             </a:r>
             <a:r>
               <a:rPr lang="en-US" dirty="0" err="1" smtClean="0"/>
@@ -10482,7 +8069,13 @@
             </a:r>
             <a:r>
               <a:rPr lang="en-US" dirty="0" smtClean="0"/>
-              <a:t>.</a:t>
+              <a:t>.  </a:t>
+            </a:r>
+          </a:p>
+          <a:p>
+            <a:r>
+              <a:rPr lang="en-US" dirty="0" smtClean="0"/>
+              <a:t>I’m a huge proponent of SOLID practices and Test-Driven-Development.</a:t>
             </a:r>
             <a:endParaRPr lang="en-US" dirty="0"/>
           </a:p>
@@ -10690,6 +8283,67 @@
                       </p:childTnLst>
                     </p:cTn>
                   </p:par>
+                  <p:par>
+                    <p:cTn id="18" fill="hold">
+                      <p:stCondLst>
+                        <p:cond delay="indefinite"/>
+                      </p:stCondLst>
+                      <p:childTnLst>
+                        <p:par>
+                          <p:cTn id="19" fill="hold">
+                            <p:stCondLst>
+                              <p:cond delay="0"/>
+                            </p:stCondLst>
+                            <p:childTnLst>
+                              <p:par>
+                                <p:cTn id="20" presetID="10" presetClass="entr" presetSubtype="0" fill="hold" grpId="0" nodeType="clickEffect">
+                                  <p:stCondLst>
+                                    <p:cond delay="0"/>
+                                  </p:stCondLst>
+                                  <p:childTnLst>
+                                    <p:set>
+                                      <p:cBhvr>
+                                        <p:cTn id="21" dur="1" fill="hold">
+                                          <p:stCondLst>
+                                            <p:cond delay="0"/>
+                                          </p:stCondLst>
+                                        </p:cTn>
+                                        <p:tgtEl>
+                                          <p:spTgt spid="5">
+                                            <p:txEl>
+                                              <p:pRg st="3" end="3"/>
+                                            </p:txEl>
+                                          </p:spTgt>
+                                        </p:tgtEl>
+                                        <p:attrNameLst>
+                                          <p:attrName>style.visibility</p:attrName>
+                                        </p:attrNameLst>
+                                      </p:cBhvr>
+                                      <p:to>
+                                        <p:strVal val="visible"/>
+                                      </p:to>
+                                    </p:set>
+                                    <p:animEffect transition="in" filter="fade">
+                                      <p:cBhvr>
+                                        <p:cTn id="22" dur="500"/>
+                                        <p:tgtEl>
+                                          <p:spTgt spid="5">
+                                            <p:txEl>
+                                              <p:pRg st="3" end="3"/>
+                                            </p:txEl>
+                                          </p:spTgt>
+                                        </p:tgtEl>
+                                      </p:cBhvr>
+                                    </p:animEffect>
+                                  </p:childTnLst>
+                                </p:cTn>
+                              </p:par>
+                            </p:childTnLst>
+                          </p:cTn>
+                        </p:par>
+                      </p:childTnLst>
+                    </p:cTn>
+                  </p:par>
                 </p:childTnLst>
               </p:cTn>
               <p:prevCondLst>
@@ -10755,7 +8409,7 @@
           <a:p>
             <a:r>
               <a:rPr lang="en-US" dirty="0" smtClean="0"/>
-              <a:t>More about me…</a:t>
+              <a:t>Why I am here</a:t>
             </a:r>
             <a:endParaRPr lang="en-US" dirty="0"/>
           </a:p>
@@ -10777,50 +8431,44 @@
         <p:spPr/>
         <p:txBody>
           <a:bodyPr>
-            <a:normAutofit fontScale="92500" lnSpcReduction="20000"/>
+            <a:normAutofit/>
           </a:bodyPr>
           <a:lstStyle/>
           <a:p>
             <a:r>
               <a:rPr lang="en-US" dirty="0" smtClean="0"/>
-              <a:t>I’ve always taken my work personally, but for years I thought I was just a bad or mediocre coder.  </a:t>
+              <a:t>Learning how to write software using test-first techniques is what helped to ignite my passion for coding.</a:t>
             </a:r>
           </a:p>
           <a:p>
             <a:r>
               <a:rPr lang="en-US" dirty="0" smtClean="0"/>
-              <a:t>I had bugs</a:t>
-            </a:r>
+              <a:t>I’ve seen them ignite the same passion in others.</a:t>
+            </a:r>
+          </a:p>
+          <a:p>
             <a:r>
               <a:rPr lang="en-US" dirty="0" smtClean="0"/>
-              <a:t>, insecurity, stress, and my first gray hairs.</a:t>
+              <a:t>I believe in it, I love it, and I like to share it.</a:t>
             </a:r>
           </a:p>
           <a:p>
             <a:r>
               <a:rPr lang="en-US" dirty="0" smtClean="0"/>
-              <a:t>A couple years ago, I learned of the SOLID principles and TDD.  Realized I wasn’t a bad coder, I was just doing it wrong.</a:t>
-            </a:r>
-          </a:p>
-          <a:p>
+              <a:t>BDD and tools like </a:t>
+            </a:r>
+            <a:r>
+              <a:rPr lang="en-US" dirty="0" err="1" smtClean="0"/>
+              <a:t>SpecFlow</a:t>
+            </a:r>
             <a:r>
               <a:rPr lang="en-US" dirty="0" smtClean="0"/>
-              <a:t>Now I have </a:t>
-            </a:r>
-            <a:r>
-              <a:rPr lang="en-US" dirty="0" smtClean="0"/>
-              <a:t>fewer bugs, happier clients, confidence, pride</a:t>
-            </a:r>
-            <a:r>
-              <a:rPr lang="en-US" dirty="0"/>
-              <a:t> </a:t>
-            </a:r>
-            <a:r>
-              <a:rPr lang="en-US" dirty="0" smtClean="0"/>
-              <a:t>and passion.</a:t>
-            </a:r>
-          </a:p>
-          <a:p>
+              <a:t> are great ways to get this going in </a:t>
+            </a:r>
+            <a:r>
+              <a:rPr lang="en-US" dirty="0" err="1" smtClean="0"/>
+              <a:t>.Net</a:t>
+            </a:r>
             <a:endParaRPr lang="en-US" dirty="0" smtClean="0"/>
           </a:p>
         </p:txBody>
@@ -10831,7 +8479,7 @@
     </p:custDataLst>
     <p:extLst>
       <p:ext uri="{BB962C8B-B14F-4D97-AF65-F5344CB8AC3E}">
-        <p14:creationId xmlns:p14="http://schemas.microsoft.com/office/powerpoint/2010/main" val="2089019693"/>
+        <p14:creationId xmlns:p14="http://schemas.microsoft.com/office/powerpoint/2010/main" val="3639851051"/>
       </p:ext>
     </p:extLst>
   </p:cSld>
@@ -11140,403 +8788,6 @@
       </p:grpSpPr>
       <p:sp>
         <p:nvSpPr>
-          <p:cNvPr id="2" name="Title 1"/>
-          <p:cNvSpPr>
-            <a:spLocks noGrp="1"/>
-          </p:cNvSpPr>
-          <p:nvPr>
-            <p:ph type="title"/>
-            <p:custDataLst>
-              <p:tags r:id="rId2"/>
-            </p:custDataLst>
-          </p:nvPr>
-        </p:nvSpPr>
-        <p:spPr/>
-        <p:txBody>
-          <a:bodyPr/>
-          <a:lstStyle/>
-          <a:p>
-            <a:r>
-              <a:rPr lang="en-US" dirty="0" smtClean="0"/>
-              <a:t>Why I am here</a:t>
-            </a:r>
-            <a:endParaRPr lang="en-US" dirty="0"/>
-          </a:p>
-        </p:txBody>
-      </p:sp>
-      <p:sp>
-        <p:nvSpPr>
-          <p:cNvPr id="5" name="Content Placeholder 4"/>
-          <p:cNvSpPr>
-            <a:spLocks noGrp="1"/>
-          </p:cNvSpPr>
-          <p:nvPr>
-            <p:ph idx="1"/>
-            <p:custDataLst>
-              <p:tags r:id="rId3"/>
-            </p:custDataLst>
-          </p:nvPr>
-        </p:nvSpPr>
-        <p:spPr/>
-        <p:txBody>
-          <a:bodyPr>
-            <a:normAutofit/>
-          </a:bodyPr>
-          <a:lstStyle/>
-          <a:p>
-            <a:r>
-              <a:rPr lang="en-US" dirty="0" smtClean="0"/>
-              <a:t>Learning how to write software using test-first techniques is what helped to ignite my passion for coding.</a:t>
-            </a:r>
-          </a:p>
-          <a:p>
-            <a:r>
-              <a:rPr lang="en-US" dirty="0" smtClean="0"/>
-              <a:t>I’ve seen them ignite the same passion in others.</a:t>
-            </a:r>
-          </a:p>
-          <a:p>
-            <a:r>
-              <a:rPr lang="en-US" dirty="0" smtClean="0"/>
-              <a:t>I believe in it, I love it, and I like to share it.</a:t>
-            </a:r>
-          </a:p>
-          <a:p>
-            <a:r>
-              <a:rPr lang="en-US" dirty="0" smtClean="0"/>
-              <a:t>BDD and tools like </a:t>
-            </a:r>
-            <a:r>
-              <a:rPr lang="en-US" dirty="0" err="1" smtClean="0"/>
-              <a:t>SpecFlow</a:t>
-            </a:r>
-            <a:r>
-              <a:rPr lang="en-US" dirty="0" smtClean="0"/>
-              <a:t> are great ways to get this going in </a:t>
-            </a:r>
-            <a:r>
-              <a:rPr lang="en-US" dirty="0" err="1" smtClean="0"/>
-              <a:t>.Net</a:t>
-            </a:r>
-            <a:endParaRPr lang="en-US" dirty="0" smtClean="0"/>
-          </a:p>
-        </p:txBody>
-      </p:sp>
-    </p:spTree>
-    <p:custDataLst>
-      <p:tags r:id="rId1"/>
-    </p:custDataLst>
-    <p:extLst>
-      <p:ext uri="{BB962C8B-B14F-4D97-AF65-F5344CB8AC3E}">
-        <p14:creationId xmlns:p14="http://schemas.microsoft.com/office/powerpoint/2010/main" val="3639851051"/>
-      </p:ext>
-    </p:extLst>
-  </p:cSld>
-  <p:clrMapOvr>
-    <a:masterClrMapping/>
-  </p:clrMapOvr>
-  <p:transition spd="slow">
-    <p:wipe dir="d"/>
-  </p:transition>
-  <p:timing>
-    <p:tnLst>
-      <p:par>
-        <p:cTn id="1" dur="indefinite" restart="never" nodeType="tmRoot">
-          <p:childTnLst>
-            <p:seq concurrent="1" nextAc="seek">
-              <p:cTn id="2" dur="indefinite" nodeType="mainSeq">
-                <p:childTnLst>
-                  <p:par>
-                    <p:cTn id="3" fill="hold">
-                      <p:stCondLst>
-                        <p:cond delay="indefinite"/>
-                      </p:stCondLst>
-                      <p:childTnLst>
-                        <p:par>
-                          <p:cTn id="4" fill="hold">
-                            <p:stCondLst>
-                              <p:cond delay="0"/>
-                            </p:stCondLst>
-                            <p:childTnLst>
-                              <p:par>
-                                <p:cTn id="5" presetID="10" presetClass="entr" presetSubtype="0" fill="hold" grpId="0" nodeType="clickEffect">
-                                  <p:stCondLst>
-                                    <p:cond delay="0"/>
-                                  </p:stCondLst>
-                                  <p:childTnLst>
-                                    <p:set>
-                                      <p:cBhvr>
-                                        <p:cTn id="6" dur="1" fill="hold">
-                                          <p:stCondLst>
-                                            <p:cond delay="0"/>
-                                          </p:stCondLst>
-                                        </p:cTn>
-                                        <p:tgtEl>
-                                          <p:spTgt spid="5">
-                                            <p:txEl>
-                                              <p:pRg st="0" end="0"/>
-                                            </p:txEl>
-                                          </p:spTgt>
-                                        </p:tgtEl>
-                                        <p:attrNameLst>
-                                          <p:attrName>style.visibility</p:attrName>
-                                        </p:attrNameLst>
-                                      </p:cBhvr>
-                                      <p:to>
-                                        <p:strVal val="visible"/>
-                                      </p:to>
-                                    </p:set>
-                                    <p:animEffect transition="in" filter="fade">
-                                      <p:cBhvr>
-                                        <p:cTn id="7" dur="500"/>
-                                        <p:tgtEl>
-                                          <p:spTgt spid="5">
-                                            <p:txEl>
-                                              <p:pRg st="0" end="0"/>
-                                            </p:txEl>
-                                          </p:spTgt>
-                                        </p:tgtEl>
-                                      </p:cBhvr>
-                                    </p:animEffect>
-                                  </p:childTnLst>
-                                </p:cTn>
-                              </p:par>
-                            </p:childTnLst>
-                          </p:cTn>
-                        </p:par>
-                      </p:childTnLst>
-                    </p:cTn>
-                  </p:par>
-                  <p:par>
-                    <p:cTn id="8" fill="hold">
-                      <p:stCondLst>
-                        <p:cond delay="indefinite"/>
-                      </p:stCondLst>
-                      <p:childTnLst>
-                        <p:par>
-                          <p:cTn id="9" fill="hold">
-                            <p:stCondLst>
-                              <p:cond delay="0"/>
-                            </p:stCondLst>
-                            <p:childTnLst>
-                              <p:par>
-                                <p:cTn id="10" presetID="10" presetClass="entr" presetSubtype="0" fill="hold" grpId="0" nodeType="clickEffect">
-                                  <p:stCondLst>
-                                    <p:cond delay="0"/>
-                                  </p:stCondLst>
-                                  <p:childTnLst>
-                                    <p:set>
-                                      <p:cBhvr>
-                                        <p:cTn id="11" dur="1" fill="hold">
-                                          <p:stCondLst>
-                                            <p:cond delay="0"/>
-                                          </p:stCondLst>
-                                        </p:cTn>
-                                        <p:tgtEl>
-                                          <p:spTgt spid="5">
-                                            <p:txEl>
-                                              <p:pRg st="1" end="1"/>
-                                            </p:txEl>
-                                          </p:spTgt>
-                                        </p:tgtEl>
-                                        <p:attrNameLst>
-                                          <p:attrName>style.visibility</p:attrName>
-                                        </p:attrNameLst>
-                                      </p:cBhvr>
-                                      <p:to>
-                                        <p:strVal val="visible"/>
-                                      </p:to>
-                                    </p:set>
-                                    <p:animEffect transition="in" filter="fade">
-                                      <p:cBhvr>
-                                        <p:cTn id="12" dur="500"/>
-                                        <p:tgtEl>
-                                          <p:spTgt spid="5">
-                                            <p:txEl>
-                                              <p:pRg st="1" end="1"/>
-                                            </p:txEl>
-                                          </p:spTgt>
-                                        </p:tgtEl>
-                                      </p:cBhvr>
-                                    </p:animEffect>
-                                  </p:childTnLst>
-                                </p:cTn>
-                              </p:par>
-                            </p:childTnLst>
-                          </p:cTn>
-                        </p:par>
-                      </p:childTnLst>
-                    </p:cTn>
-                  </p:par>
-                  <p:par>
-                    <p:cTn id="13" fill="hold">
-                      <p:stCondLst>
-                        <p:cond delay="indefinite"/>
-                      </p:stCondLst>
-                      <p:childTnLst>
-                        <p:par>
-                          <p:cTn id="14" fill="hold">
-                            <p:stCondLst>
-                              <p:cond delay="0"/>
-                            </p:stCondLst>
-                            <p:childTnLst>
-                              <p:par>
-                                <p:cTn id="15" presetID="10" presetClass="entr" presetSubtype="0" fill="hold" grpId="0" nodeType="clickEffect">
-                                  <p:stCondLst>
-                                    <p:cond delay="0"/>
-                                  </p:stCondLst>
-                                  <p:childTnLst>
-                                    <p:set>
-                                      <p:cBhvr>
-                                        <p:cTn id="16" dur="1" fill="hold">
-                                          <p:stCondLst>
-                                            <p:cond delay="0"/>
-                                          </p:stCondLst>
-                                        </p:cTn>
-                                        <p:tgtEl>
-                                          <p:spTgt spid="5">
-                                            <p:txEl>
-                                              <p:pRg st="2" end="2"/>
-                                            </p:txEl>
-                                          </p:spTgt>
-                                        </p:tgtEl>
-                                        <p:attrNameLst>
-                                          <p:attrName>style.visibility</p:attrName>
-                                        </p:attrNameLst>
-                                      </p:cBhvr>
-                                      <p:to>
-                                        <p:strVal val="visible"/>
-                                      </p:to>
-                                    </p:set>
-                                    <p:animEffect transition="in" filter="fade">
-                                      <p:cBhvr>
-                                        <p:cTn id="17" dur="500"/>
-                                        <p:tgtEl>
-                                          <p:spTgt spid="5">
-                                            <p:txEl>
-                                              <p:pRg st="2" end="2"/>
-                                            </p:txEl>
-                                          </p:spTgt>
-                                        </p:tgtEl>
-                                      </p:cBhvr>
-                                    </p:animEffect>
-                                  </p:childTnLst>
-                                </p:cTn>
-                              </p:par>
-                            </p:childTnLst>
-                          </p:cTn>
-                        </p:par>
-                      </p:childTnLst>
-                    </p:cTn>
-                  </p:par>
-                  <p:par>
-                    <p:cTn id="18" fill="hold">
-                      <p:stCondLst>
-                        <p:cond delay="indefinite"/>
-                      </p:stCondLst>
-                      <p:childTnLst>
-                        <p:par>
-                          <p:cTn id="19" fill="hold">
-                            <p:stCondLst>
-                              <p:cond delay="0"/>
-                            </p:stCondLst>
-                            <p:childTnLst>
-                              <p:par>
-                                <p:cTn id="20" presetID="10" presetClass="entr" presetSubtype="0" fill="hold" grpId="0" nodeType="clickEffect">
-                                  <p:stCondLst>
-                                    <p:cond delay="0"/>
-                                  </p:stCondLst>
-                                  <p:childTnLst>
-                                    <p:set>
-                                      <p:cBhvr>
-                                        <p:cTn id="21" dur="1" fill="hold">
-                                          <p:stCondLst>
-                                            <p:cond delay="0"/>
-                                          </p:stCondLst>
-                                        </p:cTn>
-                                        <p:tgtEl>
-                                          <p:spTgt spid="5">
-                                            <p:txEl>
-                                              <p:pRg st="3" end="3"/>
-                                            </p:txEl>
-                                          </p:spTgt>
-                                        </p:tgtEl>
-                                        <p:attrNameLst>
-                                          <p:attrName>style.visibility</p:attrName>
-                                        </p:attrNameLst>
-                                      </p:cBhvr>
-                                      <p:to>
-                                        <p:strVal val="visible"/>
-                                      </p:to>
-                                    </p:set>
-                                    <p:animEffect transition="in" filter="fade">
-                                      <p:cBhvr>
-                                        <p:cTn id="22" dur="500"/>
-                                        <p:tgtEl>
-                                          <p:spTgt spid="5">
-                                            <p:txEl>
-                                              <p:pRg st="3" end="3"/>
-                                            </p:txEl>
-                                          </p:spTgt>
-                                        </p:tgtEl>
-                                      </p:cBhvr>
-                                    </p:animEffect>
-                                  </p:childTnLst>
-                                </p:cTn>
-                              </p:par>
-                            </p:childTnLst>
-                          </p:cTn>
-                        </p:par>
-                      </p:childTnLst>
-                    </p:cTn>
-                  </p:par>
-                </p:childTnLst>
-              </p:cTn>
-              <p:prevCondLst>
-                <p:cond evt="onPrev" delay="0">
-                  <p:tgtEl>
-                    <p:sldTgt/>
-                  </p:tgtEl>
-                </p:cond>
-              </p:prevCondLst>
-              <p:nextCondLst>
-                <p:cond evt="onNext" delay="0">
-                  <p:tgtEl>
-                    <p:sldTgt/>
-                  </p:tgtEl>
-                </p:cond>
-              </p:nextCondLst>
-            </p:seq>
-          </p:childTnLst>
-        </p:cTn>
-      </p:par>
-    </p:tnLst>
-    <p:bldLst>
-      <p:bldP spid="5" grpId="0" build="p"/>
-    </p:bldLst>
-  </p:timing>
-</p:sld>
-</file>
-
-<file path=ppt/slides/slide5.xml><?xml version="1.0" encoding="utf-8"?>
-<p:sld xmlns:a="http://schemas.openxmlformats.org/drawingml/2006/main" xmlns:r="http://schemas.openxmlformats.org/officeDocument/2006/relationships" xmlns:p="http://schemas.openxmlformats.org/presentationml/2006/main">
-  <p:cSld>
-    <p:spTree>
-      <p:nvGrpSpPr>
-        <p:cNvPr id="1" name=""/>
-        <p:cNvGrpSpPr/>
-        <p:nvPr/>
-      </p:nvGrpSpPr>
-      <p:grpSpPr>
-        <a:xfrm>
-          <a:off x="0" y="0"/>
-          <a:ext cx="0" cy="0"/>
-          <a:chOff x="0" y="0"/>
-          <a:chExt cx="0" cy="0"/>
-        </a:xfrm>
-      </p:grpSpPr>
-      <p:sp>
-        <p:nvSpPr>
           <p:cNvPr id="7" name="TextBox 6"/>
           <p:cNvSpPr txBox="1"/>
           <p:nvPr/>
@@ -11621,7 +8872,7 @@
 </p:sld>
 </file>
 
-<file path=ppt/slides/slide6.xml><?xml version="1.0" encoding="utf-8"?>
+<file path=ppt/slides/slide5.xml><?xml version="1.0" encoding="utf-8"?>
 <p:sld xmlns:a="http://schemas.openxmlformats.org/drawingml/2006/main" xmlns:r="http://schemas.openxmlformats.org/officeDocument/2006/relationships" xmlns:p="http://schemas.openxmlformats.org/presentationml/2006/main">
   <p:cSld>
     <p:spTree>
@@ -11962,7 +9213,7 @@
 </p:sld>
 </file>
 
-<file path=ppt/slides/slide7.xml><?xml version="1.0" encoding="utf-8"?>
+<file path=ppt/slides/slide6.xml><?xml version="1.0" encoding="utf-8"?>
 <p:sld xmlns:a="http://schemas.openxmlformats.org/drawingml/2006/main" xmlns:r="http://schemas.openxmlformats.org/officeDocument/2006/relationships" xmlns:p="http://schemas.openxmlformats.org/presentationml/2006/main">
   <p:cSld>
     <p:spTree>
@@ -12030,27 +9281,30 @@
           <a:lstStyle/>
           <a:p>
             <a:r>
-              <a:rPr lang="en-US" sz="2800" dirty="0" smtClean="0"/>
-              <a:t>You create “feature” documents that state what your application should do.</a:t>
-            </a:r>
-          </a:p>
-          <a:p>
-            <a:r>
-              <a:rPr lang="en-US" sz="2800" dirty="0" smtClean="0"/>
-              <a:t>Your “feature” document is comprised of “scenarios” which should define one situation applicable to your feature.</a:t>
-            </a:r>
-          </a:p>
-          <a:p>
-            <a:r>
-              <a:rPr lang="en-US" sz="2800" dirty="0" smtClean="0"/>
-              <a:t>Each line in your feature is a “step” that identifies one clear aspect of your scenario.</a:t>
-            </a:r>
-          </a:p>
-          <a:p>
-            <a:r>
-              <a:rPr lang="en-US" sz="2800" dirty="0" smtClean="0"/>
-              <a:t>You create “step definitions” that identify what each “step” means in code.</a:t>
-            </a:r>
+              <a:rPr lang="en-US" dirty="0" smtClean="0"/>
+              <a:t>Feature – What does your app do?</a:t>
+            </a:r>
+            <a:endParaRPr lang="en-US" dirty="0" smtClean="0"/>
+          </a:p>
+          <a:p>
+            <a:r>
+              <a:rPr lang="en-US" dirty="0" smtClean="0"/>
+              <a:t>Scenario – Given [X] context, what should occur?</a:t>
+            </a:r>
+            <a:endParaRPr lang="en-US" dirty="0" smtClean="0"/>
+          </a:p>
+          <a:p>
+            <a:r>
+              <a:rPr lang="en-US" dirty="0" smtClean="0"/>
+              <a:t>Steps – Short statements that can be combined to create a Scenario.</a:t>
+            </a:r>
+          </a:p>
+          <a:p>
+            <a:r>
+              <a:rPr lang="en-US" dirty="0" smtClean="0"/>
+              <a:t>Step Definitions – The binding between your Steps to what they mean in code.</a:t>
+            </a:r>
+            <a:endParaRPr lang="en-US" dirty="0" smtClean="0"/>
           </a:p>
         </p:txBody>
       </p:sp>
@@ -12350,1704 +9604,7 @@
 </p:sld>
 </file>
 
-<file path=ppt/slides/slide8.xml><?xml version="1.0" encoding="utf-8"?>
-<p:sld xmlns:a="http://schemas.openxmlformats.org/drawingml/2006/main" xmlns:r="http://schemas.openxmlformats.org/officeDocument/2006/relationships" xmlns:p="http://schemas.openxmlformats.org/presentationml/2006/main">
-  <p:cSld>
-    <p:spTree>
-      <p:nvGrpSpPr>
-        <p:cNvPr id="1" name=""/>
-        <p:cNvGrpSpPr/>
-        <p:nvPr/>
-      </p:nvGrpSpPr>
-      <p:grpSpPr>
-        <a:xfrm>
-          <a:off x="0" y="0"/>
-          <a:ext cx="0" cy="0"/>
-          <a:chOff x="0" y="0"/>
-          <a:chExt cx="0" cy="0"/>
-        </a:xfrm>
-      </p:grpSpPr>
-      <p:sp>
-        <p:nvSpPr>
-          <p:cNvPr id="9" name="Title 1"/>
-          <p:cNvSpPr>
-            <a:spLocks noGrp="1"/>
-          </p:cNvSpPr>
-          <p:nvPr/>
-        </p:nvSpPr>
-        <p:spPr>
-          <a:xfrm>
-            <a:off x="609600" y="708819"/>
-            <a:ext cx="7924800" cy="1143000"/>
-          </a:xfrm>
-          <a:prstGeom prst="rect">
-            <a:avLst/>
-          </a:prstGeom>
-        </p:spPr>
-        <p:txBody>
-          <a:bodyPr vert="horz" lIns="91440" tIns="45720" rIns="91440" bIns="45720" rtlCol="0" anchor="b" anchorCtr="0">
-            <a:noAutofit/>
-          </a:bodyPr>
-          <a:lstStyle>
-            <a:lvl1pPr algn="l" defTabSz="914400" rtl="0" eaLnBrk="1" latinLnBrk="0" hangingPunct="1">
-              <a:spcBef>
-                <a:spcPct val="0"/>
-              </a:spcBef>
-              <a:buNone/>
-              <a:defRPr sz="3000" kern="1200" cap="all" spc="50" baseline="0">
-                <a:solidFill>
-                  <a:schemeClr val="tx1"/>
-                </a:solidFill>
-                <a:latin typeface="+mj-lt"/>
-                <a:ea typeface="+mj-ea"/>
-                <a:cs typeface="+mj-cs"/>
-              </a:defRPr>
-            </a:lvl1pPr>
-            <a:lvl2pPr eaLnBrk="1" hangingPunct="1">
-              <a:defRPr>
-                <a:solidFill>
-                  <a:schemeClr val="tx2"/>
-                </a:solidFill>
-              </a:defRPr>
-            </a:lvl2pPr>
-            <a:lvl3pPr eaLnBrk="1" hangingPunct="1">
-              <a:defRPr>
-                <a:solidFill>
-                  <a:schemeClr val="tx2"/>
-                </a:solidFill>
-              </a:defRPr>
-            </a:lvl3pPr>
-            <a:lvl4pPr eaLnBrk="1" hangingPunct="1">
-              <a:defRPr>
-                <a:solidFill>
-                  <a:schemeClr val="tx2"/>
-                </a:solidFill>
-              </a:defRPr>
-            </a:lvl4pPr>
-            <a:lvl5pPr eaLnBrk="1" hangingPunct="1">
-              <a:defRPr>
-                <a:solidFill>
-                  <a:schemeClr val="tx2"/>
-                </a:solidFill>
-              </a:defRPr>
-            </a:lvl5pPr>
-            <a:lvl6pPr eaLnBrk="1" hangingPunct="1">
-              <a:defRPr>
-                <a:solidFill>
-                  <a:schemeClr val="tx2"/>
-                </a:solidFill>
-              </a:defRPr>
-            </a:lvl6pPr>
-            <a:lvl7pPr eaLnBrk="1" hangingPunct="1">
-              <a:defRPr>
-                <a:solidFill>
-                  <a:schemeClr val="tx2"/>
-                </a:solidFill>
-              </a:defRPr>
-            </a:lvl7pPr>
-            <a:lvl8pPr eaLnBrk="1" hangingPunct="1">
-              <a:defRPr>
-                <a:solidFill>
-                  <a:schemeClr val="tx2"/>
-                </a:solidFill>
-              </a:defRPr>
-            </a:lvl8pPr>
-            <a:lvl9pPr eaLnBrk="1" hangingPunct="1">
-              <a:defRPr>
-                <a:solidFill>
-                  <a:schemeClr val="tx2"/>
-                </a:solidFill>
-              </a:defRPr>
-            </a:lvl9pPr>
-          </a:lstStyle>
-          <a:p>
-            <a:r>
-              <a:rPr lang="en-US" dirty="0" smtClean="0"/>
-              <a:t>PROs and cons of developing with </a:t>
-            </a:r>
-            <a:r>
-              <a:rPr lang="en-US" dirty="0" err="1" smtClean="0"/>
-              <a:t>specflow</a:t>
-            </a:r>
-            <a:endParaRPr lang="en-US" dirty="0"/>
-          </a:p>
-        </p:txBody>
-      </p:sp>
-      <p:sp>
-        <p:nvSpPr>
-          <p:cNvPr id="10" name="Text Placeholder 2"/>
-          <p:cNvSpPr>
-            <a:spLocks noGrp="1"/>
-          </p:cNvSpPr>
-          <p:nvPr/>
-        </p:nvSpPr>
-        <p:spPr>
-          <a:xfrm>
-            <a:off x="609600" y="2034380"/>
-            <a:ext cx="3733800" cy="574675"/>
-          </a:xfrm>
-          <a:prstGeom prst="rect">
-            <a:avLst/>
-          </a:prstGeom>
-        </p:spPr>
-        <p:txBody>
-          <a:bodyPr vert="horz" lIns="91440" tIns="45720" rIns="91440" bIns="45720" rtlCol="0" anchor="b">
-            <a:normAutofit/>
-          </a:bodyPr>
-          <a:lstStyle>
-            <a:lvl1pPr marL="0" indent="0" algn="l" defTabSz="914400" rtl="0" eaLnBrk="1" latinLnBrk="0" hangingPunct="1">
-              <a:lnSpc>
-                <a:spcPct val="100000"/>
-              </a:lnSpc>
-              <a:spcBef>
-                <a:spcPct val="20000"/>
-              </a:spcBef>
-              <a:spcAft>
-                <a:spcPts val="600"/>
-              </a:spcAft>
-              <a:buClr>
-                <a:schemeClr val="tx2"/>
-              </a:buClr>
-              <a:buFont typeface="Arial" pitchFamily="34" charset="0"/>
-              <a:buNone/>
-              <a:defRPr sz="1700" b="0" i="0" kern="1200" spc="30" baseline="0">
-                <a:solidFill>
-                  <a:schemeClr val="tx2"/>
-                </a:solidFill>
-                <a:latin typeface="+mn-lt"/>
-                <a:ea typeface="+mn-ea"/>
-                <a:cs typeface="+mn-cs"/>
-              </a:defRPr>
-            </a:lvl1pPr>
-            <a:lvl2pPr marL="457200" indent="0" algn="l" defTabSz="914400" rtl="0" eaLnBrk="1" latinLnBrk="0" hangingPunct="1">
-              <a:lnSpc>
-                <a:spcPct val="100000"/>
-              </a:lnSpc>
-              <a:spcBef>
-                <a:spcPct val="20000"/>
-              </a:spcBef>
-              <a:spcAft>
-                <a:spcPts val="600"/>
-              </a:spcAft>
-              <a:buClr>
-                <a:schemeClr val="tx2"/>
-              </a:buClr>
-              <a:buFont typeface="Arial" pitchFamily="34" charset="0"/>
-              <a:buNone/>
-              <a:defRPr sz="2000" b="1" kern="1200" spc="30" baseline="0">
-                <a:solidFill>
-                  <a:schemeClr val="tx1"/>
-                </a:solidFill>
-                <a:latin typeface="+mn-lt"/>
-                <a:ea typeface="+mn-ea"/>
-                <a:cs typeface="+mn-cs"/>
-              </a:defRPr>
-            </a:lvl2pPr>
-            <a:lvl3pPr marL="914400" indent="0" algn="l" defTabSz="914400" rtl="0" eaLnBrk="1" latinLnBrk="0" hangingPunct="1">
-              <a:lnSpc>
-                <a:spcPct val="100000"/>
-              </a:lnSpc>
-              <a:spcBef>
-                <a:spcPct val="20000"/>
-              </a:spcBef>
-              <a:spcAft>
-                <a:spcPts val="600"/>
-              </a:spcAft>
-              <a:buClr>
-                <a:schemeClr val="tx2"/>
-              </a:buClr>
-              <a:buFont typeface="Arial" pitchFamily="34" charset="0"/>
-              <a:buNone/>
-              <a:defRPr sz="1800" b="1" kern="1200" spc="30" baseline="0">
-                <a:solidFill>
-                  <a:schemeClr val="tx1"/>
-                </a:solidFill>
-                <a:latin typeface="+mn-lt"/>
-                <a:ea typeface="+mn-ea"/>
-                <a:cs typeface="+mn-cs"/>
-              </a:defRPr>
-            </a:lvl3pPr>
-            <a:lvl4pPr marL="1371600" indent="0" algn="l" defTabSz="914400" rtl="0" eaLnBrk="1" latinLnBrk="0" hangingPunct="1">
-              <a:lnSpc>
-                <a:spcPct val="100000"/>
-              </a:lnSpc>
-              <a:spcBef>
-                <a:spcPct val="20000"/>
-              </a:spcBef>
-              <a:spcAft>
-                <a:spcPts val="600"/>
-              </a:spcAft>
-              <a:buClr>
-                <a:schemeClr val="tx2"/>
-              </a:buClr>
-              <a:buFont typeface="Arial" pitchFamily="34" charset="0"/>
-              <a:buNone/>
-              <a:defRPr sz="1600" b="1" kern="1200" spc="30" baseline="0">
-                <a:solidFill>
-                  <a:schemeClr val="tx1"/>
-                </a:solidFill>
-                <a:latin typeface="+mn-lt"/>
-                <a:ea typeface="+mn-ea"/>
-                <a:cs typeface="+mn-cs"/>
-              </a:defRPr>
-            </a:lvl4pPr>
-            <a:lvl5pPr marL="1828800" indent="0" algn="l" defTabSz="914400" rtl="0" eaLnBrk="1" latinLnBrk="0" hangingPunct="1">
-              <a:lnSpc>
-                <a:spcPct val="100000"/>
-              </a:lnSpc>
-              <a:spcBef>
-                <a:spcPct val="20000"/>
-              </a:spcBef>
-              <a:spcAft>
-                <a:spcPts val="600"/>
-              </a:spcAft>
-              <a:buClr>
-                <a:schemeClr val="tx2"/>
-              </a:buClr>
-              <a:buFont typeface="Arial" pitchFamily="34" charset="0"/>
-              <a:buNone/>
-              <a:defRPr sz="1600" b="1" kern="1200" spc="30" baseline="0">
-                <a:solidFill>
-                  <a:schemeClr val="tx1"/>
-                </a:solidFill>
-                <a:latin typeface="+mn-lt"/>
-                <a:ea typeface="+mn-ea"/>
-                <a:cs typeface="+mn-cs"/>
-              </a:defRPr>
-            </a:lvl5pPr>
-            <a:lvl6pPr marL="2286000" indent="0" algn="l" defTabSz="914400" rtl="0" eaLnBrk="1" latinLnBrk="0" hangingPunct="1">
-              <a:lnSpc>
-                <a:spcPct val="100000"/>
-              </a:lnSpc>
-              <a:spcBef>
-                <a:spcPct val="20000"/>
-              </a:spcBef>
-              <a:spcAft>
-                <a:spcPts val="600"/>
-              </a:spcAft>
-              <a:buClr>
-                <a:schemeClr val="tx2"/>
-              </a:buClr>
-              <a:buFont typeface="Arial" pitchFamily="34" charset="0"/>
-              <a:buNone/>
-              <a:defRPr sz="1600" b="1" kern="1200">
-                <a:solidFill>
-                  <a:schemeClr val="tx1"/>
-                </a:solidFill>
-                <a:latin typeface="+mn-lt"/>
-                <a:ea typeface="+mn-ea"/>
-                <a:cs typeface="+mn-cs"/>
-              </a:defRPr>
-            </a:lvl6pPr>
-            <a:lvl7pPr marL="2743200" indent="0" algn="l" defTabSz="914400" rtl="0" eaLnBrk="1" latinLnBrk="0" hangingPunct="1">
-              <a:lnSpc>
-                <a:spcPct val="100000"/>
-              </a:lnSpc>
-              <a:spcBef>
-                <a:spcPct val="20000"/>
-              </a:spcBef>
-              <a:spcAft>
-                <a:spcPts val="600"/>
-              </a:spcAft>
-              <a:buClr>
-                <a:schemeClr val="tx2"/>
-              </a:buClr>
-              <a:buFont typeface="Arial" pitchFamily="34" charset="0"/>
-              <a:buNone/>
-              <a:defRPr sz="1600" b="1" kern="1200">
-                <a:solidFill>
-                  <a:schemeClr val="tx1"/>
-                </a:solidFill>
-                <a:latin typeface="+mn-lt"/>
-                <a:ea typeface="+mn-ea"/>
-                <a:cs typeface="+mn-cs"/>
-              </a:defRPr>
-            </a:lvl7pPr>
-            <a:lvl8pPr marL="3200400" indent="0" algn="l" defTabSz="914400" rtl="0" eaLnBrk="1" latinLnBrk="0" hangingPunct="1">
-              <a:lnSpc>
-                <a:spcPct val="100000"/>
-              </a:lnSpc>
-              <a:spcBef>
-                <a:spcPct val="20000"/>
-              </a:spcBef>
-              <a:spcAft>
-                <a:spcPts val="600"/>
-              </a:spcAft>
-              <a:buClr>
-                <a:schemeClr val="tx2"/>
-              </a:buClr>
-              <a:buFont typeface="Arial" pitchFamily="34" charset="0"/>
-              <a:buNone/>
-              <a:defRPr sz="1600" b="1" kern="1200">
-                <a:solidFill>
-                  <a:schemeClr val="tx1"/>
-                </a:solidFill>
-                <a:latin typeface="+mn-lt"/>
-                <a:ea typeface="+mn-ea"/>
-                <a:cs typeface="+mn-cs"/>
-              </a:defRPr>
-            </a:lvl8pPr>
-            <a:lvl9pPr marL="3657600" indent="0" algn="l" defTabSz="914400" rtl="0" eaLnBrk="1" latinLnBrk="0" hangingPunct="1">
-              <a:lnSpc>
-                <a:spcPct val="100000"/>
-              </a:lnSpc>
-              <a:spcBef>
-                <a:spcPct val="20000"/>
-              </a:spcBef>
-              <a:spcAft>
-                <a:spcPts val="600"/>
-              </a:spcAft>
-              <a:buClr>
-                <a:schemeClr val="tx2"/>
-              </a:buClr>
-              <a:buFont typeface="Arial" pitchFamily="34" charset="0"/>
-              <a:buNone/>
-              <a:defRPr sz="1600" b="1" kern="1200">
-                <a:solidFill>
-                  <a:schemeClr val="tx1"/>
-                </a:solidFill>
-                <a:latin typeface="+mn-lt"/>
-                <a:ea typeface="+mn-ea"/>
-                <a:cs typeface="+mn-cs"/>
-              </a:defRPr>
-            </a:lvl9pPr>
-          </a:lstStyle>
-          <a:p>
-            <a:r>
-              <a:rPr lang="en-US" dirty="0" smtClean="0"/>
-              <a:t>PROS</a:t>
-            </a:r>
-            <a:endParaRPr lang="en-US" dirty="0"/>
-          </a:p>
-        </p:txBody>
-      </p:sp>
-      <p:sp>
-        <p:nvSpPr>
-          <p:cNvPr id="11" name="Text Placeholder 3"/>
-          <p:cNvSpPr>
-            <a:spLocks noGrp="1"/>
-          </p:cNvSpPr>
-          <p:nvPr/>
-        </p:nvSpPr>
-        <p:spPr>
-          <a:xfrm>
-            <a:off x="4800600" y="2034380"/>
-            <a:ext cx="3733800" cy="574675"/>
-          </a:xfrm>
-          <a:prstGeom prst="rect">
-            <a:avLst/>
-          </a:prstGeom>
-        </p:spPr>
-        <p:txBody>
-          <a:bodyPr vert="horz" lIns="91440" tIns="45720" rIns="91440" bIns="45720" rtlCol="0" anchor="b">
-            <a:normAutofit/>
-          </a:bodyPr>
-          <a:lstStyle>
-            <a:lvl1pPr marL="0" indent="0" algn="l" defTabSz="914400" rtl="0" eaLnBrk="1" latinLnBrk="0" hangingPunct="1">
-              <a:lnSpc>
-                <a:spcPct val="100000"/>
-              </a:lnSpc>
-              <a:spcBef>
-                <a:spcPct val="20000"/>
-              </a:spcBef>
-              <a:spcAft>
-                <a:spcPts val="600"/>
-              </a:spcAft>
-              <a:buClr>
-                <a:schemeClr val="tx2"/>
-              </a:buClr>
-              <a:buFont typeface="Arial" pitchFamily="34" charset="0"/>
-              <a:buNone/>
-              <a:defRPr sz="1700" b="0" i="0" kern="1200" spc="30" baseline="0">
-                <a:solidFill>
-                  <a:schemeClr val="tx2"/>
-                </a:solidFill>
-                <a:latin typeface="+mn-lt"/>
-                <a:ea typeface="+mn-ea"/>
-                <a:cs typeface="+mn-cs"/>
-              </a:defRPr>
-            </a:lvl1pPr>
-            <a:lvl2pPr marL="457200" indent="0" algn="l" defTabSz="914400" rtl="0" eaLnBrk="1" latinLnBrk="0" hangingPunct="1">
-              <a:lnSpc>
-                <a:spcPct val="100000"/>
-              </a:lnSpc>
-              <a:spcBef>
-                <a:spcPct val="20000"/>
-              </a:spcBef>
-              <a:spcAft>
-                <a:spcPts val="600"/>
-              </a:spcAft>
-              <a:buClr>
-                <a:schemeClr val="tx2"/>
-              </a:buClr>
-              <a:buFont typeface="Arial" pitchFamily="34" charset="0"/>
-              <a:buNone/>
-              <a:defRPr sz="2000" b="1" kern="1200" spc="30" baseline="0">
-                <a:solidFill>
-                  <a:schemeClr val="tx1"/>
-                </a:solidFill>
-                <a:latin typeface="+mn-lt"/>
-                <a:ea typeface="+mn-ea"/>
-                <a:cs typeface="+mn-cs"/>
-              </a:defRPr>
-            </a:lvl2pPr>
-            <a:lvl3pPr marL="914400" indent="0" algn="l" defTabSz="914400" rtl="0" eaLnBrk="1" latinLnBrk="0" hangingPunct="1">
-              <a:lnSpc>
-                <a:spcPct val="100000"/>
-              </a:lnSpc>
-              <a:spcBef>
-                <a:spcPct val="20000"/>
-              </a:spcBef>
-              <a:spcAft>
-                <a:spcPts val="600"/>
-              </a:spcAft>
-              <a:buClr>
-                <a:schemeClr val="tx2"/>
-              </a:buClr>
-              <a:buFont typeface="Arial" pitchFamily="34" charset="0"/>
-              <a:buNone/>
-              <a:defRPr sz="1800" b="1" kern="1200" spc="30" baseline="0">
-                <a:solidFill>
-                  <a:schemeClr val="tx1"/>
-                </a:solidFill>
-                <a:latin typeface="+mn-lt"/>
-                <a:ea typeface="+mn-ea"/>
-                <a:cs typeface="+mn-cs"/>
-              </a:defRPr>
-            </a:lvl3pPr>
-            <a:lvl4pPr marL="1371600" indent="0" algn="l" defTabSz="914400" rtl="0" eaLnBrk="1" latinLnBrk="0" hangingPunct="1">
-              <a:lnSpc>
-                <a:spcPct val="100000"/>
-              </a:lnSpc>
-              <a:spcBef>
-                <a:spcPct val="20000"/>
-              </a:spcBef>
-              <a:spcAft>
-                <a:spcPts val="600"/>
-              </a:spcAft>
-              <a:buClr>
-                <a:schemeClr val="tx2"/>
-              </a:buClr>
-              <a:buFont typeface="Arial" pitchFamily="34" charset="0"/>
-              <a:buNone/>
-              <a:defRPr sz="1600" b="1" kern="1200" spc="30" baseline="0">
-                <a:solidFill>
-                  <a:schemeClr val="tx1"/>
-                </a:solidFill>
-                <a:latin typeface="+mn-lt"/>
-                <a:ea typeface="+mn-ea"/>
-                <a:cs typeface="+mn-cs"/>
-              </a:defRPr>
-            </a:lvl4pPr>
-            <a:lvl5pPr marL="1828800" indent="0" algn="l" defTabSz="914400" rtl="0" eaLnBrk="1" latinLnBrk="0" hangingPunct="1">
-              <a:lnSpc>
-                <a:spcPct val="100000"/>
-              </a:lnSpc>
-              <a:spcBef>
-                <a:spcPct val="20000"/>
-              </a:spcBef>
-              <a:spcAft>
-                <a:spcPts val="600"/>
-              </a:spcAft>
-              <a:buClr>
-                <a:schemeClr val="tx2"/>
-              </a:buClr>
-              <a:buFont typeface="Arial" pitchFamily="34" charset="0"/>
-              <a:buNone/>
-              <a:defRPr sz="1600" b="1" kern="1200" spc="30" baseline="0">
-                <a:solidFill>
-                  <a:schemeClr val="tx1"/>
-                </a:solidFill>
-                <a:latin typeface="+mn-lt"/>
-                <a:ea typeface="+mn-ea"/>
-                <a:cs typeface="+mn-cs"/>
-              </a:defRPr>
-            </a:lvl5pPr>
-            <a:lvl6pPr marL="2286000" indent="0" algn="l" defTabSz="914400" rtl="0" eaLnBrk="1" latinLnBrk="0" hangingPunct="1">
-              <a:lnSpc>
-                <a:spcPct val="100000"/>
-              </a:lnSpc>
-              <a:spcBef>
-                <a:spcPct val="20000"/>
-              </a:spcBef>
-              <a:spcAft>
-                <a:spcPts val="600"/>
-              </a:spcAft>
-              <a:buClr>
-                <a:schemeClr val="tx2"/>
-              </a:buClr>
-              <a:buFont typeface="Arial" pitchFamily="34" charset="0"/>
-              <a:buNone/>
-              <a:defRPr sz="1600" b="1" kern="1200">
-                <a:solidFill>
-                  <a:schemeClr val="tx1"/>
-                </a:solidFill>
-                <a:latin typeface="+mn-lt"/>
-                <a:ea typeface="+mn-ea"/>
-                <a:cs typeface="+mn-cs"/>
-              </a:defRPr>
-            </a:lvl6pPr>
-            <a:lvl7pPr marL="2743200" indent="0" algn="l" defTabSz="914400" rtl="0" eaLnBrk="1" latinLnBrk="0" hangingPunct="1">
-              <a:lnSpc>
-                <a:spcPct val="100000"/>
-              </a:lnSpc>
-              <a:spcBef>
-                <a:spcPct val="20000"/>
-              </a:spcBef>
-              <a:spcAft>
-                <a:spcPts val="600"/>
-              </a:spcAft>
-              <a:buClr>
-                <a:schemeClr val="tx2"/>
-              </a:buClr>
-              <a:buFont typeface="Arial" pitchFamily="34" charset="0"/>
-              <a:buNone/>
-              <a:defRPr sz="1600" b="1" kern="1200">
-                <a:solidFill>
-                  <a:schemeClr val="tx1"/>
-                </a:solidFill>
-                <a:latin typeface="+mn-lt"/>
-                <a:ea typeface="+mn-ea"/>
-                <a:cs typeface="+mn-cs"/>
-              </a:defRPr>
-            </a:lvl7pPr>
-            <a:lvl8pPr marL="3200400" indent="0" algn="l" defTabSz="914400" rtl="0" eaLnBrk="1" latinLnBrk="0" hangingPunct="1">
-              <a:lnSpc>
-                <a:spcPct val="100000"/>
-              </a:lnSpc>
-              <a:spcBef>
-                <a:spcPct val="20000"/>
-              </a:spcBef>
-              <a:spcAft>
-                <a:spcPts val="600"/>
-              </a:spcAft>
-              <a:buClr>
-                <a:schemeClr val="tx2"/>
-              </a:buClr>
-              <a:buFont typeface="Arial" pitchFamily="34" charset="0"/>
-              <a:buNone/>
-              <a:defRPr sz="1600" b="1" kern="1200">
-                <a:solidFill>
-                  <a:schemeClr val="tx1"/>
-                </a:solidFill>
-                <a:latin typeface="+mn-lt"/>
-                <a:ea typeface="+mn-ea"/>
-                <a:cs typeface="+mn-cs"/>
-              </a:defRPr>
-            </a:lvl8pPr>
-            <a:lvl9pPr marL="3657600" indent="0" algn="l" defTabSz="914400" rtl="0" eaLnBrk="1" latinLnBrk="0" hangingPunct="1">
-              <a:lnSpc>
-                <a:spcPct val="100000"/>
-              </a:lnSpc>
-              <a:spcBef>
-                <a:spcPct val="20000"/>
-              </a:spcBef>
-              <a:spcAft>
-                <a:spcPts val="600"/>
-              </a:spcAft>
-              <a:buClr>
-                <a:schemeClr val="tx2"/>
-              </a:buClr>
-              <a:buFont typeface="Arial" pitchFamily="34" charset="0"/>
-              <a:buNone/>
-              <a:defRPr sz="1600" b="1" kern="1200">
-                <a:solidFill>
-                  <a:schemeClr val="tx1"/>
-                </a:solidFill>
-                <a:latin typeface="+mn-lt"/>
-                <a:ea typeface="+mn-ea"/>
-                <a:cs typeface="+mn-cs"/>
-              </a:defRPr>
-            </a:lvl9pPr>
-          </a:lstStyle>
-          <a:p>
-            <a:r>
-              <a:rPr lang="en-US" dirty="0" smtClean="0"/>
-              <a:t>CONS</a:t>
-            </a:r>
-            <a:endParaRPr lang="en-US" dirty="0"/>
-          </a:p>
-        </p:txBody>
-      </p:sp>
-      <p:sp>
-        <p:nvSpPr>
-          <p:cNvPr id="12" name="Content Placeholder 4"/>
-          <p:cNvSpPr>
-            <a:spLocks noGrp="1"/>
-          </p:cNvSpPr>
-          <p:nvPr/>
-        </p:nvSpPr>
-        <p:spPr>
-          <a:xfrm>
-            <a:off x="609600" y="2643981"/>
-            <a:ext cx="3733800" cy="3505200"/>
-          </a:xfrm>
-          <a:prstGeom prst="rect">
-            <a:avLst/>
-          </a:prstGeom>
-        </p:spPr>
-        <p:txBody>
-          <a:bodyPr vert="horz" lIns="91440" tIns="45720" rIns="91440" bIns="45720" rtlCol="0">
-            <a:normAutofit/>
-          </a:bodyPr>
-          <a:lstStyle>
-            <a:lvl1pPr marL="342900" indent="-342900" algn="l" defTabSz="914400" rtl="0" eaLnBrk="1" latinLnBrk="0" hangingPunct="1">
-              <a:lnSpc>
-                <a:spcPct val="100000"/>
-              </a:lnSpc>
-              <a:spcBef>
-                <a:spcPct val="20000"/>
-              </a:spcBef>
-              <a:spcAft>
-                <a:spcPts val="600"/>
-              </a:spcAft>
-              <a:buClr>
-                <a:schemeClr val="tx2"/>
-              </a:buClr>
-              <a:buFont typeface="Arial" pitchFamily="34" charset="0"/>
-              <a:buChar char="•"/>
-              <a:defRPr sz="1700" kern="1200" spc="30" baseline="0">
-                <a:solidFill>
-                  <a:schemeClr val="tx1"/>
-                </a:solidFill>
-                <a:latin typeface="+mn-lt"/>
-                <a:ea typeface="+mn-ea"/>
-                <a:cs typeface="+mn-cs"/>
-              </a:defRPr>
-            </a:lvl1pPr>
-            <a:lvl2pPr marL="742950" indent="-285750" algn="l" defTabSz="914400" rtl="0" eaLnBrk="1" latinLnBrk="0" hangingPunct="1">
-              <a:lnSpc>
-                <a:spcPct val="100000"/>
-              </a:lnSpc>
-              <a:spcBef>
-                <a:spcPct val="20000"/>
-              </a:spcBef>
-              <a:spcAft>
-                <a:spcPts val="600"/>
-              </a:spcAft>
-              <a:buClr>
-                <a:schemeClr val="tx2"/>
-              </a:buClr>
-              <a:buFont typeface="Arial" pitchFamily="34" charset="0"/>
-              <a:buChar char="•"/>
-              <a:defRPr sz="1700" kern="1200" spc="30" baseline="0">
-                <a:solidFill>
-                  <a:schemeClr val="tx1"/>
-                </a:solidFill>
-                <a:latin typeface="+mn-lt"/>
-                <a:ea typeface="+mn-ea"/>
-                <a:cs typeface="+mn-cs"/>
-              </a:defRPr>
-            </a:lvl2pPr>
-            <a:lvl3pPr marL="1143000" indent="-228600" algn="l" defTabSz="914400" rtl="0" eaLnBrk="1" latinLnBrk="0" hangingPunct="1">
-              <a:lnSpc>
-                <a:spcPct val="100000"/>
-              </a:lnSpc>
-              <a:spcBef>
-                <a:spcPct val="20000"/>
-              </a:spcBef>
-              <a:spcAft>
-                <a:spcPts val="600"/>
-              </a:spcAft>
-              <a:buClr>
-                <a:schemeClr val="tx2"/>
-              </a:buClr>
-              <a:buFont typeface="Arial" pitchFamily="34" charset="0"/>
-              <a:buChar char="•"/>
-              <a:defRPr sz="1700" kern="1200" spc="30" baseline="0">
-                <a:solidFill>
-                  <a:schemeClr val="tx1"/>
-                </a:solidFill>
-                <a:latin typeface="+mn-lt"/>
-                <a:ea typeface="+mn-ea"/>
-                <a:cs typeface="+mn-cs"/>
-              </a:defRPr>
-            </a:lvl3pPr>
-            <a:lvl4pPr marL="1600200" indent="-228600" algn="l" defTabSz="914400" rtl="0" eaLnBrk="1" latinLnBrk="0" hangingPunct="1">
-              <a:lnSpc>
-                <a:spcPct val="100000"/>
-              </a:lnSpc>
-              <a:spcBef>
-                <a:spcPct val="20000"/>
-              </a:spcBef>
-              <a:spcAft>
-                <a:spcPts val="600"/>
-              </a:spcAft>
-              <a:buClr>
-                <a:schemeClr val="tx2"/>
-              </a:buClr>
-              <a:buFont typeface="Arial" pitchFamily="34" charset="0"/>
-              <a:buChar char="•"/>
-              <a:defRPr sz="1700" kern="1200" spc="30" baseline="0">
-                <a:solidFill>
-                  <a:schemeClr val="tx1"/>
-                </a:solidFill>
-                <a:latin typeface="+mn-lt"/>
-                <a:ea typeface="+mn-ea"/>
-                <a:cs typeface="+mn-cs"/>
-              </a:defRPr>
-            </a:lvl4pPr>
-            <a:lvl5pPr marL="2057400" indent="-228600" algn="l" defTabSz="914400" rtl="0" eaLnBrk="1" latinLnBrk="0" hangingPunct="1">
-              <a:lnSpc>
-                <a:spcPct val="100000"/>
-              </a:lnSpc>
-              <a:spcBef>
-                <a:spcPct val="20000"/>
-              </a:spcBef>
-              <a:spcAft>
-                <a:spcPts val="600"/>
-              </a:spcAft>
-              <a:buClr>
-                <a:schemeClr val="tx2"/>
-              </a:buClr>
-              <a:buFont typeface="Arial" pitchFamily="34" charset="0"/>
-              <a:buChar char="•"/>
-              <a:defRPr sz="1700" kern="1200" spc="30" baseline="0">
-                <a:solidFill>
-                  <a:schemeClr val="tx1"/>
-                </a:solidFill>
-                <a:latin typeface="+mn-lt"/>
-                <a:ea typeface="+mn-ea"/>
-                <a:cs typeface="+mn-cs"/>
-              </a:defRPr>
-            </a:lvl5pPr>
-            <a:lvl6pPr marL="2514600" indent="-228600" algn="l" defTabSz="914400" rtl="0" eaLnBrk="1" latinLnBrk="0" hangingPunct="1">
-              <a:lnSpc>
-                <a:spcPct val="100000"/>
-              </a:lnSpc>
-              <a:spcBef>
-                <a:spcPct val="20000"/>
-              </a:spcBef>
-              <a:spcAft>
-                <a:spcPts val="600"/>
-              </a:spcAft>
-              <a:buClr>
-                <a:schemeClr val="tx2"/>
-              </a:buClr>
-              <a:buFont typeface="Arial" pitchFamily="34" charset="0"/>
-              <a:buChar char="•"/>
-              <a:defRPr sz="1700" kern="1200">
-                <a:solidFill>
-                  <a:schemeClr val="tx1"/>
-                </a:solidFill>
-                <a:latin typeface="+mn-lt"/>
-                <a:ea typeface="+mn-ea"/>
-                <a:cs typeface="+mn-cs"/>
-              </a:defRPr>
-            </a:lvl6pPr>
-            <a:lvl7pPr marL="2971800" indent="-228600" algn="l" defTabSz="914400" rtl="0" eaLnBrk="1" latinLnBrk="0" hangingPunct="1">
-              <a:lnSpc>
-                <a:spcPct val="100000"/>
-              </a:lnSpc>
-              <a:spcBef>
-                <a:spcPct val="20000"/>
-              </a:spcBef>
-              <a:spcAft>
-                <a:spcPts val="600"/>
-              </a:spcAft>
-              <a:buClr>
-                <a:schemeClr val="tx2"/>
-              </a:buClr>
-              <a:buFont typeface="Arial" pitchFamily="34" charset="0"/>
-              <a:buChar char="•"/>
-              <a:defRPr sz="1700" kern="1200">
-                <a:solidFill>
-                  <a:schemeClr val="tx1"/>
-                </a:solidFill>
-                <a:latin typeface="+mn-lt"/>
-                <a:ea typeface="+mn-ea"/>
-                <a:cs typeface="+mn-cs"/>
-              </a:defRPr>
-            </a:lvl7pPr>
-            <a:lvl8pPr marL="3429000" indent="-228600" algn="l" defTabSz="914400" rtl="0" eaLnBrk="1" latinLnBrk="0" hangingPunct="1">
-              <a:lnSpc>
-                <a:spcPct val="100000"/>
-              </a:lnSpc>
-              <a:spcBef>
-                <a:spcPct val="20000"/>
-              </a:spcBef>
-              <a:spcAft>
-                <a:spcPts val="600"/>
-              </a:spcAft>
-              <a:buClr>
-                <a:schemeClr val="tx2"/>
-              </a:buClr>
-              <a:buFont typeface="Arial" pitchFamily="34" charset="0"/>
-              <a:buChar char="•"/>
-              <a:defRPr sz="1700" kern="1200">
-                <a:solidFill>
-                  <a:schemeClr val="tx1"/>
-                </a:solidFill>
-                <a:latin typeface="+mn-lt"/>
-                <a:ea typeface="+mn-ea"/>
-                <a:cs typeface="+mn-cs"/>
-              </a:defRPr>
-            </a:lvl8pPr>
-            <a:lvl9pPr marL="3886200" indent="-228600" algn="l" defTabSz="914400" rtl="0" eaLnBrk="1" latinLnBrk="0" hangingPunct="1">
-              <a:lnSpc>
-                <a:spcPct val="100000"/>
-              </a:lnSpc>
-              <a:spcBef>
-                <a:spcPct val="20000"/>
-              </a:spcBef>
-              <a:spcAft>
-                <a:spcPts val="600"/>
-              </a:spcAft>
-              <a:buClr>
-                <a:schemeClr val="tx2"/>
-              </a:buClr>
-              <a:buFont typeface="Arial" pitchFamily="34" charset="0"/>
-              <a:buChar char="•"/>
-              <a:defRPr sz="1700" kern="1200">
-                <a:solidFill>
-                  <a:schemeClr val="tx1"/>
-                </a:solidFill>
-                <a:latin typeface="+mn-lt"/>
-                <a:ea typeface="+mn-ea"/>
-                <a:cs typeface="+mn-cs"/>
-              </a:defRPr>
-            </a:lvl9pPr>
-          </a:lstStyle>
-          <a:p>
-            <a:r>
-              <a:rPr lang="en-US" sz="1800" dirty="0" smtClean="0"/>
-              <a:t>The behavior of your application is expressed and verified in your business language.</a:t>
-            </a:r>
-          </a:p>
-          <a:p>
-            <a:r>
-              <a:rPr lang="en-US" sz="1800" dirty="0" smtClean="0"/>
-              <a:t>Can produce a lot of specs with a small amount of </a:t>
-            </a:r>
-            <a:r>
-              <a:rPr lang="en-US" sz="1800" dirty="0" err="1" smtClean="0"/>
-              <a:t>.Net</a:t>
-            </a:r>
-            <a:r>
-              <a:rPr lang="en-US" sz="1800" dirty="0" smtClean="0"/>
-              <a:t> code.</a:t>
-            </a:r>
-          </a:p>
-          <a:p>
-            <a:r>
-              <a:rPr lang="en-US" sz="1800" dirty="0" smtClean="0"/>
-              <a:t>Can make refactoring easy.</a:t>
-            </a:r>
-          </a:p>
-          <a:p>
-            <a:r>
-              <a:rPr lang="en-US" sz="1800" dirty="0" smtClean="0"/>
-              <a:t>Can be used for unit-testing, BDD, or acceptance testing.</a:t>
-            </a:r>
-          </a:p>
-          <a:p>
-            <a:endParaRPr lang="en-US" dirty="0" smtClean="0"/>
-          </a:p>
-          <a:p>
-            <a:endParaRPr lang="en-US" dirty="0"/>
-          </a:p>
-        </p:txBody>
-      </p:sp>
-      <p:sp>
-        <p:nvSpPr>
-          <p:cNvPr id="13" name="Content Placeholder 5"/>
-          <p:cNvSpPr>
-            <a:spLocks noGrp="1"/>
-          </p:cNvSpPr>
-          <p:nvPr/>
-        </p:nvSpPr>
-        <p:spPr>
-          <a:xfrm>
-            <a:off x="4800600" y="2643981"/>
-            <a:ext cx="3733800" cy="3505200"/>
-          </a:xfrm>
-          <a:prstGeom prst="rect">
-            <a:avLst/>
-          </a:prstGeom>
-        </p:spPr>
-        <p:txBody>
-          <a:bodyPr vert="horz" lIns="91440" tIns="45720" rIns="91440" bIns="45720" rtlCol="0">
-            <a:normAutofit/>
-          </a:bodyPr>
-          <a:lstStyle>
-            <a:lvl1pPr marL="342900" indent="-342900" algn="l" defTabSz="914400" rtl="0" eaLnBrk="1" latinLnBrk="0" hangingPunct="1">
-              <a:lnSpc>
-                <a:spcPct val="100000"/>
-              </a:lnSpc>
-              <a:spcBef>
-                <a:spcPct val="20000"/>
-              </a:spcBef>
-              <a:spcAft>
-                <a:spcPts val="600"/>
-              </a:spcAft>
-              <a:buClr>
-                <a:schemeClr val="tx2"/>
-              </a:buClr>
-              <a:buFont typeface="Arial" pitchFamily="34" charset="0"/>
-              <a:buChar char="•"/>
-              <a:defRPr sz="1700" kern="1200" spc="30" baseline="0">
-                <a:solidFill>
-                  <a:schemeClr val="tx1"/>
-                </a:solidFill>
-                <a:latin typeface="+mn-lt"/>
-                <a:ea typeface="+mn-ea"/>
-                <a:cs typeface="+mn-cs"/>
-              </a:defRPr>
-            </a:lvl1pPr>
-            <a:lvl2pPr marL="742950" indent="-285750" algn="l" defTabSz="914400" rtl="0" eaLnBrk="1" latinLnBrk="0" hangingPunct="1">
-              <a:lnSpc>
-                <a:spcPct val="100000"/>
-              </a:lnSpc>
-              <a:spcBef>
-                <a:spcPct val="20000"/>
-              </a:spcBef>
-              <a:spcAft>
-                <a:spcPts val="600"/>
-              </a:spcAft>
-              <a:buClr>
-                <a:schemeClr val="tx2"/>
-              </a:buClr>
-              <a:buFont typeface="Arial" pitchFamily="34" charset="0"/>
-              <a:buChar char="•"/>
-              <a:defRPr sz="1700" kern="1200" spc="30" baseline="0">
-                <a:solidFill>
-                  <a:schemeClr val="tx1"/>
-                </a:solidFill>
-                <a:latin typeface="+mn-lt"/>
-                <a:ea typeface="+mn-ea"/>
-                <a:cs typeface="+mn-cs"/>
-              </a:defRPr>
-            </a:lvl2pPr>
-            <a:lvl3pPr marL="1143000" indent="-228600" algn="l" defTabSz="914400" rtl="0" eaLnBrk="1" latinLnBrk="0" hangingPunct="1">
-              <a:lnSpc>
-                <a:spcPct val="100000"/>
-              </a:lnSpc>
-              <a:spcBef>
-                <a:spcPct val="20000"/>
-              </a:spcBef>
-              <a:spcAft>
-                <a:spcPts val="600"/>
-              </a:spcAft>
-              <a:buClr>
-                <a:schemeClr val="tx2"/>
-              </a:buClr>
-              <a:buFont typeface="Arial" pitchFamily="34" charset="0"/>
-              <a:buChar char="•"/>
-              <a:defRPr sz="1700" kern="1200" spc="30" baseline="0">
-                <a:solidFill>
-                  <a:schemeClr val="tx1"/>
-                </a:solidFill>
-                <a:latin typeface="+mn-lt"/>
-                <a:ea typeface="+mn-ea"/>
-                <a:cs typeface="+mn-cs"/>
-              </a:defRPr>
-            </a:lvl3pPr>
-            <a:lvl4pPr marL="1600200" indent="-228600" algn="l" defTabSz="914400" rtl="0" eaLnBrk="1" latinLnBrk="0" hangingPunct="1">
-              <a:lnSpc>
-                <a:spcPct val="100000"/>
-              </a:lnSpc>
-              <a:spcBef>
-                <a:spcPct val="20000"/>
-              </a:spcBef>
-              <a:spcAft>
-                <a:spcPts val="600"/>
-              </a:spcAft>
-              <a:buClr>
-                <a:schemeClr val="tx2"/>
-              </a:buClr>
-              <a:buFont typeface="Arial" pitchFamily="34" charset="0"/>
-              <a:buChar char="•"/>
-              <a:defRPr sz="1700" kern="1200" spc="30" baseline="0">
-                <a:solidFill>
-                  <a:schemeClr val="tx1"/>
-                </a:solidFill>
-                <a:latin typeface="+mn-lt"/>
-                <a:ea typeface="+mn-ea"/>
-                <a:cs typeface="+mn-cs"/>
-              </a:defRPr>
-            </a:lvl4pPr>
-            <a:lvl5pPr marL="2057400" indent="-228600" algn="l" defTabSz="914400" rtl="0" eaLnBrk="1" latinLnBrk="0" hangingPunct="1">
-              <a:lnSpc>
-                <a:spcPct val="100000"/>
-              </a:lnSpc>
-              <a:spcBef>
-                <a:spcPct val="20000"/>
-              </a:spcBef>
-              <a:spcAft>
-                <a:spcPts val="600"/>
-              </a:spcAft>
-              <a:buClr>
-                <a:schemeClr val="tx2"/>
-              </a:buClr>
-              <a:buFont typeface="Arial" pitchFamily="34" charset="0"/>
-              <a:buChar char="•"/>
-              <a:defRPr sz="1700" kern="1200" spc="30" baseline="0">
-                <a:solidFill>
-                  <a:schemeClr val="tx1"/>
-                </a:solidFill>
-                <a:latin typeface="+mn-lt"/>
-                <a:ea typeface="+mn-ea"/>
-                <a:cs typeface="+mn-cs"/>
-              </a:defRPr>
-            </a:lvl5pPr>
-            <a:lvl6pPr marL="2514600" indent="-228600" algn="l" defTabSz="914400" rtl="0" eaLnBrk="1" latinLnBrk="0" hangingPunct="1">
-              <a:lnSpc>
-                <a:spcPct val="100000"/>
-              </a:lnSpc>
-              <a:spcBef>
-                <a:spcPct val="20000"/>
-              </a:spcBef>
-              <a:spcAft>
-                <a:spcPts val="600"/>
-              </a:spcAft>
-              <a:buClr>
-                <a:schemeClr val="tx2"/>
-              </a:buClr>
-              <a:buFont typeface="Arial" pitchFamily="34" charset="0"/>
-              <a:buChar char="•"/>
-              <a:defRPr sz="1700" kern="1200">
-                <a:solidFill>
-                  <a:schemeClr val="tx1"/>
-                </a:solidFill>
-                <a:latin typeface="+mn-lt"/>
-                <a:ea typeface="+mn-ea"/>
-                <a:cs typeface="+mn-cs"/>
-              </a:defRPr>
-            </a:lvl6pPr>
-            <a:lvl7pPr marL="2971800" indent="-228600" algn="l" defTabSz="914400" rtl="0" eaLnBrk="1" latinLnBrk="0" hangingPunct="1">
-              <a:lnSpc>
-                <a:spcPct val="100000"/>
-              </a:lnSpc>
-              <a:spcBef>
-                <a:spcPct val="20000"/>
-              </a:spcBef>
-              <a:spcAft>
-                <a:spcPts val="600"/>
-              </a:spcAft>
-              <a:buClr>
-                <a:schemeClr val="tx2"/>
-              </a:buClr>
-              <a:buFont typeface="Arial" pitchFamily="34" charset="0"/>
-              <a:buChar char="•"/>
-              <a:defRPr sz="1700" kern="1200">
-                <a:solidFill>
-                  <a:schemeClr val="tx1"/>
-                </a:solidFill>
-                <a:latin typeface="+mn-lt"/>
-                <a:ea typeface="+mn-ea"/>
-                <a:cs typeface="+mn-cs"/>
-              </a:defRPr>
-            </a:lvl7pPr>
-            <a:lvl8pPr marL="3429000" indent="-228600" algn="l" defTabSz="914400" rtl="0" eaLnBrk="1" latinLnBrk="0" hangingPunct="1">
-              <a:lnSpc>
-                <a:spcPct val="100000"/>
-              </a:lnSpc>
-              <a:spcBef>
-                <a:spcPct val="20000"/>
-              </a:spcBef>
-              <a:spcAft>
-                <a:spcPts val="600"/>
-              </a:spcAft>
-              <a:buClr>
-                <a:schemeClr val="tx2"/>
-              </a:buClr>
-              <a:buFont typeface="Arial" pitchFamily="34" charset="0"/>
-              <a:buChar char="•"/>
-              <a:defRPr sz="1700" kern="1200">
-                <a:solidFill>
-                  <a:schemeClr val="tx1"/>
-                </a:solidFill>
-                <a:latin typeface="+mn-lt"/>
-                <a:ea typeface="+mn-ea"/>
-                <a:cs typeface="+mn-cs"/>
-              </a:defRPr>
-            </a:lvl8pPr>
-            <a:lvl9pPr marL="3886200" indent="-228600" algn="l" defTabSz="914400" rtl="0" eaLnBrk="1" latinLnBrk="0" hangingPunct="1">
-              <a:lnSpc>
-                <a:spcPct val="100000"/>
-              </a:lnSpc>
-              <a:spcBef>
-                <a:spcPct val="20000"/>
-              </a:spcBef>
-              <a:spcAft>
-                <a:spcPts val="600"/>
-              </a:spcAft>
-              <a:buClr>
-                <a:schemeClr val="tx2"/>
-              </a:buClr>
-              <a:buFont typeface="Arial" pitchFamily="34" charset="0"/>
-              <a:buChar char="•"/>
-              <a:defRPr sz="1700" kern="1200">
-                <a:solidFill>
-                  <a:schemeClr val="tx1"/>
-                </a:solidFill>
-                <a:latin typeface="+mn-lt"/>
-                <a:ea typeface="+mn-ea"/>
-                <a:cs typeface="+mn-cs"/>
-              </a:defRPr>
-            </a:lvl9pPr>
-          </a:lstStyle>
-          <a:p>
-            <a:r>
-              <a:rPr lang="en-US" sz="1800" dirty="0" smtClean="0"/>
-              <a:t>Writing and maintaining the separate steps and step definitions is more complex than regular unit tests.</a:t>
-            </a:r>
-          </a:p>
-          <a:p>
-            <a:r>
-              <a:rPr lang="en-US" sz="1800" dirty="0" smtClean="0"/>
-              <a:t>Done improperly, might require more code that a regular unit testing.</a:t>
-            </a:r>
-          </a:p>
-          <a:p>
-            <a:r>
-              <a:rPr lang="en-US" sz="1800" dirty="0" smtClean="0"/>
-              <a:t>Can make refactoring difficult.</a:t>
-            </a:r>
-          </a:p>
-          <a:p>
-            <a:r>
-              <a:rPr lang="en-US" sz="1800" dirty="0" smtClean="0"/>
-              <a:t>Using it in the wrong place can create brittle tests and waste time.</a:t>
-            </a:r>
-          </a:p>
-        </p:txBody>
-      </p:sp>
-    </p:spTree>
-    <p:extLst>
-      <p:ext uri="{BB962C8B-B14F-4D97-AF65-F5344CB8AC3E}">
-        <p14:creationId xmlns:p14="http://schemas.microsoft.com/office/powerpoint/2010/main" val="1448836256"/>
-      </p:ext>
-    </p:extLst>
-  </p:cSld>
-  <p:clrMapOvr>
-    <a:masterClrMapping/>
-  </p:clrMapOvr>
-  <p:transition spd="slow">
-    <p:wipe dir="d"/>
-  </p:transition>
-  <p:timing>
-    <p:tnLst>
-      <p:par>
-        <p:cTn id="1" dur="indefinite" restart="never" nodeType="tmRoot">
-          <p:childTnLst>
-            <p:seq concurrent="1" nextAc="seek">
-              <p:cTn id="2" dur="indefinite" nodeType="mainSeq">
-                <p:childTnLst>
-                  <p:par>
-                    <p:cTn id="3" fill="hold">
-                      <p:stCondLst>
-                        <p:cond delay="indefinite"/>
-                      </p:stCondLst>
-                      <p:childTnLst>
-                        <p:par>
-                          <p:cTn id="4" fill="hold">
-                            <p:stCondLst>
-                              <p:cond delay="0"/>
-                            </p:stCondLst>
-                            <p:childTnLst>
-                              <p:par>
-                                <p:cTn id="5" presetID="10" presetClass="entr" presetSubtype="0" fill="hold" nodeType="clickEffect">
-                                  <p:stCondLst>
-                                    <p:cond delay="0"/>
-                                  </p:stCondLst>
-                                  <p:childTnLst>
-                                    <p:set>
-                                      <p:cBhvr>
-                                        <p:cTn id="6" dur="1" fill="hold">
-                                          <p:stCondLst>
-                                            <p:cond delay="0"/>
-                                          </p:stCondLst>
-                                        </p:cTn>
-                                        <p:tgtEl>
-                                          <p:spTgt spid="12">
-                                            <p:txEl>
-                                              <p:pRg st="0" end="0"/>
-                                            </p:txEl>
-                                          </p:spTgt>
-                                        </p:tgtEl>
-                                        <p:attrNameLst>
-                                          <p:attrName>style.visibility</p:attrName>
-                                        </p:attrNameLst>
-                                      </p:cBhvr>
-                                      <p:to>
-                                        <p:strVal val="visible"/>
-                                      </p:to>
-                                    </p:set>
-                                    <p:animEffect transition="in" filter="fade">
-                                      <p:cBhvr>
-                                        <p:cTn id="7" dur="500"/>
-                                        <p:tgtEl>
-                                          <p:spTgt spid="12">
-                                            <p:txEl>
-                                              <p:pRg st="0" end="0"/>
-                                            </p:txEl>
-                                          </p:spTgt>
-                                        </p:tgtEl>
-                                      </p:cBhvr>
-                                    </p:animEffect>
-                                  </p:childTnLst>
-                                </p:cTn>
-                              </p:par>
-                            </p:childTnLst>
-                          </p:cTn>
-                        </p:par>
-                      </p:childTnLst>
-                    </p:cTn>
-                  </p:par>
-                  <p:par>
-                    <p:cTn id="8" fill="hold">
-                      <p:stCondLst>
-                        <p:cond delay="indefinite"/>
-                      </p:stCondLst>
-                      <p:childTnLst>
-                        <p:par>
-                          <p:cTn id="9" fill="hold">
-                            <p:stCondLst>
-                              <p:cond delay="0"/>
-                            </p:stCondLst>
-                            <p:childTnLst>
-                              <p:par>
-                                <p:cTn id="10" presetID="10" presetClass="entr" presetSubtype="0" fill="hold" nodeType="clickEffect">
-                                  <p:stCondLst>
-                                    <p:cond delay="0"/>
-                                  </p:stCondLst>
-                                  <p:childTnLst>
-                                    <p:set>
-                                      <p:cBhvr>
-                                        <p:cTn id="11" dur="1" fill="hold">
-                                          <p:stCondLst>
-                                            <p:cond delay="0"/>
-                                          </p:stCondLst>
-                                        </p:cTn>
-                                        <p:tgtEl>
-                                          <p:spTgt spid="13">
-                                            <p:txEl>
-                                              <p:pRg st="0" end="0"/>
-                                            </p:txEl>
-                                          </p:spTgt>
-                                        </p:tgtEl>
-                                        <p:attrNameLst>
-                                          <p:attrName>style.visibility</p:attrName>
-                                        </p:attrNameLst>
-                                      </p:cBhvr>
-                                      <p:to>
-                                        <p:strVal val="visible"/>
-                                      </p:to>
-                                    </p:set>
-                                    <p:animEffect transition="in" filter="fade">
-                                      <p:cBhvr>
-                                        <p:cTn id="12" dur="500"/>
-                                        <p:tgtEl>
-                                          <p:spTgt spid="13">
-                                            <p:txEl>
-                                              <p:pRg st="0" end="0"/>
-                                            </p:txEl>
-                                          </p:spTgt>
-                                        </p:tgtEl>
-                                      </p:cBhvr>
-                                    </p:animEffect>
-                                  </p:childTnLst>
-                                </p:cTn>
-                              </p:par>
-                            </p:childTnLst>
-                          </p:cTn>
-                        </p:par>
-                      </p:childTnLst>
-                    </p:cTn>
-                  </p:par>
-                  <p:par>
-                    <p:cTn id="13" fill="hold">
-                      <p:stCondLst>
-                        <p:cond delay="indefinite"/>
-                      </p:stCondLst>
-                      <p:childTnLst>
-                        <p:par>
-                          <p:cTn id="14" fill="hold">
-                            <p:stCondLst>
-                              <p:cond delay="0"/>
-                            </p:stCondLst>
-                            <p:childTnLst>
-                              <p:par>
-                                <p:cTn id="15" presetID="10" presetClass="entr" presetSubtype="0" fill="hold" nodeType="clickEffect">
-                                  <p:stCondLst>
-                                    <p:cond delay="0"/>
-                                  </p:stCondLst>
-                                  <p:childTnLst>
-                                    <p:set>
-                                      <p:cBhvr>
-                                        <p:cTn id="16" dur="1" fill="hold">
-                                          <p:stCondLst>
-                                            <p:cond delay="0"/>
-                                          </p:stCondLst>
-                                        </p:cTn>
-                                        <p:tgtEl>
-                                          <p:spTgt spid="12">
-                                            <p:txEl>
-                                              <p:pRg st="1" end="1"/>
-                                            </p:txEl>
-                                          </p:spTgt>
-                                        </p:tgtEl>
-                                        <p:attrNameLst>
-                                          <p:attrName>style.visibility</p:attrName>
-                                        </p:attrNameLst>
-                                      </p:cBhvr>
-                                      <p:to>
-                                        <p:strVal val="visible"/>
-                                      </p:to>
-                                    </p:set>
-                                    <p:animEffect transition="in" filter="fade">
-                                      <p:cBhvr>
-                                        <p:cTn id="17" dur="500"/>
-                                        <p:tgtEl>
-                                          <p:spTgt spid="12">
-                                            <p:txEl>
-                                              <p:pRg st="1" end="1"/>
-                                            </p:txEl>
-                                          </p:spTgt>
-                                        </p:tgtEl>
-                                      </p:cBhvr>
-                                    </p:animEffect>
-                                  </p:childTnLst>
-                                </p:cTn>
-                              </p:par>
-                            </p:childTnLst>
-                          </p:cTn>
-                        </p:par>
-                      </p:childTnLst>
-                    </p:cTn>
-                  </p:par>
-                  <p:par>
-                    <p:cTn id="18" fill="hold">
-                      <p:stCondLst>
-                        <p:cond delay="indefinite"/>
-                      </p:stCondLst>
-                      <p:childTnLst>
-                        <p:par>
-                          <p:cTn id="19" fill="hold">
-                            <p:stCondLst>
-                              <p:cond delay="0"/>
-                            </p:stCondLst>
-                            <p:childTnLst>
-                              <p:par>
-                                <p:cTn id="20" presetID="10" presetClass="entr" presetSubtype="0" fill="hold" nodeType="clickEffect">
-                                  <p:stCondLst>
-                                    <p:cond delay="0"/>
-                                  </p:stCondLst>
-                                  <p:childTnLst>
-                                    <p:set>
-                                      <p:cBhvr>
-                                        <p:cTn id="21" dur="1" fill="hold">
-                                          <p:stCondLst>
-                                            <p:cond delay="0"/>
-                                          </p:stCondLst>
-                                        </p:cTn>
-                                        <p:tgtEl>
-                                          <p:spTgt spid="13">
-                                            <p:txEl>
-                                              <p:pRg st="1" end="1"/>
-                                            </p:txEl>
-                                          </p:spTgt>
-                                        </p:tgtEl>
-                                        <p:attrNameLst>
-                                          <p:attrName>style.visibility</p:attrName>
-                                        </p:attrNameLst>
-                                      </p:cBhvr>
-                                      <p:to>
-                                        <p:strVal val="visible"/>
-                                      </p:to>
-                                    </p:set>
-                                    <p:animEffect transition="in" filter="fade">
-                                      <p:cBhvr>
-                                        <p:cTn id="22" dur="500"/>
-                                        <p:tgtEl>
-                                          <p:spTgt spid="13">
-                                            <p:txEl>
-                                              <p:pRg st="1" end="1"/>
-                                            </p:txEl>
-                                          </p:spTgt>
-                                        </p:tgtEl>
-                                      </p:cBhvr>
-                                    </p:animEffect>
-                                  </p:childTnLst>
-                                </p:cTn>
-                              </p:par>
-                            </p:childTnLst>
-                          </p:cTn>
-                        </p:par>
-                      </p:childTnLst>
-                    </p:cTn>
-                  </p:par>
-                  <p:par>
-                    <p:cTn id="23" fill="hold">
-                      <p:stCondLst>
-                        <p:cond delay="indefinite"/>
-                      </p:stCondLst>
-                      <p:childTnLst>
-                        <p:par>
-                          <p:cTn id="24" fill="hold">
-                            <p:stCondLst>
-                              <p:cond delay="0"/>
-                            </p:stCondLst>
-                            <p:childTnLst>
-                              <p:par>
-                                <p:cTn id="25" presetID="10" presetClass="entr" presetSubtype="0" fill="hold" nodeType="clickEffect">
-                                  <p:stCondLst>
-                                    <p:cond delay="0"/>
-                                  </p:stCondLst>
-                                  <p:childTnLst>
-                                    <p:set>
-                                      <p:cBhvr>
-                                        <p:cTn id="26" dur="1" fill="hold">
-                                          <p:stCondLst>
-                                            <p:cond delay="0"/>
-                                          </p:stCondLst>
-                                        </p:cTn>
-                                        <p:tgtEl>
-                                          <p:spTgt spid="12">
-                                            <p:txEl>
-                                              <p:pRg st="2" end="2"/>
-                                            </p:txEl>
-                                          </p:spTgt>
-                                        </p:tgtEl>
-                                        <p:attrNameLst>
-                                          <p:attrName>style.visibility</p:attrName>
-                                        </p:attrNameLst>
-                                      </p:cBhvr>
-                                      <p:to>
-                                        <p:strVal val="visible"/>
-                                      </p:to>
-                                    </p:set>
-                                    <p:animEffect transition="in" filter="fade">
-                                      <p:cBhvr>
-                                        <p:cTn id="27" dur="500"/>
-                                        <p:tgtEl>
-                                          <p:spTgt spid="12">
-                                            <p:txEl>
-                                              <p:pRg st="2" end="2"/>
-                                            </p:txEl>
-                                          </p:spTgt>
-                                        </p:tgtEl>
-                                      </p:cBhvr>
-                                    </p:animEffect>
-                                  </p:childTnLst>
-                                </p:cTn>
-                              </p:par>
-                            </p:childTnLst>
-                          </p:cTn>
-                        </p:par>
-                      </p:childTnLst>
-                    </p:cTn>
-                  </p:par>
-                  <p:par>
-                    <p:cTn id="28" fill="hold">
-                      <p:stCondLst>
-                        <p:cond delay="indefinite"/>
-                      </p:stCondLst>
-                      <p:childTnLst>
-                        <p:par>
-                          <p:cTn id="29" fill="hold">
-                            <p:stCondLst>
-                              <p:cond delay="0"/>
-                            </p:stCondLst>
-                            <p:childTnLst>
-                              <p:par>
-                                <p:cTn id="30" presetID="10" presetClass="entr" presetSubtype="0" fill="hold" nodeType="clickEffect">
-                                  <p:stCondLst>
-                                    <p:cond delay="0"/>
-                                  </p:stCondLst>
-                                  <p:childTnLst>
-                                    <p:set>
-                                      <p:cBhvr>
-                                        <p:cTn id="31" dur="1" fill="hold">
-                                          <p:stCondLst>
-                                            <p:cond delay="0"/>
-                                          </p:stCondLst>
-                                        </p:cTn>
-                                        <p:tgtEl>
-                                          <p:spTgt spid="13">
-                                            <p:txEl>
-                                              <p:pRg st="2" end="2"/>
-                                            </p:txEl>
-                                          </p:spTgt>
-                                        </p:tgtEl>
-                                        <p:attrNameLst>
-                                          <p:attrName>style.visibility</p:attrName>
-                                        </p:attrNameLst>
-                                      </p:cBhvr>
-                                      <p:to>
-                                        <p:strVal val="visible"/>
-                                      </p:to>
-                                    </p:set>
-                                    <p:animEffect transition="in" filter="fade">
-                                      <p:cBhvr>
-                                        <p:cTn id="32" dur="500"/>
-                                        <p:tgtEl>
-                                          <p:spTgt spid="13">
-                                            <p:txEl>
-                                              <p:pRg st="2" end="2"/>
-                                            </p:txEl>
-                                          </p:spTgt>
-                                        </p:tgtEl>
-                                      </p:cBhvr>
-                                    </p:animEffect>
-                                  </p:childTnLst>
-                                </p:cTn>
-                              </p:par>
-                            </p:childTnLst>
-                          </p:cTn>
-                        </p:par>
-                      </p:childTnLst>
-                    </p:cTn>
-                  </p:par>
-                  <p:par>
-                    <p:cTn id="33" fill="hold">
-                      <p:stCondLst>
-                        <p:cond delay="indefinite"/>
-                      </p:stCondLst>
-                      <p:childTnLst>
-                        <p:par>
-                          <p:cTn id="34" fill="hold">
-                            <p:stCondLst>
-                              <p:cond delay="0"/>
-                            </p:stCondLst>
-                            <p:childTnLst>
-                              <p:par>
-                                <p:cTn id="35" presetID="10" presetClass="entr" presetSubtype="0" fill="hold" nodeType="clickEffect">
-                                  <p:stCondLst>
-                                    <p:cond delay="0"/>
-                                  </p:stCondLst>
-                                  <p:childTnLst>
-                                    <p:set>
-                                      <p:cBhvr>
-                                        <p:cTn id="36" dur="1" fill="hold">
-                                          <p:stCondLst>
-                                            <p:cond delay="0"/>
-                                          </p:stCondLst>
-                                        </p:cTn>
-                                        <p:tgtEl>
-                                          <p:spTgt spid="12">
-                                            <p:txEl>
-                                              <p:pRg st="3" end="3"/>
-                                            </p:txEl>
-                                          </p:spTgt>
-                                        </p:tgtEl>
-                                        <p:attrNameLst>
-                                          <p:attrName>style.visibility</p:attrName>
-                                        </p:attrNameLst>
-                                      </p:cBhvr>
-                                      <p:to>
-                                        <p:strVal val="visible"/>
-                                      </p:to>
-                                    </p:set>
-                                    <p:animEffect transition="in" filter="fade">
-                                      <p:cBhvr>
-                                        <p:cTn id="37" dur="500"/>
-                                        <p:tgtEl>
-                                          <p:spTgt spid="12">
-                                            <p:txEl>
-                                              <p:pRg st="3" end="3"/>
-                                            </p:txEl>
-                                          </p:spTgt>
-                                        </p:tgtEl>
-                                      </p:cBhvr>
-                                    </p:animEffect>
-                                  </p:childTnLst>
-                                </p:cTn>
-                              </p:par>
-                            </p:childTnLst>
-                          </p:cTn>
-                        </p:par>
-                      </p:childTnLst>
-                    </p:cTn>
-                  </p:par>
-                  <p:par>
-                    <p:cTn id="38" fill="hold">
-                      <p:stCondLst>
-                        <p:cond delay="indefinite"/>
-                      </p:stCondLst>
-                      <p:childTnLst>
-                        <p:par>
-                          <p:cTn id="39" fill="hold">
-                            <p:stCondLst>
-                              <p:cond delay="0"/>
-                            </p:stCondLst>
-                            <p:childTnLst>
-                              <p:par>
-                                <p:cTn id="40" presetID="10" presetClass="entr" presetSubtype="0" fill="hold" nodeType="clickEffect">
-                                  <p:stCondLst>
-                                    <p:cond delay="0"/>
-                                  </p:stCondLst>
-                                  <p:childTnLst>
-                                    <p:set>
-                                      <p:cBhvr>
-                                        <p:cTn id="41" dur="1" fill="hold">
-                                          <p:stCondLst>
-                                            <p:cond delay="0"/>
-                                          </p:stCondLst>
-                                        </p:cTn>
-                                        <p:tgtEl>
-                                          <p:spTgt spid="13">
-                                            <p:txEl>
-                                              <p:pRg st="3" end="3"/>
-                                            </p:txEl>
-                                          </p:spTgt>
-                                        </p:tgtEl>
-                                        <p:attrNameLst>
-                                          <p:attrName>style.visibility</p:attrName>
-                                        </p:attrNameLst>
-                                      </p:cBhvr>
-                                      <p:to>
-                                        <p:strVal val="visible"/>
-                                      </p:to>
-                                    </p:set>
-                                    <p:animEffect transition="in" filter="fade">
-                                      <p:cBhvr>
-                                        <p:cTn id="42" dur="500"/>
-                                        <p:tgtEl>
-                                          <p:spTgt spid="13">
-                                            <p:txEl>
-                                              <p:pRg st="3" end="3"/>
-                                            </p:txEl>
-                                          </p:spTgt>
-                                        </p:tgtEl>
-                                      </p:cBhvr>
-                                    </p:animEffect>
-                                  </p:childTnLst>
-                                </p:cTn>
-                              </p:par>
-                            </p:childTnLst>
-                          </p:cTn>
-                        </p:par>
-                      </p:childTnLst>
-                    </p:cTn>
-                  </p:par>
-                </p:childTnLst>
-              </p:cTn>
-              <p:prevCondLst>
-                <p:cond evt="onPrev" delay="0">
-                  <p:tgtEl>
-                    <p:sldTgt/>
-                  </p:tgtEl>
-                </p:cond>
-              </p:prevCondLst>
-              <p:nextCondLst>
-                <p:cond evt="onNext" delay="0">
-                  <p:tgtEl>
-                    <p:sldTgt/>
-                  </p:tgtEl>
-                </p:cond>
-              </p:nextCondLst>
-            </p:seq>
-          </p:childTnLst>
-        </p:cTn>
-      </p:par>
-    </p:tnLst>
-  </p:timing>
-</p:sld>
-</file>
-
-<file path=ppt/slides/slide9.xml><?xml version="1.0" encoding="utf-8"?>
+<file path=ppt/slides/slide7.xml><?xml version="1.0" encoding="utf-8"?>
 <p:sld xmlns:a="http://schemas.openxmlformats.org/drawingml/2006/main" xmlns:r="http://schemas.openxmlformats.org/officeDocument/2006/relationships" xmlns:p="http://schemas.openxmlformats.org/presentationml/2006/main">
   <p:cSld>
     <p:spTree>
@@ -14167,6 +9724,874 @@
         <p:cTn id="1" dur="indefinite" restart="never" nodeType="tmRoot"/>
       </p:par>
     </p:tnLst>
+  </p:timing>
+</p:sld>
+</file>
+
+<file path=ppt/slides/slide8.xml><?xml version="1.0" encoding="utf-8"?>
+<p:sld xmlns:a="http://schemas.openxmlformats.org/drawingml/2006/main" xmlns:r="http://schemas.openxmlformats.org/officeDocument/2006/relationships" xmlns:p="http://schemas.openxmlformats.org/presentationml/2006/main">
+  <p:cSld>
+    <p:spTree>
+      <p:nvGrpSpPr>
+        <p:cNvPr id="1" name=""/>
+        <p:cNvGrpSpPr/>
+        <p:nvPr/>
+      </p:nvGrpSpPr>
+      <p:grpSpPr>
+        <a:xfrm>
+          <a:off x="0" y="0"/>
+          <a:ext cx="0" cy="0"/>
+          <a:chOff x="0" y="0"/>
+          <a:chExt cx="0" cy="0"/>
+        </a:xfrm>
+      </p:grpSpPr>
+      <p:sp>
+        <p:nvSpPr>
+          <p:cNvPr id="2" name="Title 1"/>
+          <p:cNvSpPr>
+            <a:spLocks noGrp="1"/>
+          </p:cNvSpPr>
+          <p:nvPr>
+            <p:ph type="title"/>
+            <p:custDataLst>
+              <p:tags r:id="rId2"/>
+            </p:custDataLst>
+          </p:nvPr>
+        </p:nvSpPr>
+        <p:spPr/>
+        <p:txBody>
+          <a:bodyPr/>
+          <a:lstStyle/>
+          <a:p>
+            <a:r>
+              <a:rPr lang="en-US" dirty="0" smtClean="0"/>
+              <a:t>BDD </a:t>
+            </a:r>
+            <a:r>
+              <a:rPr lang="en-US" dirty="0" smtClean="0"/>
+              <a:t>Explained (</a:t>
+            </a:r>
+            <a:r>
+              <a:rPr lang="en-US" dirty="0" err="1" smtClean="0"/>
+              <a:t>sorta</a:t>
+            </a:r>
+            <a:r>
+              <a:rPr lang="en-US" dirty="0" smtClean="0"/>
+              <a:t>)</a:t>
+            </a:r>
+            <a:endParaRPr lang="en-US" dirty="0"/>
+          </a:p>
+        </p:txBody>
+      </p:sp>
+      <p:sp>
+        <p:nvSpPr>
+          <p:cNvPr id="5" name="Content Placeholder 4"/>
+          <p:cNvSpPr>
+            <a:spLocks noGrp="1"/>
+          </p:cNvSpPr>
+          <p:nvPr>
+            <p:ph idx="1"/>
+            <p:custDataLst>
+              <p:tags r:id="rId3"/>
+            </p:custDataLst>
+          </p:nvPr>
+        </p:nvSpPr>
+        <p:spPr/>
+        <p:txBody>
+          <a:bodyPr>
+            <a:normAutofit/>
+          </a:bodyPr>
+          <a:lstStyle/>
+          <a:p>
+            <a:r>
+              <a:rPr lang="en-US" sz="3600" dirty="0" smtClean="0"/>
+              <a:t>It’s an expansion of the ideas and practices of TDD.</a:t>
+            </a:r>
+          </a:p>
+          <a:p>
+            <a:r>
+              <a:rPr lang="en-US" sz="3600" dirty="0" smtClean="0"/>
+              <a:t>Focus is on the behavior of the system, not individual classes.</a:t>
+            </a:r>
+            <a:endParaRPr lang="en-US" sz="3600" dirty="0" smtClean="0"/>
+          </a:p>
+          <a:p>
+            <a:r>
+              <a:rPr lang="en-US" sz="3600" dirty="0" smtClean="0"/>
+              <a:t>View is at the forest-level, not tree-level.</a:t>
+            </a:r>
+          </a:p>
+          <a:p>
+            <a:r>
+              <a:rPr lang="en-US" sz="3600" dirty="0" smtClean="0"/>
+              <a:t>Specifications still drive development.</a:t>
+            </a:r>
+          </a:p>
+          <a:p>
+            <a:endParaRPr lang="en-US" dirty="0" smtClean="0"/>
+          </a:p>
+          <a:p>
+            <a:endParaRPr lang="en-US" dirty="0" smtClean="0"/>
+          </a:p>
+          <a:p>
+            <a:endParaRPr lang="en-US" dirty="0" smtClean="0"/>
+          </a:p>
+          <a:p>
+            <a:endParaRPr lang="en-US" dirty="0" smtClean="0"/>
+          </a:p>
+        </p:txBody>
+      </p:sp>
+    </p:spTree>
+    <p:custDataLst>
+      <p:tags r:id="rId1"/>
+    </p:custDataLst>
+    <p:extLst>
+      <p:ext uri="{BB962C8B-B14F-4D97-AF65-F5344CB8AC3E}">
+        <p14:creationId xmlns:p14="http://schemas.microsoft.com/office/powerpoint/2010/main" val="4249678773"/>
+      </p:ext>
+    </p:extLst>
+  </p:cSld>
+  <p:clrMapOvr>
+    <a:masterClrMapping/>
+  </p:clrMapOvr>
+  <p:transition spd="slow">
+    <p:wipe dir="d"/>
+  </p:transition>
+  <p:timing>
+    <p:tnLst>
+      <p:par>
+        <p:cTn id="1" dur="indefinite" restart="never" nodeType="tmRoot">
+          <p:childTnLst>
+            <p:seq concurrent="1" nextAc="seek">
+              <p:cTn id="2" dur="indefinite" nodeType="mainSeq">
+                <p:childTnLst>
+                  <p:par>
+                    <p:cTn id="3" fill="hold">
+                      <p:stCondLst>
+                        <p:cond delay="indefinite"/>
+                      </p:stCondLst>
+                      <p:childTnLst>
+                        <p:par>
+                          <p:cTn id="4" fill="hold">
+                            <p:stCondLst>
+                              <p:cond delay="0"/>
+                            </p:stCondLst>
+                            <p:childTnLst>
+                              <p:par>
+                                <p:cTn id="5" presetID="10" presetClass="entr" presetSubtype="0" fill="hold" grpId="0" nodeType="clickEffect">
+                                  <p:stCondLst>
+                                    <p:cond delay="0"/>
+                                  </p:stCondLst>
+                                  <p:childTnLst>
+                                    <p:set>
+                                      <p:cBhvr>
+                                        <p:cTn id="6" dur="1" fill="hold">
+                                          <p:stCondLst>
+                                            <p:cond delay="0"/>
+                                          </p:stCondLst>
+                                        </p:cTn>
+                                        <p:tgtEl>
+                                          <p:spTgt spid="5">
+                                            <p:txEl>
+                                              <p:pRg st="0" end="0"/>
+                                            </p:txEl>
+                                          </p:spTgt>
+                                        </p:tgtEl>
+                                        <p:attrNameLst>
+                                          <p:attrName>style.visibility</p:attrName>
+                                        </p:attrNameLst>
+                                      </p:cBhvr>
+                                      <p:to>
+                                        <p:strVal val="visible"/>
+                                      </p:to>
+                                    </p:set>
+                                    <p:animEffect transition="in" filter="fade">
+                                      <p:cBhvr>
+                                        <p:cTn id="7" dur="500"/>
+                                        <p:tgtEl>
+                                          <p:spTgt spid="5">
+                                            <p:txEl>
+                                              <p:pRg st="0" end="0"/>
+                                            </p:txEl>
+                                          </p:spTgt>
+                                        </p:tgtEl>
+                                      </p:cBhvr>
+                                    </p:animEffect>
+                                  </p:childTnLst>
+                                </p:cTn>
+                              </p:par>
+                            </p:childTnLst>
+                          </p:cTn>
+                        </p:par>
+                      </p:childTnLst>
+                    </p:cTn>
+                  </p:par>
+                  <p:par>
+                    <p:cTn id="8" fill="hold">
+                      <p:stCondLst>
+                        <p:cond delay="indefinite"/>
+                      </p:stCondLst>
+                      <p:childTnLst>
+                        <p:par>
+                          <p:cTn id="9" fill="hold">
+                            <p:stCondLst>
+                              <p:cond delay="0"/>
+                            </p:stCondLst>
+                            <p:childTnLst>
+                              <p:par>
+                                <p:cTn id="10" presetID="10" presetClass="entr" presetSubtype="0" fill="hold" grpId="0" nodeType="clickEffect">
+                                  <p:stCondLst>
+                                    <p:cond delay="0"/>
+                                  </p:stCondLst>
+                                  <p:childTnLst>
+                                    <p:set>
+                                      <p:cBhvr>
+                                        <p:cTn id="11" dur="1" fill="hold">
+                                          <p:stCondLst>
+                                            <p:cond delay="0"/>
+                                          </p:stCondLst>
+                                        </p:cTn>
+                                        <p:tgtEl>
+                                          <p:spTgt spid="5">
+                                            <p:txEl>
+                                              <p:pRg st="1" end="1"/>
+                                            </p:txEl>
+                                          </p:spTgt>
+                                        </p:tgtEl>
+                                        <p:attrNameLst>
+                                          <p:attrName>style.visibility</p:attrName>
+                                        </p:attrNameLst>
+                                      </p:cBhvr>
+                                      <p:to>
+                                        <p:strVal val="visible"/>
+                                      </p:to>
+                                    </p:set>
+                                    <p:animEffect transition="in" filter="fade">
+                                      <p:cBhvr>
+                                        <p:cTn id="12" dur="500"/>
+                                        <p:tgtEl>
+                                          <p:spTgt spid="5">
+                                            <p:txEl>
+                                              <p:pRg st="1" end="1"/>
+                                            </p:txEl>
+                                          </p:spTgt>
+                                        </p:tgtEl>
+                                      </p:cBhvr>
+                                    </p:animEffect>
+                                  </p:childTnLst>
+                                </p:cTn>
+                              </p:par>
+                            </p:childTnLst>
+                          </p:cTn>
+                        </p:par>
+                      </p:childTnLst>
+                    </p:cTn>
+                  </p:par>
+                  <p:par>
+                    <p:cTn id="13" fill="hold">
+                      <p:stCondLst>
+                        <p:cond delay="indefinite"/>
+                      </p:stCondLst>
+                      <p:childTnLst>
+                        <p:par>
+                          <p:cTn id="14" fill="hold">
+                            <p:stCondLst>
+                              <p:cond delay="0"/>
+                            </p:stCondLst>
+                            <p:childTnLst>
+                              <p:par>
+                                <p:cTn id="15" presetID="10" presetClass="entr" presetSubtype="0" fill="hold" grpId="0" nodeType="clickEffect">
+                                  <p:stCondLst>
+                                    <p:cond delay="0"/>
+                                  </p:stCondLst>
+                                  <p:childTnLst>
+                                    <p:set>
+                                      <p:cBhvr>
+                                        <p:cTn id="16" dur="1" fill="hold">
+                                          <p:stCondLst>
+                                            <p:cond delay="0"/>
+                                          </p:stCondLst>
+                                        </p:cTn>
+                                        <p:tgtEl>
+                                          <p:spTgt spid="5">
+                                            <p:txEl>
+                                              <p:pRg st="2" end="2"/>
+                                            </p:txEl>
+                                          </p:spTgt>
+                                        </p:tgtEl>
+                                        <p:attrNameLst>
+                                          <p:attrName>style.visibility</p:attrName>
+                                        </p:attrNameLst>
+                                      </p:cBhvr>
+                                      <p:to>
+                                        <p:strVal val="visible"/>
+                                      </p:to>
+                                    </p:set>
+                                    <p:animEffect transition="in" filter="fade">
+                                      <p:cBhvr>
+                                        <p:cTn id="17" dur="500"/>
+                                        <p:tgtEl>
+                                          <p:spTgt spid="5">
+                                            <p:txEl>
+                                              <p:pRg st="2" end="2"/>
+                                            </p:txEl>
+                                          </p:spTgt>
+                                        </p:tgtEl>
+                                      </p:cBhvr>
+                                    </p:animEffect>
+                                  </p:childTnLst>
+                                </p:cTn>
+                              </p:par>
+                            </p:childTnLst>
+                          </p:cTn>
+                        </p:par>
+                      </p:childTnLst>
+                    </p:cTn>
+                  </p:par>
+                  <p:par>
+                    <p:cTn id="18" fill="hold">
+                      <p:stCondLst>
+                        <p:cond delay="indefinite"/>
+                      </p:stCondLst>
+                      <p:childTnLst>
+                        <p:par>
+                          <p:cTn id="19" fill="hold">
+                            <p:stCondLst>
+                              <p:cond delay="0"/>
+                            </p:stCondLst>
+                            <p:childTnLst>
+                              <p:par>
+                                <p:cTn id="20" presetID="10" presetClass="entr" presetSubtype="0" fill="hold" grpId="0" nodeType="clickEffect">
+                                  <p:stCondLst>
+                                    <p:cond delay="0"/>
+                                  </p:stCondLst>
+                                  <p:childTnLst>
+                                    <p:set>
+                                      <p:cBhvr>
+                                        <p:cTn id="21" dur="1" fill="hold">
+                                          <p:stCondLst>
+                                            <p:cond delay="0"/>
+                                          </p:stCondLst>
+                                        </p:cTn>
+                                        <p:tgtEl>
+                                          <p:spTgt spid="5">
+                                            <p:txEl>
+                                              <p:pRg st="3" end="3"/>
+                                            </p:txEl>
+                                          </p:spTgt>
+                                        </p:tgtEl>
+                                        <p:attrNameLst>
+                                          <p:attrName>style.visibility</p:attrName>
+                                        </p:attrNameLst>
+                                      </p:cBhvr>
+                                      <p:to>
+                                        <p:strVal val="visible"/>
+                                      </p:to>
+                                    </p:set>
+                                    <p:animEffect transition="in" filter="fade">
+                                      <p:cBhvr>
+                                        <p:cTn id="22" dur="500"/>
+                                        <p:tgtEl>
+                                          <p:spTgt spid="5">
+                                            <p:txEl>
+                                              <p:pRg st="3" end="3"/>
+                                            </p:txEl>
+                                          </p:spTgt>
+                                        </p:tgtEl>
+                                      </p:cBhvr>
+                                    </p:animEffect>
+                                  </p:childTnLst>
+                                </p:cTn>
+                              </p:par>
+                            </p:childTnLst>
+                          </p:cTn>
+                        </p:par>
+                      </p:childTnLst>
+                    </p:cTn>
+                  </p:par>
+                </p:childTnLst>
+              </p:cTn>
+              <p:prevCondLst>
+                <p:cond evt="onPrev" delay="0">
+                  <p:tgtEl>
+                    <p:sldTgt/>
+                  </p:tgtEl>
+                </p:cond>
+              </p:prevCondLst>
+              <p:nextCondLst>
+                <p:cond evt="onNext" delay="0">
+                  <p:tgtEl>
+                    <p:sldTgt/>
+                  </p:tgtEl>
+                </p:cond>
+              </p:nextCondLst>
+            </p:seq>
+          </p:childTnLst>
+        </p:cTn>
+      </p:par>
+    </p:tnLst>
+    <p:bldLst>
+      <p:bldP spid="5" grpId="0" build="p"/>
+    </p:bldLst>
+  </p:timing>
+</p:sld>
+</file>
+
+<file path=ppt/slides/slide9.xml><?xml version="1.0" encoding="utf-8"?>
+<p:sld xmlns:a="http://schemas.openxmlformats.org/drawingml/2006/main" xmlns:r="http://schemas.openxmlformats.org/officeDocument/2006/relationships" xmlns:p="http://schemas.openxmlformats.org/presentationml/2006/main">
+  <p:cSld>
+    <p:spTree>
+      <p:nvGrpSpPr>
+        <p:cNvPr id="1" name=""/>
+        <p:cNvGrpSpPr/>
+        <p:nvPr/>
+      </p:nvGrpSpPr>
+      <p:grpSpPr>
+        <a:xfrm>
+          <a:off x="0" y="0"/>
+          <a:ext cx="0" cy="0"/>
+          <a:chOff x="0" y="0"/>
+          <a:chExt cx="0" cy="0"/>
+        </a:xfrm>
+      </p:grpSpPr>
+      <p:sp>
+        <p:nvSpPr>
+          <p:cNvPr id="2" name="Title 1"/>
+          <p:cNvSpPr>
+            <a:spLocks noGrp="1"/>
+          </p:cNvSpPr>
+          <p:nvPr>
+            <p:ph type="title"/>
+            <p:custDataLst>
+              <p:tags r:id="rId2"/>
+            </p:custDataLst>
+          </p:nvPr>
+        </p:nvSpPr>
+        <p:spPr/>
+        <p:txBody>
+          <a:bodyPr/>
+          <a:lstStyle/>
+          <a:p>
+            <a:r>
+              <a:rPr lang="en-US" dirty="0" smtClean="0"/>
+              <a:t>How to do BDD with </a:t>
+            </a:r>
+            <a:r>
+              <a:rPr lang="en-US" dirty="0" err="1" smtClean="0"/>
+              <a:t>SpecFlow</a:t>
+            </a:r>
+            <a:endParaRPr lang="en-US" dirty="0"/>
+          </a:p>
+        </p:txBody>
+      </p:sp>
+      <p:sp>
+        <p:nvSpPr>
+          <p:cNvPr id="5" name="Content Placeholder 4"/>
+          <p:cNvSpPr>
+            <a:spLocks noGrp="1"/>
+          </p:cNvSpPr>
+          <p:nvPr>
+            <p:ph idx="1"/>
+            <p:custDataLst>
+              <p:tags r:id="rId3"/>
+            </p:custDataLst>
+          </p:nvPr>
+        </p:nvSpPr>
+        <p:spPr/>
+        <p:txBody>
+          <a:bodyPr>
+            <a:normAutofit/>
+          </a:bodyPr>
+          <a:lstStyle/>
+          <a:p>
+            <a:r>
+              <a:rPr lang="en-US" dirty="0" smtClean="0"/>
+              <a:t>Write a “feature” that defines what you want your application to use in plain text.</a:t>
+            </a:r>
+          </a:p>
+          <a:p>
+            <a:r>
+              <a:rPr lang="en-US" dirty="0" smtClean="0"/>
+              <a:t>Yello</a:t>
+            </a:r>
+            <a:r>
+              <a:rPr lang="en-US" dirty="0" smtClean="0"/>
+              <a:t>w</a:t>
+            </a:r>
+          </a:p>
+          <a:p>
+            <a:r>
+              <a:rPr lang="en-US" dirty="0" smtClean="0"/>
+              <a:t>Red</a:t>
+            </a:r>
+          </a:p>
+          <a:p>
+            <a:r>
+              <a:rPr lang="en-US" dirty="0" smtClean="0"/>
+              <a:t>Green</a:t>
+            </a:r>
+          </a:p>
+          <a:p>
+            <a:r>
+              <a:rPr lang="en-US" dirty="0" smtClean="0"/>
+              <a:t>Refactor</a:t>
+            </a:r>
+          </a:p>
+        </p:txBody>
+      </p:sp>
+    </p:spTree>
+    <p:custDataLst>
+      <p:tags r:id="rId1"/>
+    </p:custDataLst>
+    <p:extLst>
+      <p:ext uri="{BB962C8B-B14F-4D97-AF65-F5344CB8AC3E}">
+        <p14:creationId xmlns:p14="http://schemas.microsoft.com/office/powerpoint/2010/main" val="1450232499"/>
+      </p:ext>
+    </p:extLst>
+  </p:cSld>
+  <p:clrMapOvr>
+    <a:masterClrMapping/>
+  </p:clrMapOvr>
+  <p:transition spd="slow">
+    <p:wipe dir="d"/>
+  </p:transition>
+  <p:timing>
+    <p:tnLst>
+      <p:par>
+        <p:cTn id="1" dur="indefinite" restart="never" nodeType="tmRoot">
+          <p:childTnLst>
+            <p:seq concurrent="1" nextAc="seek">
+              <p:cTn id="2" dur="indefinite" nodeType="mainSeq">
+                <p:childTnLst>
+                  <p:par>
+                    <p:cTn id="3" fill="hold">
+                      <p:stCondLst>
+                        <p:cond delay="indefinite"/>
+                      </p:stCondLst>
+                      <p:childTnLst>
+                        <p:par>
+                          <p:cTn id="4" fill="hold">
+                            <p:stCondLst>
+                              <p:cond delay="0"/>
+                            </p:stCondLst>
+                            <p:childTnLst>
+                              <p:par>
+                                <p:cTn id="5" presetID="10" presetClass="entr" presetSubtype="0" fill="hold" grpId="0" nodeType="clickEffect">
+                                  <p:stCondLst>
+                                    <p:cond delay="0"/>
+                                  </p:stCondLst>
+                                  <p:childTnLst>
+                                    <p:set>
+                                      <p:cBhvr>
+                                        <p:cTn id="6" dur="1" fill="hold">
+                                          <p:stCondLst>
+                                            <p:cond delay="0"/>
+                                          </p:stCondLst>
+                                        </p:cTn>
+                                        <p:tgtEl>
+                                          <p:spTgt spid="5">
+                                            <p:txEl>
+                                              <p:pRg st="0" end="0"/>
+                                            </p:txEl>
+                                          </p:spTgt>
+                                        </p:tgtEl>
+                                        <p:attrNameLst>
+                                          <p:attrName>style.visibility</p:attrName>
+                                        </p:attrNameLst>
+                                      </p:cBhvr>
+                                      <p:to>
+                                        <p:strVal val="visible"/>
+                                      </p:to>
+                                    </p:set>
+                                    <p:animEffect transition="in" filter="fade">
+                                      <p:cBhvr>
+                                        <p:cTn id="7" dur="500"/>
+                                        <p:tgtEl>
+                                          <p:spTgt spid="5">
+                                            <p:txEl>
+                                              <p:pRg st="0" end="0"/>
+                                            </p:txEl>
+                                          </p:spTgt>
+                                        </p:tgtEl>
+                                      </p:cBhvr>
+                                    </p:animEffect>
+                                  </p:childTnLst>
+                                </p:cTn>
+                              </p:par>
+                            </p:childTnLst>
+                          </p:cTn>
+                        </p:par>
+                      </p:childTnLst>
+                    </p:cTn>
+                  </p:par>
+                  <p:par>
+                    <p:cTn id="8" fill="hold">
+                      <p:stCondLst>
+                        <p:cond delay="indefinite"/>
+                      </p:stCondLst>
+                      <p:childTnLst>
+                        <p:par>
+                          <p:cTn id="9" fill="hold">
+                            <p:stCondLst>
+                              <p:cond delay="0"/>
+                            </p:stCondLst>
+                            <p:childTnLst>
+                              <p:par>
+                                <p:cTn id="10" presetID="10" presetClass="entr" presetSubtype="0" fill="hold" grpId="0" nodeType="clickEffect">
+                                  <p:stCondLst>
+                                    <p:cond delay="0"/>
+                                  </p:stCondLst>
+                                  <p:childTnLst>
+                                    <p:set>
+                                      <p:cBhvr>
+                                        <p:cTn id="11" dur="1" fill="hold">
+                                          <p:stCondLst>
+                                            <p:cond delay="0"/>
+                                          </p:stCondLst>
+                                        </p:cTn>
+                                        <p:tgtEl>
+                                          <p:spTgt spid="5">
+                                            <p:txEl>
+                                              <p:pRg st="1" end="1"/>
+                                            </p:txEl>
+                                          </p:spTgt>
+                                        </p:tgtEl>
+                                        <p:attrNameLst>
+                                          <p:attrName>style.visibility</p:attrName>
+                                        </p:attrNameLst>
+                                      </p:cBhvr>
+                                      <p:to>
+                                        <p:strVal val="visible"/>
+                                      </p:to>
+                                    </p:set>
+                                    <p:animEffect transition="in" filter="fade">
+                                      <p:cBhvr>
+                                        <p:cTn id="12" dur="500"/>
+                                        <p:tgtEl>
+                                          <p:spTgt spid="5">
+                                            <p:txEl>
+                                              <p:pRg st="1" end="1"/>
+                                            </p:txEl>
+                                          </p:spTgt>
+                                        </p:tgtEl>
+                                      </p:cBhvr>
+                                    </p:animEffect>
+                                  </p:childTnLst>
+                                </p:cTn>
+                              </p:par>
+                            </p:childTnLst>
+                          </p:cTn>
+                        </p:par>
+                      </p:childTnLst>
+                    </p:cTn>
+                  </p:par>
+                  <p:par>
+                    <p:cTn id="13" fill="hold">
+                      <p:stCondLst>
+                        <p:cond delay="indefinite"/>
+                      </p:stCondLst>
+                      <p:childTnLst>
+                        <p:par>
+                          <p:cTn id="14" fill="hold">
+                            <p:stCondLst>
+                              <p:cond delay="0"/>
+                            </p:stCondLst>
+                            <p:childTnLst>
+                              <p:par>
+                                <p:cTn id="15" presetID="10" presetClass="entr" presetSubtype="0" fill="hold" grpId="0" nodeType="clickEffect">
+                                  <p:stCondLst>
+                                    <p:cond delay="0"/>
+                                  </p:stCondLst>
+                                  <p:childTnLst>
+                                    <p:set>
+                                      <p:cBhvr>
+                                        <p:cTn id="16" dur="1" fill="hold">
+                                          <p:stCondLst>
+                                            <p:cond delay="0"/>
+                                          </p:stCondLst>
+                                        </p:cTn>
+                                        <p:tgtEl>
+                                          <p:spTgt spid="5">
+                                            <p:txEl>
+                                              <p:pRg st="2" end="2"/>
+                                            </p:txEl>
+                                          </p:spTgt>
+                                        </p:tgtEl>
+                                        <p:attrNameLst>
+                                          <p:attrName>style.visibility</p:attrName>
+                                        </p:attrNameLst>
+                                      </p:cBhvr>
+                                      <p:to>
+                                        <p:strVal val="visible"/>
+                                      </p:to>
+                                    </p:set>
+                                    <p:animEffect transition="in" filter="fade">
+                                      <p:cBhvr>
+                                        <p:cTn id="17" dur="500"/>
+                                        <p:tgtEl>
+                                          <p:spTgt spid="5">
+                                            <p:txEl>
+                                              <p:pRg st="2" end="2"/>
+                                            </p:txEl>
+                                          </p:spTgt>
+                                        </p:tgtEl>
+                                      </p:cBhvr>
+                                    </p:animEffect>
+                                  </p:childTnLst>
+                                </p:cTn>
+                              </p:par>
+                            </p:childTnLst>
+                          </p:cTn>
+                        </p:par>
+                      </p:childTnLst>
+                    </p:cTn>
+                  </p:par>
+                  <p:par>
+                    <p:cTn id="18" fill="hold">
+                      <p:stCondLst>
+                        <p:cond delay="indefinite"/>
+                      </p:stCondLst>
+                      <p:childTnLst>
+                        <p:par>
+                          <p:cTn id="19" fill="hold">
+                            <p:stCondLst>
+                              <p:cond delay="0"/>
+                            </p:stCondLst>
+                            <p:childTnLst>
+                              <p:par>
+                                <p:cTn id="20" presetID="10" presetClass="entr" presetSubtype="0" fill="hold" grpId="0" nodeType="clickEffect">
+                                  <p:stCondLst>
+                                    <p:cond delay="0"/>
+                                  </p:stCondLst>
+                                  <p:childTnLst>
+                                    <p:set>
+                                      <p:cBhvr>
+                                        <p:cTn id="21" dur="1" fill="hold">
+                                          <p:stCondLst>
+                                            <p:cond delay="0"/>
+                                          </p:stCondLst>
+                                        </p:cTn>
+                                        <p:tgtEl>
+                                          <p:spTgt spid="5">
+                                            <p:txEl>
+                                              <p:pRg st="3" end="3"/>
+                                            </p:txEl>
+                                          </p:spTgt>
+                                        </p:tgtEl>
+                                        <p:attrNameLst>
+                                          <p:attrName>style.visibility</p:attrName>
+                                        </p:attrNameLst>
+                                      </p:cBhvr>
+                                      <p:to>
+                                        <p:strVal val="visible"/>
+                                      </p:to>
+                                    </p:set>
+                                    <p:animEffect transition="in" filter="fade">
+                                      <p:cBhvr>
+                                        <p:cTn id="22" dur="500"/>
+                                        <p:tgtEl>
+                                          <p:spTgt spid="5">
+                                            <p:txEl>
+                                              <p:pRg st="3" end="3"/>
+                                            </p:txEl>
+                                          </p:spTgt>
+                                        </p:tgtEl>
+                                      </p:cBhvr>
+                                    </p:animEffect>
+                                  </p:childTnLst>
+                                </p:cTn>
+                              </p:par>
+                            </p:childTnLst>
+                          </p:cTn>
+                        </p:par>
+                      </p:childTnLst>
+                    </p:cTn>
+                  </p:par>
+                  <p:par>
+                    <p:cTn id="23" fill="hold">
+                      <p:stCondLst>
+                        <p:cond delay="indefinite"/>
+                      </p:stCondLst>
+                      <p:childTnLst>
+                        <p:par>
+                          <p:cTn id="24" fill="hold">
+                            <p:stCondLst>
+                              <p:cond delay="0"/>
+                            </p:stCondLst>
+                            <p:childTnLst>
+                              <p:par>
+                                <p:cTn id="25" presetID="10" presetClass="entr" presetSubtype="0" fill="hold" grpId="0" nodeType="clickEffect">
+                                  <p:stCondLst>
+                                    <p:cond delay="0"/>
+                                  </p:stCondLst>
+                                  <p:childTnLst>
+                                    <p:set>
+                                      <p:cBhvr>
+                                        <p:cTn id="26" dur="1" fill="hold">
+                                          <p:stCondLst>
+                                            <p:cond delay="0"/>
+                                          </p:stCondLst>
+                                        </p:cTn>
+                                        <p:tgtEl>
+                                          <p:spTgt spid="5">
+                                            <p:txEl>
+                                              <p:pRg st="4" end="4"/>
+                                            </p:txEl>
+                                          </p:spTgt>
+                                        </p:tgtEl>
+                                        <p:attrNameLst>
+                                          <p:attrName>style.visibility</p:attrName>
+                                        </p:attrNameLst>
+                                      </p:cBhvr>
+                                      <p:to>
+                                        <p:strVal val="visible"/>
+                                      </p:to>
+                                    </p:set>
+                                    <p:animEffect transition="in" filter="fade">
+                                      <p:cBhvr>
+                                        <p:cTn id="27" dur="500"/>
+                                        <p:tgtEl>
+                                          <p:spTgt spid="5">
+                                            <p:txEl>
+                                              <p:pRg st="4" end="4"/>
+                                            </p:txEl>
+                                          </p:spTgt>
+                                        </p:tgtEl>
+                                      </p:cBhvr>
+                                    </p:animEffect>
+                                  </p:childTnLst>
+                                </p:cTn>
+                              </p:par>
+                            </p:childTnLst>
+                          </p:cTn>
+                        </p:par>
+                      </p:childTnLst>
+                    </p:cTn>
+                  </p:par>
+                </p:childTnLst>
+              </p:cTn>
+              <p:prevCondLst>
+                <p:cond evt="onPrev" delay="0">
+                  <p:tgtEl>
+                    <p:sldTgt/>
+                  </p:tgtEl>
+                </p:cond>
+              </p:prevCondLst>
+              <p:nextCondLst>
+                <p:cond evt="onNext" delay="0">
+                  <p:tgtEl>
+                    <p:sldTgt/>
+                  </p:tgtEl>
+                </p:cond>
+              </p:nextCondLst>
+            </p:seq>
+          </p:childTnLst>
+        </p:cTn>
+      </p:par>
+    </p:tnLst>
+    <p:bldLst>
+      <p:bldP spid="5" grpId="0" build="p"/>
+    </p:bldLst>
   </p:timing>
 </p:sld>
 </file>
@@ -14328,24 +10753,6 @@
 </file>
 
 <file path=ppt/tags/tag33.xml><?xml version="1.0" encoding="utf-8"?>
-<p:tagLst xmlns:a="http://schemas.openxmlformats.org/drawingml/2006/main" xmlns:r="http://schemas.openxmlformats.org/officeDocument/2006/relationships" xmlns:p="http://schemas.openxmlformats.org/presentationml/2006/main">
-  <p:tag name="DVSHAPEID" val="retnMj4SFfqbVIhVK0Rf83"/>
-</p:tagLst>
-</file>
-
-<file path=ppt/tags/tag34.xml><?xml version="1.0" encoding="utf-8"?>
-<p:tagLst xmlns:a="http://schemas.openxmlformats.org/drawingml/2006/main" xmlns:r="http://schemas.openxmlformats.org/officeDocument/2006/relationships" xmlns:p="http://schemas.openxmlformats.org/presentationml/2006/main">
-  <p:tag name="DVSECTIONID" val="QUq8QELArFIgadhH063fpq"/>
-</p:tagLst>
-</file>
-
-<file path=ppt/tags/tag35.xml><?xml version="1.0" encoding="utf-8"?>
-<p:tagLst xmlns:a="http://schemas.openxmlformats.org/drawingml/2006/main" xmlns:r="http://schemas.openxmlformats.org/officeDocument/2006/relationships" xmlns:p="http://schemas.openxmlformats.org/presentationml/2006/main">
-  <p:tag name="DVSHAPEID" val="InkrlxYPS4jAzciXk8ToAM"/>
-</p:tagLst>
-</file>
-
-<file path=ppt/tags/tag36.xml><?xml version="1.0" encoding="utf-8"?>
 <p:tagLst xmlns:a="http://schemas.openxmlformats.org/drawingml/2006/main" xmlns:r="http://schemas.openxmlformats.org/officeDocument/2006/relationships" xmlns:p="http://schemas.openxmlformats.org/presentationml/2006/main">
   <p:tag name="DVSHAPEID" val="retnMj4SFfqbVIhVK0Rf83"/>
 </p:tagLst>

--- a/BDD and SpecFlow.pptx
+++ b/BDD and SpecFlow.pptx
@@ -6131,9 +6131,6 @@
               </a:rPr>
               <a:t>10/6/2010</a:t>
             </a:r>
-            <a:endParaRPr lang="en-US" sz="2400" dirty="0" smtClean="0">
-              <a:latin typeface="+mn-lt"/>
-            </a:endParaRPr>
           </a:p>
           <a:p>
             <a:endParaRPr lang="en-US" sz="2400" dirty="0">
@@ -6781,19 +6778,7 @@
           <a:p>
             <a:r>
               <a:rPr lang="en-US" sz="4000" dirty="0" smtClean="0"/>
-              <a:t>BDD </a:t>
-            </a:r>
-            <a:r>
-              <a:rPr lang="en-US" sz="4000" dirty="0" smtClean="0"/>
-              <a:t>is still </a:t>
-            </a:r>
-            <a:r>
-              <a:rPr lang="en-US" sz="4000" dirty="0" smtClean="0"/>
-              <a:t>TDD, </a:t>
-            </a:r>
-            <a:r>
-              <a:rPr lang="en-US" sz="4000" dirty="0" smtClean="0"/>
-              <a:t>but with a focus on the business requirements.</a:t>
+              <a:t>BDD is still TDD, but with a focus on the business requirements.</a:t>
             </a:r>
           </a:p>
           <a:p>
@@ -6807,7 +6792,6 @@
               <a:rPr lang="en-US" sz="4000" dirty="0" smtClean="0"/>
               <a:t>Most of the best unit testing practices still apply to BDD.</a:t>
             </a:r>
-            <a:endParaRPr lang="en-US" sz="4000" dirty="0" smtClean="0"/>
           </a:p>
         </p:txBody>
       </p:sp>
@@ -7105,7 +7089,7 @@
         <p:spPr/>
         <p:txBody>
           <a:bodyPr>
-            <a:normAutofit/>
+            <a:normAutofit fontScale="92500" lnSpcReduction="10000"/>
           </a:bodyPr>
           <a:lstStyle/>
           <a:p>
@@ -7117,15 +7101,29 @@
           <a:p>
             <a:r>
               <a:rPr lang="en-US" sz="4000" dirty="0" smtClean="0"/>
-              <a:t>It’s hard to go wrong with TDD, but when BDD is a better fit, use it.</a:t>
-            </a:r>
+              <a:t>It’s hard to go wrong with TDD, but when BDD is a better fit, use it</a:t>
+            </a:r>
+            <a:r>
+              <a:rPr lang="en-US" sz="4000" dirty="0" smtClean="0"/>
+              <a:t>.</a:t>
+            </a:r>
+          </a:p>
+          <a:p>
+            <a:r>
+              <a:rPr lang="en-US" sz="4000" dirty="0" smtClean="0"/>
+              <a:t>Your code-only tests aren’t as easy to read as </a:t>
+            </a:r>
+            <a:r>
+              <a:rPr lang="en-US" sz="4000" smtClean="0"/>
+              <a:t>you think.</a:t>
+            </a:r>
+            <a:endParaRPr lang="en-US" sz="4000" dirty="0" smtClean="0"/>
           </a:p>
           <a:p>
             <a:r>
               <a:rPr lang="en-US" sz="4000" dirty="0" smtClean="0"/>
               <a:t>No matter what you do, test.</a:t>
             </a:r>
-            <a:endParaRPr lang="en-US" sz="4000" dirty="0" smtClean="0"/>
           </a:p>
         </p:txBody>
       </p:sp>
@@ -7336,6 +7334,67 @@
                       </p:childTnLst>
                     </p:cTn>
                   </p:par>
+                  <p:par>
+                    <p:cTn id="18" fill="hold">
+                      <p:stCondLst>
+                        <p:cond delay="indefinite"/>
+                      </p:stCondLst>
+                      <p:childTnLst>
+                        <p:par>
+                          <p:cTn id="19" fill="hold">
+                            <p:stCondLst>
+                              <p:cond delay="0"/>
+                            </p:stCondLst>
+                            <p:childTnLst>
+                              <p:par>
+                                <p:cTn id="20" presetID="10" presetClass="entr" presetSubtype="0" fill="hold" grpId="0" nodeType="clickEffect">
+                                  <p:stCondLst>
+                                    <p:cond delay="0"/>
+                                  </p:stCondLst>
+                                  <p:childTnLst>
+                                    <p:set>
+                                      <p:cBhvr>
+                                        <p:cTn id="21" dur="1" fill="hold">
+                                          <p:stCondLst>
+                                            <p:cond delay="0"/>
+                                          </p:stCondLst>
+                                        </p:cTn>
+                                        <p:tgtEl>
+                                          <p:spTgt spid="5">
+                                            <p:txEl>
+                                              <p:pRg st="3" end="3"/>
+                                            </p:txEl>
+                                          </p:spTgt>
+                                        </p:tgtEl>
+                                        <p:attrNameLst>
+                                          <p:attrName>style.visibility</p:attrName>
+                                        </p:attrNameLst>
+                                      </p:cBhvr>
+                                      <p:to>
+                                        <p:strVal val="visible"/>
+                                      </p:to>
+                                    </p:set>
+                                    <p:animEffect transition="in" filter="fade">
+                                      <p:cBhvr>
+                                        <p:cTn id="22" dur="500"/>
+                                        <p:tgtEl>
+                                          <p:spTgt spid="5">
+                                            <p:txEl>
+                                              <p:pRg st="3" end="3"/>
+                                            </p:txEl>
+                                          </p:spTgt>
+                                        </p:tgtEl>
+                                      </p:cBhvr>
+                                    </p:animEffect>
+                                  </p:childTnLst>
+                                </p:cTn>
+                              </p:par>
+                            </p:childTnLst>
+                          </p:cTn>
+                        </p:par>
+                      </p:childTnLst>
+                    </p:cTn>
+                  </p:par>
                 </p:childTnLst>
               </p:cTn>
               <p:prevCondLst>
@@ -7443,7 +7502,6 @@
               <a:rPr lang="en-US" sz="4000" dirty="0" smtClean="0"/>
               <a:t>Software that can be explained.</a:t>
             </a:r>
-            <a:endParaRPr lang="en-US" sz="4000" dirty="0" smtClean="0"/>
           </a:p>
           <a:p>
             <a:r>
@@ -9284,14 +9342,12 @@
               <a:rPr lang="en-US" dirty="0" smtClean="0"/>
               <a:t>Feature – What does your app do?</a:t>
             </a:r>
-            <a:endParaRPr lang="en-US" dirty="0" smtClean="0"/>
           </a:p>
           <a:p>
             <a:r>
               <a:rPr lang="en-US" dirty="0" smtClean="0"/>
               <a:t>Scenario – Given [X] context, what should occur?</a:t>
             </a:r>
-            <a:endParaRPr lang="en-US" dirty="0" smtClean="0"/>
           </a:p>
           <a:p>
             <a:r>
@@ -9304,7 +9360,6 @@
               <a:rPr lang="en-US" dirty="0" smtClean="0"/>
               <a:t>Step Definitions – The binding between your Steps to what they mean in code.</a:t>
             </a:r>
-            <a:endParaRPr lang="en-US" dirty="0" smtClean="0"/>
           </a:p>
         </p:txBody>
       </p:sp>
@@ -9765,11 +9820,7 @@
           <a:p>
             <a:r>
               <a:rPr lang="en-US" dirty="0" smtClean="0"/>
-              <a:t>BDD </a:t>
-            </a:r>
-            <a:r>
-              <a:rPr lang="en-US" dirty="0" smtClean="0"/>
-              <a:t>Explained (</a:t>
+              <a:t>BDD Explained (</a:t>
             </a:r>
             <a:r>
               <a:rPr lang="en-US" dirty="0" err="1" smtClean="0"/>
@@ -9813,7 +9864,6 @@
               <a:rPr lang="en-US" sz="3600" dirty="0" smtClean="0"/>
               <a:t>Focus is on the behavior of the system, not individual classes.</a:t>
             </a:r>
-            <a:endParaRPr lang="en-US" sz="3600" dirty="0" smtClean="0"/>
           </a:p>
           <a:p>
             <a:r>
@@ -10212,11 +10262,7 @@
           <a:p>
             <a:r>
               <a:rPr lang="en-US" dirty="0" smtClean="0"/>
-              <a:t>Yello</a:t>
-            </a:r>
-            <a:r>
-              <a:rPr lang="en-US" dirty="0" smtClean="0"/>
-              <a:t>w</a:t>
+              <a:t>Yellow</a:t>
             </a:r>
           </a:p>
           <a:p>

--- a/BDD and SpecFlow.pptx
+++ b/BDD and SpecFlow.pptx
@@ -239,7 +239,7 @@
             <a:fld id="{D83FDC75-7F73-4A4A-A77C-09AADF00E0EA}" type="datetimeFigureOut">
               <a:rPr lang="en-US" smtClean="0"/>
               <a:pPr/>
-              <a:t>11/2/2010</a:t>
+              <a:t>11/3/2010</a:t>
             </a:fld>
             <a:endParaRPr lang="en-US" dirty="0"/>
           </a:p>
@@ -406,7 +406,7 @@
             <a:fld id="{48AEF76B-3757-4A0B-AF93-28494465C1DD}" type="datetimeFigureOut">
               <a:rPr lang="en-US" smtClean="0"/>
               <a:pPr/>
-              <a:t>11/2/2010</a:t>
+              <a:t>11/3/2010</a:t>
             </a:fld>
             <a:endParaRPr lang="en-US" dirty="0"/>
           </a:p>
@@ -2942,7 +2942,7 @@
             <a:fld id="{757B281C-5159-4971-8228-52B9A72E9ED2}" type="datetimeFigureOut">
               <a:rPr lang="en-US" smtClean="0"/>
               <a:pPr/>
-              <a:t>11/2/2010</a:t>
+              <a:t>11/3/2010</a:t>
             </a:fld>
             <a:endParaRPr lang="en-US" dirty="0"/>
           </a:p>
@@ -3044,7 +3044,7 @@
             <a:fld id="{757B281C-5159-4971-8228-52B9A72E9ED2}" type="datetimeFigureOut">
               <a:rPr lang="en-US" smtClean="0"/>
               <a:pPr/>
-              <a:t>11/2/2010</a:t>
+              <a:t>11/3/2010</a:t>
             </a:fld>
             <a:endParaRPr lang="en-US" dirty="0"/>
           </a:p>
@@ -3180,7 +3180,7 @@
             <a:fld id="{757B281C-5159-4971-8228-52B9A72E9ED2}" type="datetimeFigureOut">
               <a:rPr lang="en-US" smtClean="0"/>
               <a:pPr/>
-              <a:t>11/2/2010</a:t>
+              <a:t>11/3/2010</a:t>
             </a:fld>
             <a:endParaRPr lang="en-US" dirty="0"/>
           </a:p>
@@ -3386,7 +3386,7 @@
             <a:fld id="{757B281C-5159-4971-8228-52B9A72E9ED2}" type="datetimeFigureOut">
               <a:rPr lang="en-US" smtClean="0"/>
               <a:pPr/>
-              <a:t>11/2/2010</a:t>
+              <a:t>11/3/2010</a:t>
             </a:fld>
             <a:endParaRPr lang="en-US" dirty="0"/>
           </a:p>
@@ -3785,7 +3785,7 @@
             <a:fld id="{757B281C-5159-4971-8228-52B9A72E9ED2}" type="datetimeFigureOut">
               <a:rPr lang="en-US" smtClean="0"/>
               <a:pPr/>
-              <a:t>11/2/2010</a:t>
+              <a:t>11/3/2010</a:t>
             </a:fld>
             <a:endParaRPr lang="en-US" dirty="0"/>
           </a:p>
@@ -4085,7 +4085,7 @@
             <a:fld id="{757B281C-5159-4971-8228-52B9A72E9ED2}" type="datetimeFigureOut">
               <a:rPr lang="en-US" smtClean="0"/>
               <a:pPr/>
-              <a:t>11/2/2010</a:t>
+              <a:t>11/3/2010</a:t>
             </a:fld>
             <a:endParaRPr lang="en-US" dirty="0"/>
           </a:p>
@@ -4514,7 +4514,7 @@
             <a:fld id="{757B281C-5159-4971-8228-52B9A72E9ED2}" type="datetimeFigureOut">
               <a:rPr lang="en-US" smtClean="0"/>
               <a:pPr/>
-              <a:t>11/2/2010</a:t>
+              <a:t>11/3/2010</a:t>
             </a:fld>
             <a:endParaRPr lang="en-US" dirty="0"/>
           </a:p>
@@ -4791,7 +4791,7 @@
             <a:fld id="{757B281C-5159-4971-8228-52B9A72E9ED2}" type="datetimeFigureOut">
               <a:rPr lang="en-US" smtClean="0"/>
               <a:pPr/>
-              <a:t>11/2/2010</a:t>
+              <a:t>11/3/2010</a:t>
             </a:fld>
             <a:endParaRPr lang="en-US" dirty="0"/>
           </a:p>
@@ -5055,7 +5055,7 @@
             <a:fld id="{757B281C-5159-4971-8228-52B9A72E9ED2}" type="datetimeFigureOut">
               <a:rPr lang="en-US" smtClean="0"/>
               <a:pPr/>
-              <a:t>11/2/2010</a:t>
+              <a:t>11/3/2010</a:t>
             </a:fld>
             <a:endParaRPr lang="en-US" dirty="0"/>
           </a:p>
@@ -5225,7 +5225,7 @@
             <a:fld id="{757B281C-5159-4971-8228-52B9A72E9ED2}" type="datetimeFigureOut">
               <a:rPr lang="en-US" smtClean="0"/>
               <a:pPr/>
-              <a:t>11/2/2010</a:t>
+              <a:t>11/3/2010</a:t>
             </a:fld>
             <a:endParaRPr lang="en-US" dirty="0"/>
           </a:p>
@@ -5405,7 +5405,7 @@
             <a:fld id="{757B281C-5159-4971-8228-52B9A72E9ED2}" type="datetimeFigureOut">
               <a:rPr lang="en-US" smtClean="0"/>
               <a:pPr/>
-              <a:t>11/2/2010</a:t>
+              <a:t>11/3/2010</a:t>
             </a:fld>
             <a:endParaRPr lang="en-US" dirty="0"/>
           </a:p>
@@ -5647,7 +5647,7 @@
             <a:fld id="{757B281C-5159-4971-8228-52B9A72E9ED2}" type="datetimeFigureOut">
               <a:rPr lang="en-US" smtClean="0"/>
               <a:pPr/>
-              <a:t>11/2/2010</a:t>
+              <a:t>11/3/2010</a:t>
             </a:fld>
             <a:endParaRPr lang="en-US" dirty="0"/>
           </a:p>
@@ -6126,11 +6126,14 @@
           </a:p>
           <a:p>
             <a:r>
-              <a:rPr lang="en-US" sz="2400" dirty="0" smtClean="0">
+              <a:rPr lang="en-US" sz="2400" smtClean="0">
                 <a:latin typeface="+mn-lt"/>
               </a:rPr>
-              <a:t>10/6/2010</a:t>
-            </a:r>
+              <a:t>11/6/2010</a:t>
+            </a:r>
+            <a:endParaRPr lang="en-US" sz="2400" dirty="0" smtClean="0">
+              <a:latin typeface="+mn-lt"/>
+            </a:endParaRPr>
           </a:p>
           <a:p>
             <a:endParaRPr lang="en-US" sz="2400" dirty="0">
@@ -7101,11 +7104,7 @@
           <a:p>
             <a:r>
               <a:rPr lang="en-US" sz="4000" dirty="0" smtClean="0"/>
-              <a:t>It’s hard to go wrong with TDD, but when BDD is a better fit, use it</a:t>
-            </a:r>
-            <a:r>
-              <a:rPr lang="en-US" sz="4000" dirty="0" smtClean="0"/>
-              <a:t>.</a:t>
+              <a:t>It’s hard to go wrong with TDD, but when BDD is a better fit, use it.</a:t>
             </a:r>
           </a:p>
           <a:p>

--- a/BDD and SpecFlow.pptx
+++ b/BDD and SpecFlow.pptx
@@ -239,7 +239,7 @@
             <a:fld id="{D83FDC75-7F73-4A4A-A77C-09AADF00E0EA}" type="datetimeFigureOut">
               <a:rPr lang="en-US" smtClean="0"/>
               <a:pPr/>
-              <a:t>11/3/2010</a:t>
+              <a:t>11/4/2010</a:t>
             </a:fld>
             <a:endParaRPr lang="en-US" dirty="0"/>
           </a:p>
@@ -406,7 +406,7 @@
             <a:fld id="{48AEF76B-3757-4A0B-AF93-28494465C1DD}" type="datetimeFigureOut">
               <a:rPr lang="en-US" smtClean="0"/>
               <a:pPr/>
-              <a:t>11/3/2010</a:t>
+              <a:t>11/4/2010</a:t>
             </a:fld>
             <a:endParaRPr lang="en-US" dirty="0"/>
           </a:p>
@@ -2942,7 +2942,7 @@
             <a:fld id="{757B281C-5159-4971-8228-52B9A72E9ED2}" type="datetimeFigureOut">
               <a:rPr lang="en-US" smtClean="0"/>
               <a:pPr/>
-              <a:t>11/3/2010</a:t>
+              <a:t>11/4/2010</a:t>
             </a:fld>
             <a:endParaRPr lang="en-US" dirty="0"/>
           </a:p>
@@ -3044,7 +3044,7 @@
             <a:fld id="{757B281C-5159-4971-8228-52B9A72E9ED2}" type="datetimeFigureOut">
               <a:rPr lang="en-US" smtClean="0"/>
               <a:pPr/>
-              <a:t>11/3/2010</a:t>
+              <a:t>11/4/2010</a:t>
             </a:fld>
             <a:endParaRPr lang="en-US" dirty="0"/>
           </a:p>
@@ -3180,7 +3180,7 @@
             <a:fld id="{757B281C-5159-4971-8228-52B9A72E9ED2}" type="datetimeFigureOut">
               <a:rPr lang="en-US" smtClean="0"/>
               <a:pPr/>
-              <a:t>11/3/2010</a:t>
+              <a:t>11/4/2010</a:t>
             </a:fld>
             <a:endParaRPr lang="en-US" dirty="0"/>
           </a:p>
@@ -3386,7 +3386,7 @@
             <a:fld id="{757B281C-5159-4971-8228-52B9A72E9ED2}" type="datetimeFigureOut">
               <a:rPr lang="en-US" smtClean="0"/>
               <a:pPr/>
-              <a:t>11/3/2010</a:t>
+              <a:t>11/4/2010</a:t>
             </a:fld>
             <a:endParaRPr lang="en-US" dirty="0"/>
           </a:p>
@@ -3785,7 +3785,7 @@
             <a:fld id="{757B281C-5159-4971-8228-52B9A72E9ED2}" type="datetimeFigureOut">
               <a:rPr lang="en-US" smtClean="0"/>
               <a:pPr/>
-              <a:t>11/3/2010</a:t>
+              <a:t>11/4/2010</a:t>
             </a:fld>
             <a:endParaRPr lang="en-US" dirty="0"/>
           </a:p>
@@ -4085,7 +4085,7 @@
             <a:fld id="{757B281C-5159-4971-8228-52B9A72E9ED2}" type="datetimeFigureOut">
               <a:rPr lang="en-US" smtClean="0"/>
               <a:pPr/>
-              <a:t>11/3/2010</a:t>
+              <a:t>11/4/2010</a:t>
             </a:fld>
             <a:endParaRPr lang="en-US" dirty="0"/>
           </a:p>
@@ -4514,7 +4514,7 @@
             <a:fld id="{757B281C-5159-4971-8228-52B9A72E9ED2}" type="datetimeFigureOut">
               <a:rPr lang="en-US" smtClean="0"/>
               <a:pPr/>
-              <a:t>11/3/2010</a:t>
+              <a:t>11/4/2010</a:t>
             </a:fld>
             <a:endParaRPr lang="en-US" dirty="0"/>
           </a:p>
@@ -4791,7 +4791,7 @@
             <a:fld id="{757B281C-5159-4971-8228-52B9A72E9ED2}" type="datetimeFigureOut">
               <a:rPr lang="en-US" smtClean="0"/>
               <a:pPr/>
-              <a:t>11/3/2010</a:t>
+              <a:t>11/4/2010</a:t>
             </a:fld>
             <a:endParaRPr lang="en-US" dirty="0"/>
           </a:p>
@@ -5055,7 +5055,7 @@
             <a:fld id="{757B281C-5159-4971-8228-52B9A72E9ED2}" type="datetimeFigureOut">
               <a:rPr lang="en-US" smtClean="0"/>
               <a:pPr/>
-              <a:t>11/3/2010</a:t>
+              <a:t>11/4/2010</a:t>
             </a:fld>
             <a:endParaRPr lang="en-US" dirty="0"/>
           </a:p>
@@ -5225,7 +5225,7 @@
             <a:fld id="{757B281C-5159-4971-8228-52B9A72E9ED2}" type="datetimeFigureOut">
               <a:rPr lang="en-US" smtClean="0"/>
               <a:pPr/>
-              <a:t>11/3/2010</a:t>
+              <a:t>11/4/2010</a:t>
             </a:fld>
             <a:endParaRPr lang="en-US" dirty="0"/>
           </a:p>
@@ -5405,7 +5405,7 @@
             <a:fld id="{757B281C-5159-4971-8228-52B9A72E9ED2}" type="datetimeFigureOut">
               <a:rPr lang="en-US" smtClean="0"/>
               <a:pPr/>
-              <a:t>11/3/2010</a:t>
+              <a:t>11/4/2010</a:t>
             </a:fld>
             <a:endParaRPr lang="en-US" dirty="0"/>
           </a:p>
@@ -5647,7 +5647,7 @@
             <a:fld id="{757B281C-5159-4971-8228-52B9A72E9ED2}" type="datetimeFigureOut">
               <a:rPr lang="en-US" smtClean="0"/>
               <a:pPr/>
-              <a:t>11/3/2010</a:t>
+              <a:t>11/4/2010</a:t>
             </a:fld>
             <a:endParaRPr lang="en-US" dirty="0"/>
           </a:p>
